--- a/Documentação/pptx/Banner2.pptx
+++ b/Documentação/pptx/Banner2.pptx
@@ -5,9 +5,11 @@
     <p:sldMasterId id="2147483696" r:id="rId1"/>
   </p:sldMasterIdLst>
   <p:sldIdLst>
-    <p:sldId id="256" r:id="rId2"/>
-    <p:sldId id="257" r:id="rId3"/>
+    <p:sldId id="260" r:id="rId2"/>
+    <p:sldId id="259" r:id="rId3"/>
     <p:sldId id="258" r:id="rId4"/>
+    <p:sldId id="257" r:id="rId5"/>
+    <p:sldId id="256" r:id="rId6"/>
   </p:sldIdLst>
   <p:sldSz cx="11144250" cy="3667125"/>
   <p:notesSz cx="6858000" cy="9144000"/>
@@ -156,7 +158,7 @@
           </a:lstStyle>
           <a:p>
             <a:r>
-              <a:rPr lang="pt-BR" smtClean="0"/>
+              <a:rPr lang="pt-BR"/>
               <a:t>Clique para editar o título mestre</a:t>
             </a:r>
             <a:endParaRPr lang="en-US" dirty="0"/>
@@ -221,7 +223,7 @@
           </a:lstStyle>
           <a:p>
             <a:r>
-              <a:rPr lang="pt-BR" smtClean="0"/>
+              <a:rPr lang="pt-BR"/>
               <a:t>Clique para editar o estilo do subtítulo mestre</a:t>
             </a:r>
             <a:endParaRPr lang="en-US" dirty="0"/>
@@ -339,7 +341,7 @@
           <a:lstStyle/>
           <a:p>
             <a:r>
-              <a:rPr lang="pt-BR" smtClean="0"/>
+              <a:rPr lang="pt-BR"/>
               <a:t>Clique para editar o título mestre</a:t>
             </a:r>
             <a:endParaRPr lang="en-US" dirty="0"/>
@@ -363,35 +365,35 @@
           <a:p>
             <a:pPr lvl="0"/>
             <a:r>
-              <a:rPr lang="pt-BR" smtClean="0"/>
+              <a:rPr lang="pt-BR"/>
               <a:t>Clique para editar o texto mestre</a:t>
             </a:r>
           </a:p>
           <a:p>
             <a:pPr lvl="1"/>
             <a:r>
-              <a:rPr lang="pt-BR" smtClean="0"/>
+              <a:rPr lang="pt-BR"/>
               <a:t>Segundo nível</a:t>
             </a:r>
           </a:p>
           <a:p>
             <a:pPr lvl="2"/>
             <a:r>
-              <a:rPr lang="pt-BR" smtClean="0"/>
+              <a:rPr lang="pt-BR"/>
               <a:t>Terceiro nível</a:t>
             </a:r>
           </a:p>
           <a:p>
             <a:pPr lvl="3"/>
             <a:r>
-              <a:rPr lang="pt-BR" smtClean="0"/>
+              <a:rPr lang="pt-BR"/>
               <a:t>Quarto nível</a:t>
             </a:r>
           </a:p>
           <a:p>
             <a:pPr lvl="4"/>
             <a:r>
-              <a:rPr lang="pt-BR" smtClean="0"/>
+              <a:rPr lang="pt-BR"/>
               <a:t>Quinto nível</a:t>
             </a:r>
             <a:endParaRPr lang="en-US" dirty="0"/>
@@ -514,7 +516,7 @@
           <a:lstStyle/>
           <a:p>
             <a:r>
-              <a:rPr lang="pt-BR" smtClean="0"/>
+              <a:rPr lang="pt-BR"/>
               <a:t>Clique para editar o título mestre</a:t>
             </a:r>
             <a:endParaRPr lang="en-US" dirty="0"/>
@@ -543,35 +545,35 @@
           <a:p>
             <a:pPr lvl="0"/>
             <a:r>
-              <a:rPr lang="pt-BR" smtClean="0"/>
+              <a:rPr lang="pt-BR"/>
               <a:t>Clique para editar o texto mestre</a:t>
             </a:r>
           </a:p>
           <a:p>
             <a:pPr lvl="1"/>
             <a:r>
-              <a:rPr lang="pt-BR" smtClean="0"/>
+              <a:rPr lang="pt-BR"/>
               <a:t>Segundo nível</a:t>
             </a:r>
           </a:p>
           <a:p>
             <a:pPr lvl="2"/>
             <a:r>
-              <a:rPr lang="pt-BR" smtClean="0"/>
+              <a:rPr lang="pt-BR"/>
               <a:t>Terceiro nível</a:t>
             </a:r>
           </a:p>
           <a:p>
             <a:pPr lvl="3"/>
             <a:r>
-              <a:rPr lang="pt-BR" smtClean="0"/>
+              <a:rPr lang="pt-BR"/>
               <a:t>Quarto nível</a:t>
             </a:r>
           </a:p>
           <a:p>
             <a:pPr lvl="4"/>
             <a:r>
-              <a:rPr lang="pt-BR" smtClean="0"/>
+              <a:rPr lang="pt-BR"/>
               <a:t>Quinto nível</a:t>
             </a:r>
             <a:endParaRPr lang="en-US" dirty="0"/>
@@ -689,7 +691,7 @@
           <a:lstStyle/>
           <a:p>
             <a:r>
-              <a:rPr lang="pt-BR" smtClean="0"/>
+              <a:rPr lang="pt-BR"/>
               <a:t>Clique para editar o título mestre</a:t>
             </a:r>
             <a:endParaRPr lang="en-US" dirty="0"/>
@@ -713,35 +715,35 @@
           <a:p>
             <a:pPr lvl="0"/>
             <a:r>
-              <a:rPr lang="pt-BR" smtClean="0"/>
+              <a:rPr lang="pt-BR"/>
               <a:t>Clique para editar o texto mestre</a:t>
             </a:r>
           </a:p>
           <a:p>
             <a:pPr lvl="1"/>
             <a:r>
-              <a:rPr lang="pt-BR" smtClean="0"/>
+              <a:rPr lang="pt-BR"/>
               <a:t>Segundo nível</a:t>
             </a:r>
           </a:p>
           <a:p>
             <a:pPr lvl="2"/>
             <a:r>
-              <a:rPr lang="pt-BR" smtClean="0"/>
+              <a:rPr lang="pt-BR"/>
               <a:t>Terceiro nível</a:t>
             </a:r>
           </a:p>
           <a:p>
             <a:pPr lvl="3"/>
             <a:r>
-              <a:rPr lang="pt-BR" smtClean="0"/>
+              <a:rPr lang="pt-BR"/>
               <a:t>Quarto nível</a:t>
             </a:r>
           </a:p>
           <a:p>
             <a:pPr lvl="4"/>
             <a:r>
-              <a:rPr lang="pt-BR" smtClean="0"/>
+              <a:rPr lang="pt-BR"/>
               <a:t>Quinto nível</a:t>
             </a:r>
             <a:endParaRPr lang="en-US" dirty="0"/>
@@ -868,7 +870,7 @@
           </a:lstStyle>
           <a:p>
             <a:r>
-              <a:rPr lang="pt-BR" smtClean="0"/>
+              <a:rPr lang="pt-BR"/>
               <a:t>Clique para editar o título mestre</a:t>
             </a:r>
             <a:endParaRPr lang="en-US" dirty="0"/>
@@ -988,7 +990,7 @@
           <a:p>
             <a:pPr lvl="0"/>
             <a:r>
-              <a:rPr lang="pt-BR" smtClean="0"/>
+              <a:rPr lang="pt-BR"/>
               <a:t>Clique para editar o texto mestre</a:t>
             </a:r>
           </a:p>
@@ -1105,7 +1107,7 @@
           <a:lstStyle/>
           <a:p>
             <a:r>
-              <a:rPr lang="pt-BR" smtClean="0"/>
+              <a:rPr lang="pt-BR"/>
               <a:t>Clique para editar o título mestre</a:t>
             </a:r>
             <a:endParaRPr lang="en-US" dirty="0"/>
@@ -1134,35 +1136,35 @@
           <a:p>
             <a:pPr lvl="0"/>
             <a:r>
-              <a:rPr lang="pt-BR" smtClean="0"/>
+              <a:rPr lang="pt-BR"/>
               <a:t>Clique para editar o texto mestre</a:t>
             </a:r>
           </a:p>
           <a:p>
             <a:pPr lvl="1"/>
             <a:r>
-              <a:rPr lang="pt-BR" smtClean="0"/>
+              <a:rPr lang="pt-BR"/>
               <a:t>Segundo nível</a:t>
             </a:r>
           </a:p>
           <a:p>
             <a:pPr lvl="2"/>
             <a:r>
-              <a:rPr lang="pt-BR" smtClean="0"/>
+              <a:rPr lang="pt-BR"/>
               <a:t>Terceiro nível</a:t>
             </a:r>
           </a:p>
           <a:p>
             <a:pPr lvl="3"/>
             <a:r>
-              <a:rPr lang="pt-BR" smtClean="0"/>
+              <a:rPr lang="pt-BR"/>
               <a:t>Quarto nível</a:t>
             </a:r>
           </a:p>
           <a:p>
             <a:pPr lvl="4"/>
             <a:r>
-              <a:rPr lang="pt-BR" smtClean="0"/>
+              <a:rPr lang="pt-BR"/>
               <a:t>Quinto nível</a:t>
             </a:r>
             <a:endParaRPr lang="en-US" dirty="0"/>
@@ -1191,35 +1193,35 @@
           <a:p>
             <a:pPr lvl="0"/>
             <a:r>
-              <a:rPr lang="pt-BR" smtClean="0"/>
+              <a:rPr lang="pt-BR"/>
               <a:t>Clique para editar o texto mestre</a:t>
             </a:r>
           </a:p>
           <a:p>
             <a:pPr lvl="1"/>
             <a:r>
-              <a:rPr lang="pt-BR" smtClean="0"/>
+              <a:rPr lang="pt-BR"/>
               <a:t>Segundo nível</a:t>
             </a:r>
           </a:p>
           <a:p>
             <a:pPr lvl="2"/>
             <a:r>
-              <a:rPr lang="pt-BR" smtClean="0"/>
+              <a:rPr lang="pt-BR"/>
               <a:t>Terceiro nível</a:t>
             </a:r>
           </a:p>
           <a:p>
             <a:pPr lvl="3"/>
             <a:r>
-              <a:rPr lang="pt-BR" smtClean="0"/>
+              <a:rPr lang="pt-BR"/>
               <a:t>Quarto nível</a:t>
             </a:r>
           </a:p>
           <a:p>
             <a:pPr lvl="4"/>
             <a:r>
-              <a:rPr lang="pt-BR" smtClean="0"/>
+              <a:rPr lang="pt-BR"/>
               <a:t>Quinto nível</a:t>
             </a:r>
             <a:endParaRPr lang="en-US" dirty="0"/>
@@ -1342,7 +1344,7 @@
           <a:lstStyle/>
           <a:p>
             <a:r>
-              <a:rPr lang="pt-BR" smtClean="0"/>
+              <a:rPr lang="pt-BR"/>
               <a:t>Clique para editar o título mestre</a:t>
             </a:r>
             <a:endParaRPr lang="en-US" dirty="0"/>
@@ -1408,7 +1410,7 @@
           <a:p>
             <a:pPr lvl="0"/>
             <a:r>
-              <a:rPr lang="pt-BR" smtClean="0"/>
+              <a:rPr lang="pt-BR"/>
               <a:t>Clique para editar o texto mestre</a:t>
             </a:r>
           </a:p>
@@ -1436,35 +1438,35 @@
           <a:p>
             <a:pPr lvl="0"/>
             <a:r>
-              <a:rPr lang="pt-BR" smtClean="0"/>
+              <a:rPr lang="pt-BR"/>
               <a:t>Clique para editar o texto mestre</a:t>
             </a:r>
           </a:p>
           <a:p>
             <a:pPr lvl="1"/>
             <a:r>
-              <a:rPr lang="pt-BR" smtClean="0"/>
+              <a:rPr lang="pt-BR"/>
               <a:t>Segundo nível</a:t>
             </a:r>
           </a:p>
           <a:p>
             <a:pPr lvl="2"/>
             <a:r>
-              <a:rPr lang="pt-BR" smtClean="0"/>
+              <a:rPr lang="pt-BR"/>
               <a:t>Terceiro nível</a:t>
             </a:r>
           </a:p>
           <a:p>
             <a:pPr lvl="3"/>
             <a:r>
-              <a:rPr lang="pt-BR" smtClean="0"/>
+              <a:rPr lang="pt-BR"/>
               <a:t>Quarto nível</a:t>
             </a:r>
           </a:p>
           <a:p>
             <a:pPr lvl="4"/>
             <a:r>
-              <a:rPr lang="pt-BR" smtClean="0"/>
+              <a:rPr lang="pt-BR"/>
               <a:t>Quinto nível</a:t>
             </a:r>
             <a:endParaRPr lang="en-US" dirty="0"/>
@@ -1530,7 +1532,7 @@
           <a:p>
             <a:pPr lvl="0"/>
             <a:r>
-              <a:rPr lang="pt-BR" smtClean="0"/>
+              <a:rPr lang="pt-BR"/>
               <a:t>Clique para editar o texto mestre</a:t>
             </a:r>
           </a:p>
@@ -1558,35 +1560,35 @@
           <a:p>
             <a:pPr lvl="0"/>
             <a:r>
-              <a:rPr lang="pt-BR" smtClean="0"/>
+              <a:rPr lang="pt-BR"/>
               <a:t>Clique para editar o texto mestre</a:t>
             </a:r>
           </a:p>
           <a:p>
             <a:pPr lvl="1"/>
             <a:r>
-              <a:rPr lang="pt-BR" smtClean="0"/>
+              <a:rPr lang="pt-BR"/>
               <a:t>Segundo nível</a:t>
             </a:r>
           </a:p>
           <a:p>
             <a:pPr lvl="2"/>
             <a:r>
-              <a:rPr lang="pt-BR" smtClean="0"/>
+              <a:rPr lang="pt-BR"/>
               <a:t>Terceiro nível</a:t>
             </a:r>
           </a:p>
           <a:p>
             <a:pPr lvl="3"/>
             <a:r>
-              <a:rPr lang="pt-BR" smtClean="0"/>
+              <a:rPr lang="pt-BR"/>
               <a:t>Quarto nível</a:t>
             </a:r>
           </a:p>
           <a:p>
             <a:pPr lvl="4"/>
             <a:r>
-              <a:rPr lang="pt-BR" smtClean="0"/>
+              <a:rPr lang="pt-BR"/>
               <a:t>Quinto nível</a:t>
             </a:r>
             <a:endParaRPr lang="en-US" dirty="0"/>
@@ -1704,7 +1706,7 @@
           <a:lstStyle/>
           <a:p>
             <a:r>
-              <a:rPr lang="pt-BR" smtClean="0"/>
+              <a:rPr lang="pt-BR"/>
               <a:t>Clique para editar o título mestre</a:t>
             </a:r>
             <a:endParaRPr lang="en-US" dirty="0"/>
@@ -1926,7 +1928,7 @@
           </a:lstStyle>
           <a:p>
             <a:r>
-              <a:rPr lang="pt-BR" smtClean="0"/>
+              <a:rPr lang="pt-BR"/>
               <a:t>Clique para editar o título mestre</a:t>
             </a:r>
             <a:endParaRPr lang="en-US" dirty="0"/>
@@ -1983,35 +1985,35 @@
           <a:p>
             <a:pPr lvl="0"/>
             <a:r>
-              <a:rPr lang="pt-BR" smtClean="0"/>
+              <a:rPr lang="pt-BR"/>
               <a:t>Clique para editar o texto mestre</a:t>
             </a:r>
           </a:p>
           <a:p>
             <a:pPr lvl="1"/>
             <a:r>
-              <a:rPr lang="pt-BR" smtClean="0"/>
+              <a:rPr lang="pt-BR"/>
               <a:t>Segundo nível</a:t>
             </a:r>
           </a:p>
           <a:p>
             <a:pPr lvl="2"/>
             <a:r>
-              <a:rPr lang="pt-BR" smtClean="0"/>
+              <a:rPr lang="pt-BR"/>
               <a:t>Terceiro nível</a:t>
             </a:r>
           </a:p>
           <a:p>
             <a:pPr lvl="3"/>
             <a:r>
-              <a:rPr lang="pt-BR" smtClean="0"/>
+              <a:rPr lang="pt-BR"/>
               <a:t>Quarto nível</a:t>
             </a:r>
           </a:p>
           <a:p>
             <a:pPr lvl="4"/>
             <a:r>
-              <a:rPr lang="pt-BR" smtClean="0"/>
+              <a:rPr lang="pt-BR"/>
               <a:t>Quinto nível</a:t>
             </a:r>
             <a:endParaRPr lang="en-US" dirty="0"/>
@@ -2077,7 +2079,7 @@
           <a:p>
             <a:pPr lvl="0"/>
             <a:r>
-              <a:rPr lang="pt-BR" smtClean="0"/>
+              <a:rPr lang="pt-BR"/>
               <a:t>Clique para editar o texto mestre</a:t>
             </a:r>
           </a:p>
@@ -2203,7 +2205,7 @@
           </a:lstStyle>
           <a:p>
             <a:r>
-              <a:rPr lang="pt-BR" smtClean="0"/>
+              <a:rPr lang="pt-BR"/>
               <a:t>Clique para editar o título mestre</a:t>
             </a:r>
             <a:endParaRPr lang="en-US" dirty="0"/>
@@ -2268,7 +2270,7 @@
           </a:lstStyle>
           <a:p>
             <a:r>
-              <a:rPr lang="pt-BR" smtClean="0"/>
+              <a:rPr lang="pt-BR"/>
               <a:t>Clique no ícone para adicionar uma imagem</a:t>
             </a:r>
             <a:endParaRPr lang="en-US" dirty="0"/>
@@ -2334,7 +2336,7 @@
           <a:p>
             <a:pPr lvl="0"/>
             <a:r>
-              <a:rPr lang="pt-BR" smtClean="0"/>
+              <a:rPr lang="pt-BR"/>
               <a:t>Clique para editar o texto mestre</a:t>
             </a:r>
           </a:p>
@@ -2466,7 +2468,7 @@
           <a:lstStyle/>
           <a:p>
             <a:r>
-              <a:rPr lang="pt-BR" smtClean="0"/>
+              <a:rPr lang="pt-BR"/>
               <a:t>Clique para editar o título mestre</a:t>
             </a:r>
             <a:endParaRPr lang="en-US" dirty="0"/>
@@ -2500,35 +2502,35 @@
           <a:p>
             <a:pPr lvl="0"/>
             <a:r>
-              <a:rPr lang="pt-BR" smtClean="0"/>
+              <a:rPr lang="pt-BR"/>
               <a:t>Clique para editar o texto mestre</a:t>
             </a:r>
           </a:p>
           <a:p>
             <a:pPr lvl="1"/>
             <a:r>
-              <a:rPr lang="pt-BR" smtClean="0"/>
+              <a:rPr lang="pt-BR"/>
               <a:t>Segundo nível</a:t>
             </a:r>
           </a:p>
           <a:p>
             <a:pPr lvl="2"/>
             <a:r>
-              <a:rPr lang="pt-BR" smtClean="0"/>
+              <a:rPr lang="pt-BR"/>
               <a:t>Terceiro nível</a:t>
             </a:r>
           </a:p>
           <a:p>
             <a:pPr lvl="3"/>
             <a:r>
-              <a:rPr lang="pt-BR" smtClean="0"/>
+              <a:rPr lang="pt-BR"/>
               <a:t>Quarto nível</a:t>
             </a:r>
           </a:p>
           <a:p>
             <a:pPr lvl="4"/>
             <a:r>
-              <a:rPr lang="pt-BR" smtClean="0"/>
+              <a:rPr lang="pt-BR"/>
               <a:t>Quinto nível</a:t>
             </a:r>
             <a:endParaRPr lang="en-US" dirty="0"/>
@@ -2975,6 +2977,2495 @@
           <a:chExt cx="0" cy="0"/>
         </a:xfrm>
       </p:grpSpPr>
+    </p:spTree>
+    <p:extLst>
+      <p:ext uri="{BB962C8B-B14F-4D97-AF65-F5344CB8AC3E}">
+        <p14:creationId xmlns:p14="http://schemas.microsoft.com/office/powerpoint/2010/main" val="3313561066"/>
+      </p:ext>
+    </p:extLst>
+  </p:cSld>
+  <p:clrMapOvr>
+    <a:masterClrMapping/>
+  </p:clrMapOvr>
+</p:sld>
+</file>
+
+<file path=ppt/slides/slide2.xml><?xml version="1.0" encoding="utf-8"?>
+<p:sld xmlns:a="http://schemas.openxmlformats.org/drawingml/2006/main" xmlns:r="http://schemas.openxmlformats.org/officeDocument/2006/relationships" xmlns:p="http://schemas.openxmlformats.org/presentationml/2006/main">
+  <p:cSld>
+    <p:spTree>
+      <p:nvGrpSpPr>
+        <p:cNvPr id="1" name=""/>
+        <p:cNvGrpSpPr/>
+        <p:nvPr/>
+      </p:nvGrpSpPr>
+      <p:grpSpPr>
+        <a:xfrm>
+          <a:off x="0" y="0"/>
+          <a:ext cx="0" cy="0"/>
+          <a:chOff x="0" y="0"/>
+          <a:chExt cx="0" cy="0"/>
+        </a:xfrm>
+      </p:grpSpPr>
+      <p:pic>
+        <p:nvPicPr>
+          <p:cNvPr id="6" name="Imagem 5">
+            <a:extLst>
+              <a:ext uri="{FF2B5EF4-FFF2-40B4-BE49-F238E27FC236}">
+                <a16:creationId xmlns:a16="http://schemas.microsoft.com/office/drawing/2014/main" id="{F0DBC76E-B314-4784-A03D-DC0CEF35E887}"/>
+              </a:ext>
+            </a:extLst>
+          </p:cNvPr>
+          <p:cNvPicPr>
+            <a:picLocks noChangeAspect="1"/>
+          </p:cNvPicPr>
+          <p:nvPr/>
+        </p:nvPicPr>
+        <p:blipFill>
+          <a:blip r:embed="rId2" cstate="print">
+            <a:extLst>
+              <a:ext uri="{28A0092B-C50C-407E-A947-70E740481C1C}">
+                <a14:useLocalDpi xmlns:a14="http://schemas.microsoft.com/office/drawing/2010/main" val="0"/>
+              </a:ext>
+            </a:extLst>
+          </a:blip>
+          <a:stretch>
+            <a:fillRect/>
+          </a:stretch>
+        </p:blipFill>
+        <p:spPr>
+          <a:xfrm>
+            <a:off x="-27708" y="-1"/>
+            <a:ext cx="4889500" cy="3667125"/>
+          </a:xfrm>
+          <a:prstGeom prst="rect">
+            <a:avLst/>
+          </a:prstGeom>
+        </p:spPr>
+      </p:pic>
+      <p:sp>
+        <p:nvSpPr>
+          <p:cNvPr id="9" name="Forma livre 7">
+            <a:extLst>
+              <a:ext uri="{FF2B5EF4-FFF2-40B4-BE49-F238E27FC236}">
+                <a16:creationId xmlns:a16="http://schemas.microsoft.com/office/drawing/2014/main" id="{BE5AC445-B32C-4612-935D-FFC307E39B6A}"/>
+              </a:ext>
+            </a:extLst>
+          </p:cNvPr>
+          <p:cNvSpPr/>
+          <p:nvPr/>
+        </p:nvSpPr>
+        <p:spPr>
+          <a:xfrm>
+            <a:off x="4244829" y="1"/>
+            <a:ext cx="6899421" cy="3667124"/>
+          </a:xfrm>
+          <a:custGeom>
+            <a:avLst/>
+            <a:gdLst>
+              <a:gd name="connsiteX0" fmla="*/ 0 w 4393622"/>
+              <a:gd name="connsiteY0" fmla="*/ 0 h 2381250"/>
+              <a:gd name="connsiteX1" fmla="*/ 969817 w 4393622"/>
+              <a:gd name="connsiteY1" fmla="*/ 0 h 2381250"/>
+              <a:gd name="connsiteX2" fmla="*/ 1194949 w 4393622"/>
+              <a:gd name="connsiteY2" fmla="*/ 0 h 2381250"/>
+              <a:gd name="connsiteX3" fmla="*/ 4393622 w 4393622"/>
+              <a:gd name="connsiteY3" fmla="*/ 0 h 2381250"/>
+              <a:gd name="connsiteX4" fmla="*/ 4393622 w 4393622"/>
+              <a:gd name="connsiteY4" fmla="*/ 2381250 h 2381250"/>
+              <a:gd name="connsiteX5" fmla="*/ 1194949 w 4393622"/>
+              <a:gd name="connsiteY5" fmla="*/ 2381250 h 2381250"/>
+              <a:gd name="connsiteX6" fmla="*/ 969817 w 4393622"/>
+              <a:gd name="connsiteY6" fmla="*/ 2381250 h 2381250"/>
+              <a:gd name="connsiteX7" fmla="*/ 0 w 4393622"/>
+              <a:gd name="connsiteY7" fmla="*/ 2381250 h 2381250"/>
+              <a:gd name="connsiteX8" fmla="*/ 405251 w 4393622"/>
+              <a:gd name="connsiteY8" fmla="*/ 1190625 h 2381250"/>
+            </a:gdLst>
+            <a:ahLst/>
+            <a:cxnLst>
+              <a:cxn ang="0">
+                <a:pos x="connsiteX0" y="connsiteY0"/>
+              </a:cxn>
+              <a:cxn ang="0">
+                <a:pos x="connsiteX1" y="connsiteY1"/>
+              </a:cxn>
+              <a:cxn ang="0">
+                <a:pos x="connsiteX2" y="connsiteY2"/>
+              </a:cxn>
+              <a:cxn ang="0">
+                <a:pos x="connsiteX3" y="connsiteY3"/>
+              </a:cxn>
+              <a:cxn ang="0">
+                <a:pos x="connsiteX4" y="connsiteY4"/>
+              </a:cxn>
+              <a:cxn ang="0">
+                <a:pos x="connsiteX5" y="connsiteY5"/>
+              </a:cxn>
+              <a:cxn ang="0">
+                <a:pos x="connsiteX6" y="connsiteY6"/>
+              </a:cxn>
+              <a:cxn ang="0">
+                <a:pos x="connsiteX7" y="connsiteY7"/>
+              </a:cxn>
+              <a:cxn ang="0">
+                <a:pos x="connsiteX8" y="connsiteY8"/>
+              </a:cxn>
+            </a:cxnLst>
+            <a:rect l="l" t="t" r="r" b="b"/>
+            <a:pathLst>
+              <a:path w="4393622" h="2381250">
+                <a:moveTo>
+                  <a:pt x="0" y="0"/>
+                </a:moveTo>
+                <a:lnTo>
+                  <a:pt x="969817" y="0"/>
+                </a:lnTo>
+                <a:lnTo>
+                  <a:pt x="1194949" y="0"/>
+                </a:lnTo>
+                <a:lnTo>
+                  <a:pt x="4393622" y="0"/>
+                </a:lnTo>
+                <a:lnTo>
+                  <a:pt x="4393622" y="2381250"/>
+                </a:lnTo>
+                <a:lnTo>
+                  <a:pt x="1194949" y="2381250"/>
+                </a:lnTo>
+                <a:lnTo>
+                  <a:pt x="969817" y="2381250"/>
+                </a:lnTo>
+                <a:lnTo>
+                  <a:pt x="0" y="2381250"/>
+                </a:lnTo>
+                <a:lnTo>
+                  <a:pt x="405251" y="1190625"/>
+                </a:lnTo>
+                <a:close/>
+              </a:path>
+            </a:pathLst>
+          </a:custGeom>
+          <a:gradFill flip="none" rotWithShape="1">
+            <a:gsLst>
+              <a:gs pos="0">
+                <a:schemeClr val="bg2">
+                  <a:lumMod val="10000"/>
+                </a:schemeClr>
+              </a:gs>
+              <a:gs pos="100000">
+                <a:srgbClr val="192C4F"/>
+              </a:gs>
+            </a:gsLst>
+            <a:lin ang="0" scaled="1"/>
+            <a:tileRect/>
+          </a:gradFill>
+          <a:ln>
+            <a:noFill/>
+          </a:ln>
+        </p:spPr>
+        <p:style>
+          <a:lnRef idx="2">
+            <a:schemeClr val="accent1">
+              <a:shade val="50000"/>
+            </a:schemeClr>
+          </a:lnRef>
+          <a:fillRef idx="1">
+            <a:schemeClr val="accent1"/>
+          </a:fillRef>
+          <a:effectRef idx="0">
+            <a:schemeClr val="accent1"/>
+          </a:effectRef>
+          <a:fontRef idx="minor">
+            <a:schemeClr val="lt1"/>
+          </a:fontRef>
+        </p:style>
+        <p:txBody>
+          <a:bodyPr rtlCol="0" anchor="ctr"/>
+          <a:lstStyle/>
+          <a:p>
+            <a:pPr algn="ctr"/>
+            <a:endParaRPr lang="pt-BR">
+              <a:solidFill>
+                <a:srgbClr val="FFFA56"/>
+              </a:solidFill>
+            </a:endParaRPr>
+          </a:p>
+        </p:txBody>
+      </p:sp>
+      <p:sp>
+        <p:nvSpPr>
+          <p:cNvPr id="10" name="Divisa 21">
+            <a:extLst>
+              <a:ext uri="{FF2B5EF4-FFF2-40B4-BE49-F238E27FC236}">
+                <a16:creationId xmlns:a16="http://schemas.microsoft.com/office/drawing/2014/main" id="{5D63D741-493B-45B6-8790-3A2B94B2C2BF}"/>
+              </a:ext>
+            </a:extLst>
+          </p:cNvPr>
+          <p:cNvSpPr/>
+          <p:nvPr/>
+        </p:nvSpPr>
+        <p:spPr>
+          <a:xfrm>
+            <a:off x="4040194" y="-2"/>
+            <a:ext cx="968034" cy="3667124"/>
+          </a:xfrm>
+          <a:prstGeom prst="chevron">
+            <a:avLst>
+              <a:gd name="adj" fmla="val 67281"/>
+            </a:avLst>
+          </a:prstGeom>
+          <a:solidFill>
+            <a:srgbClr val="2C3644"/>
+          </a:solidFill>
+          <a:ln>
+            <a:noFill/>
+          </a:ln>
+        </p:spPr>
+        <p:style>
+          <a:lnRef idx="2">
+            <a:schemeClr val="accent6">
+              <a:shade val="50000"/>
+            </a:schemeClr>
+          </a:lnRef>
+          <a:fillRef idx="1">
+            <a:schemeClr val="accent6"/>
+          </a:fillRef>
+          <a:effectRef idx="0">
+            <a:schemeClr val="accent6"/>
+          </a:effectRef>
+          <a:fontRef idx="minor">
+            <a:schemeClr val="lt1"/>
+          </a:fontRef>
+        </p:style>
+        <p:txBody>
+          <a:bodyPr rtlCol="0" anchor="ctr"/>
+          <a:lstStyle/>
+          <a:p>
+            <a:pPr algn="ctr"/>
+            <a:endParaRPr lang="pt-BR">
+              <a:solidFill>
+                <a:schemeClr val="tx1"/>
+              </a:solidFill>
+            </a:endParaRPr>
+          </a:p>
+        </p:txBody>
+      </p:sp>
+      <p:sp>
+        <p:nvSpPr>
+          <p:cNvPr id="11" name="Divisa 21">
+            <a:extLst>
+              <a:ext uri="{FF2B5EF4-FFF2-40B4-BE49-F238E27FC236}">
+                <a16:creationId xmlns:a16="http://schemas.microsoft.com/office/drawing/2014/main" id="{CF9931BC-E221-4956-AE10-68E3840A87C8}"/>
+              </a:ext>
+            </a:extLst>
+          </p:cNvPr>
+          <p:cNvSpPr/>
+          <p:nvPr/>
+        </p:nvSpPr>
+        <p:spPr>
+          <a:xfrm>
+            <a:off x="4480870" y="-5"/>
+            <a:ext cx="968034" cy="3667124"/>
+          </a:xfrm>
+          <a:prstGeom prst="chevron">
+            <a:avLst>
+              <a:gd name="adj" fmla="val 67281"/>
+            </a:avLst>
+          </a:prstGeom>
+          <a:solidFill>
+            <a:srgbClr val="2C3644"/>
+          </a:solidFill>
+          <a:ln>
+            <a:noFill/>
+          </a:ln>
+        </p:spPr>
+        <p:style>
+          <a:lnRef idx="2">
+            <a:schemeClr val="accent6">
+              <a:shade val="50000"/>
+            </a:schemeClr>
+          </a:lnRef>
+          <a:fillRef idx="1">
+            <a:schemeClr val="accent6"/>
+          </a:fillRef>
+          <a:effectRef idx="0">
+            <a:schemeClr val="accent6"/>
+          </a:effectRef>
+          <a:fontRef idx="minor">
+            <a:schemeClr val="lt1"/>
+          </a:fontRef>
+        </p:style>
+        <p:txBody>
+          <a:bodyPr rtlCol="0" anchor="ctr"/>
+          <a:lstStyle/>
+          <a:p>
+            <a:pPr algn="ctr"/>
+            <a:endParaRPr lang="pt-BR">
+              <a:solidFill>
+                <a:schemeClr val="tx1"/>
+              </a:solidFill>
+            </a:endParaRPr>
+          </a:p>
+        </p:txBody>
+      </p:sp>
+      <p:pic>
+        <p:nvPicPr>
+          <p:cNvPr id="17" name="Imagem 16" descr="Uma imagem contendo objeto&#10;&#10;Descrição gerada com alta confiança">
+            <a:extLst>
+              <a:ext uri="{FF2B5EF4-FFF2-40B4-BE49-F238E27FC236}">
+                <a16:creationId xmlns:a16="http://schemas.microsoft.com/office/drawing/2014/main" id="{088E9CD0-B79D-4E94-85C7-20DBB9802FD6}"/>
+              </a:ext>
+            </a:extLst>
+          </p:cNvPr>
+          <p:cNvPicPr>
+            <a:picLocks noChangeAspect="1"/>
+          </p:cNvPicPr>
+          <p:nvPr/>
+        </p:nvPicPr>
+        <p:blipFill>
+          <a:blip r:embed="rId3">
+            <a:extLst>
+              <a:ext uri="{28A0092B-C50C-407E-A947-70E740481C1C}">
+                <a14:useLocalDpi xmlns:a14="http://schemas.microsoft.com/office/drawing/2010/main" val="0"/>
+              </a:ext>
+            </a:extLst>
+          </a:blip>
+          <a:stretch>
+            <a:fillRect/>
+          </a:stretch>
+        </p:blipFill>
+        <p:spPr>
+          <a:xfrm rot="16200000">
+            <a:off x="8184417" y="1331747"/>
+            <a:ext cx="647088" cy="3419660"/>
+          </a:xfrm>
+          <a:prstGeom prst="rect">
+            <a:avLst/>
+          </a:prstGeom>
+          <a:effectLst>
+            <a:outerShdw blurRad="50800" dist="38100" dir="2700000" algn="tl" rotWithShape="0">
+              <a:prstClr val="black">
+                <a:alpha val="40000"/>
+              </a:prstClr>
+            </a:outerShdw>
+          </a:effectLst>
+        </p:spPr>
+      </p:pic>
+      <p:sp>
+        <p:nvSpPr>
+          <p:cNvPr id="18" name="CaixaDeTexto 17">
+            <a:extLst>
+              <a:ext uri="{FF2B5EF4-FFF2-40B4-BE49-F238E27FC236}">
+                <a16:creationId xmlns:a16="http://schemas.microsoft.com/office/drawing/2014/main" id="{E156B7A0-2634-4D15-ABFD-4C091BE8E32E}"/>
+              </a:ext>
+            </a:extLst>
+          </p:cNvPr>
+          <p:cNvSpPr txBox="1"/>
+          <p:nvPr/>
+        </p:nvSpPr>
+        <p:spPr>
+          <a:xfrm>
+            <a:off x="6872108" y="2810745"/>
+            <a:ext cx="3271707" cy="461665"/>
+          </a:xfrm>
+          <a:prstGeom prst="rect">
+            <a:avLst/>
+          </a:prstGeom>
+          <a:noFill/>
+          <a:effectLst>
+            <a:outerShdw blurRad="50800" dist="38100" dir="2700000" algn="tl" rotWithShape="0">
+              <a:prstClr val="black">
+                <a:alpha val="40000"/>
+              </a:prstClr>
+            </a:outerShdw>
+          </a:effectLst>
+        </p:spPr>
+        <p:txBody>
+          <a:bodyPr wrap="square" rtlCol="0">
+            <a:spAutoFit/>
+          </a:bodyPr>
+          <a:lstStyle/>
+          <a:p>
+            <a:pPr algn="ctr"/>
+            <a:r>
+              <a:rPr lang="pt-BR" sz="2400" dirty="0">
+                <a:solidFill>
+                  <a:srgbClr val="1C95BA"/>
+                </a:solidFill>
+                <a:latin typeface="Audiowide" panose="02000503000000020004" pitchFamily="2" charset="0"/>
+              </a:rPr>
+              <a:t>start Evento.exe</a:t>
+            </a:r>
+          </a:p>
+        </p:txBody>
+      </p:sp>
+      <p:sp>
+        <p:nvSpPr>
+          <p:cNvPr id="19" name="CaixaDeTexto 18">
+            <a:extLst>
+              <a:ext uri="{FF2B5EF4-FFF2-40B4-BE49-F238E27FC236}">
+                <a16:creationId xmlns:a16="http://schemas.microsoft.com/office/drawing/2014/main" id="{E7A4A7AB-5938-4E44-828D-575D276DFE44}"/>
+              </a:ext>
+            </a:extLst>
+          </p:cNvPr>
+          <p:cNvSpPr txBox="1"/>
+          <p:nvPr/>
+        </p:nvSpPr>
+        <p:spPr>
+          <a:xfrm>
+            <a:off x="6118016" y="-87533"/>
+            <a:ext cx="4779890" cy="1446550"/>
+          </a:xfrm>
+          <a:prstGeom prst="rect">
+            <a:avLst/>
+          </a:prstGeom>
+          <a:noFill/>
+          <a:effectLst>
+            <a:outerShdw blurRad="50800" dist="38100" dir="2700000" algn="tl" rotWithShape="0">
+              <a:prstClr val="black">
+                <a:alpha val="40000"/>
+              </a:prstClr>
+            </a:outerShdw>
+          </a:effectLst>
+        </p:spPr>
+        <p:txBody>
+          <a:bodyPr wrap="square" rtlCol="0">
+            <a:spAutoFit/>
+          </a:bodyPr>
+          <a:lstStyle/>
+          <a:p>
+            <a:pPr algn="ctr"/>
+            <a:r>
+              <a:rPr lang="pt-BR" sz="4400" dirty="0">
+                <a:solidFill>
+                  <a:srgbClr val="06FD6B"/>
+                </a:solidFill>
+                <a:latin typeface="Quantum" pitchFamily="50" charset="0"/>
+              </a:rPr>
+              <a:t>Evento do programador</a:t>
+            </a:r>
+          </a:p>
+        </p:txBody>
+      </p:sp>
+      <p:sp>
+        <p:nvSpPr>
+          <p:cNvPr id="12" name="CaixaDeTexto 11">
+            <a:extLst>
+              <a:ext uri="{FF2B5EF4-FFF2-40B4-BE49-F238E27FC236}">
+                <a16:creationId xmlns:a16="http://schemas.microsoft.com/office/drawing/2014/main" id="{8F5EB328-7C45-4B43-AAFA-457B52E9E7B5}"/>
+              </a:ext>
+            </a:extLst>
+          </p:cNvPr>
+          <p:cNvSpPr txBox="1"/>
+          <p:nvPr/>
+        </p:nvSpPr>
+        <p:spPr>
+          <a:xfrm>
+            <a:off x="6118016" y="1530693"/>
+            <a:ext cx="4779890" cy="1015663"/>
+          </a:xfrm>
+          <a:prstGeom prst="rect">
+            <a:avLst/>
+          </a:prstGeom>
+          <a:noFill/>
+          <a:effectLst>
+            <a:outerShdw blurRad="50800" dist="38100" dir="2700000" algn="tl" rotWithShape="0">
+              <a:prstClr val="black">
+                <a:alpha val="40000"/>
+              </a:prstClr>
+            </a:outerShdw>
+          </a:effectLst>
+        </p:spPr>
+        <p:txBody>
+          <a:bodyPr wrap="square" rtlCol="0">
+            <a:spAutoFit/>
+          </a:bodyPr>
+          <a:lstStyle/>
+          <a:p>
+            <a:pPr algn="ctr"/>
+            <a:r>
+              <a:rPr lang="pt-BR" sz="2000" dirty="0">
+                <a:solidFill>
+                  <a:srgbClr val="FFFA56"/>
+                </a:solidFill>
+                <a:latin typeface="Space Age" panose="02000500020000020004" pitchFamily="2" charset="0"/>
+              </a:rPr>
+              <a:t>Tudo que você precisa para programar, </a:t>
+            </a:r>
+          </a:p>
+          <a:p>
+            <a:pPr algn="ctr"/>
+            <a:r>
+              <a:rPr lang="pt-BR" sz="2000" dirty="0">
+                <a:solidFill>
+                  <a:srgbClr val="FFFA56"/>
+                </a:solidFill>
+                <a:latin typeface="Space Age" panose="02000500020000020004" pitchFamily="2" charset="0"/>
+              </a:rPr>
+              <a:t>menos o café...</a:t>
+            </a:r>
+          </a:p>
+        </p:txBody>
+      </p:sp>
+      <p:pic>
+        <p:nvPicPr>
+          <p:cNvPr id="5" name="Imagem 4">
+            <a:extLst>
+              <a:ext uri="{FF2B5EF4-FFF2-40B4-BE49-F238E27FC236}">
+                <a16:creationId xmlns:a16="http://schemas.microsoft.com/office/drawing/2014/main" id="{88E6F922-1F28-47EF-9D11-F8E2D6876726}"/>
+              </a:ext>
+            </a:extLst>
+          </p:cNvPr>
+          <p:cNvPicPr>
+            <a:picLocks noChangeAspect="1"/>
+          </p:cNvPicPr>
+          <p:nvPr/>
+        </p:nvPicPr>
+        <p:blipFill>
+          <a:blip r:embed="rId4">
+            <a:extLst>
+              <a:ext uri="{28A0092B-C50C-407E-A947-70E740481C1C}">
+                <a14:useLocalDpi xmlns:a14="http://schemas.microsoft.com/office/drawing/2010/main" val="0"/>
+              </a:ext>
+            </a:extLst>
+          </a:blip>
+          <a:stretch>
+            <a:fillRect/>
+          </a:stretch>
+        </p:blipFill>
+        <p:spPr>
+          <a:xfrm rot="19627428">
+            <a:off x="5002169" y="2310222"/>
+            <a:ext cx="2027059" cy="917935"/>
+          </a:xfrm>
+          <a:prstGeom prst="rect">
+            <a:avLst/>
+          </a:prstGeom>
+          <a:effectLst>
+            <a:outerShdw blurRad="50800" dist="38100" dir="2700000" algn="tl" rotWithShape="0">
+              <a:prstClr val="black">
+                <a:alpha val="40000"/>
+              </a:prstClr>
+            </a:outerShdw>
+          </a:effectLst>
+        </p:spPr>
+      </p:pic>
+    </p:spTree>
+    <p:extLst>
+      <p:ext uri="{BB962C8B-B14F-4D97-AF65-F5344CB8AC3E}">
+        <p14:creationId xmlns:p14="http://schemas.microsoft.com/office/powerpoint/2010/main" val="3592245737"/>
+      </p:ext>
+    </p:extLst>
+  </p:cSld>
+  <p:clrMapOvr>
+    <a:masterClrMapping/>
+  </p:clrMapOvr>
+</p:sld>
+</file>
+
+<file path=ppt/slides/slide3.xml><?xml version="1.0" encoding="utf-8"?>
+<p:sld xmlns:a="http://schemas.openxmlformats.org/drawingml/2006/main" xmlns:r="http://schemas.openxmlformats.org/officeDocument/2006/relationships" xmlns:p="http://schemas.openxmlformats.org/presentationml/2006/main">
+  <p:cSld>
+    <p:spTree>
+      <p:nvGrpSpPr>
+        <p:cNvPr id="1" name=""/>
+        <p:cNvGrpSpPr/>
+        <p:nvPr/>
+      </p:nvGrpSpPr>
+      <p:grpSpPr>
+        <a:xfrm>
+          <a:off x="0" y="0"/>
+          <a:ext cx="0" cy="0"/>
+          <a:chOff x="0" y="0"/>
+          <a:chExt cx="0" cy="0"/>
+        </a:xfrm>
+      </p:grpSpPr>
+      <p:pic>
+        <p:nvPicPr>
+          <p:cNvPr id="2" name="Picture 6" descr="Imagem relacionada">
+            <a:extLst>
+              <a:ext uri="{FF2B5EF4-FFF2-40B4-BE49-F238E27FC236}">
+                <a16:creationId xmlns:a16="http://schemas.microsoft.com/office/drawing/2014/main" id="{290145D6-4FB3-419C-9733-CA16B68E35D4}"/>
+              </a:ext>
+            </a:extLst>
+          </p:cNvPr>
+          <p:cNvPicPr>
+            <a:picLocks noChangeAspect="1" noChangeArrowheads="1"/>
+          </p:cNvPicPr>
+          <p:nvPr/>
+        </p:nvPicPr>
+        <p:blipFill>
+          <a:blip r:embed="rId2">
+            <a:extLst>
+              <a:ext uri="{28A0092B-C50C-407E-A947-70E740481C1C}">
+                <a14:useLocalDpi xmlns:a14="http://schemas.microsoft.com/office/drawing/2010/main" val="0"/>
+              </a:ext>
+            </a:extLst>
+          </a:blip>
+          <a:srcRect/>
+          <a:stretch>
+            <a:fillRect/>
+          </a:stretch>
+        </p:blipFill>
+        <p:spPr bwMode="auto">
+          <a:xfrm>
+            <a:off x="5643562" y="-1"/>
+            <a:ext cx="5500688" cy="3667125"/>
+          </a:xfrm>
+          <a:prstGeom prst="rect">
+            <a:avLst/>
+          </a:prstGeom>
+          <a:noFill/>
+          <a:extLst>
+            <a:ext uri="{909E8E84-426E-40DD-AFC4-6F175D3DCCD1}">
+              <a14:hiddenFill xmlns:a14="http://schemas.microsoft.com/office/drawing/2010/main">
+                <a:solidFill>
+                  <a:srgbClr val="FFFFFF"/>
+                </a:solidFill>
+              </a14:hiddenFill>
+            </a:ext>
+          </a:extLst>
+        </p:spPr>
+      </p:pic>
+      <p:sp>
+        <p:nvSpPr>
+          <p:cNvPr id="5" name="Forma Livre: Forma 4">
+            <a:extLst>
+              <a:ext uri="{FF2B5EF4-FFF2-40B4-BE49-F238E27FC236}">
+                <a16:creationId xmlns:a16="http://schemas.microsoft.com/office/drawing/2014/main" id="{9B3CBDC6-F54C-4C55-AE66-BB48241AE87B}"/>
+              </a:ext>
+            </a:extLst>
+          </p:cNvPr>
+          <p:cNvSpPr/>
+          <p:nvPr/>
+        </p:nvSpPr>
+        <p:spPr>
+          <a:xfrm flipV="1">
+            <a:off x="0" y="0"/>
+            <a:ext cx="6990759" cy="3775046"/>
+          </a:xfrm>
+          <a:custGeom>
+            <a:avLst/>
+            <a:gdLst>
+              <a:gd name="connsiteX0" fmla="*/ 0 w 4312921"/>
+              <a:gd name="connsiteY0" fmla="*/ 0 h 2381250"/>
+              <a:gd name="connsiteX1" fmla="*/ 3502384 w 4312921"/>
+              <a:gd name="connsiteY1" fmla="*/ 0 h 2381250"/>
+              <a:gd name="connsiteX2" fmla="*/ 4312921 w 4312921"/>
+              <a:gd name="connsiteY2" fmla="*/ 2381250 h 2381250"/>
+              <a:gd name="connsiteX3" fmla="*/ 3502384 w 4312921"/>
+              <a:gd name="connsiteY3" fmla="*/ 2381250 h 2381250"/>
+              <a:gd name="connsiteX4" fmla="*/ 0 w 4312921"/>
+              <a:gd name="connsiteY4" fmla="*/ 2381250 h 2381250"/>
+            </a:gdLst>
+            <a:ahLst/>
+            <a:cxnLst>
+              <a:cxn ang="0">
+                <a:pos x="connsiteX0" y="connsiteY0"/>
+              </a:cxn>
+              <a:cxn ang="0">
+                <a:pos x="connsiteX1" y="connsiteY1"/>
+              </a:cxn>
+              <a:cxn ang="0">
+                <a:pos x="connsiteX2" y="connsiteY2"/>
+              </a:cxn>
+              <a:cxn ang="0">
+                <a:pos x="connsiteX3" y="connsiteY3"/>
+              </a:cxn>
+              <a:cxn ang="0">
+                <a:pos x="connsiteX4" y="connsiteY4"/>
+              </a:cxn>
+            </a:cxnLst>
+            <a:rect l="l" t="t" r="r" b="b"/>
+            <a:pathLst>
+              <a:path w="4312921" h="2381250">
+                <a:moveTo>
+                  <a:pt x="0" y="0"/>
+                </a:moveTo>
+                <a:lnTo>
+                  <a:pt x="3502384" y="0"/>
+                </a:lnTo>
+                <a:lnTo>
+                  <a:pt x="4312921" y="2381250"/>
+                </a:lnTo>
+                <a:lnTo>
+                  <a:pt x="3502384" y="2381250"/>
+                </a:lnTo>
+                <a:lnTo>
+                  <a:pt x="0" y="2381250"/>
+                </a:lnTo>
+                <a:close/>
+              </a:path>
+            </a:pathLst>
+          </a:custGeom>
+          <a:gradFill>
+            <a:gsLst>
+              <a:gs pos="0">
+                <a:srgbClr val="4E1220"/>
+              </a:gs>
+              <a:gs pos="100000">
+                <a:srgbClr val="4C0000"/>
+              </a:gs>
+            </a:gsLst>
+            <a:lin ang="5400000" scaled="1"/>
+          </a:gradFill>
+          <a:ln>
+            <a:noFill/>
+          </a:ln>
+        </p:spPr>
+        <p:style>
+          <a:lnRef idx="2">
+            <a:schemeClr val="accent1">
+              <a:shade val="50000"/>
+            </a:schemeClr>
+          </a:lnRef>
+          <a:fillRef idx="1">
+            <a:schemeClr val="accent1"/>
+          </a:fillRef>
+          <a:effectRef idx="0">
+            <a:schemeClr val="accent1"/>
+          </a:effectRef>
+          <a:fontRef idx="minor">
+            <a:schemeClr val="lt1"/>
+          </a:fontRef>
+        </p:style>
+        <p:txBody>
+          <a:bodyPr rtlCol="0" anchor="ctr"/>
+          <a:lstStyle/>
+          <a:p>
+            <a:pPr algn="ctr"/>
+            <a:endParaRPr lang="pt-BR" dirty="0"/>
+          </a:p>
+        </p:txBody>
+      </p:sp>
+      <p:cxnSp>
+        <p:nvCxnSpPr>
+          <p:cNvPr id="3" name="Conector reto 2">
+            <a:extLst>
+              <a:ext uri="{FF2B5EF4-FFF2-40B4-BE49-F238E27FC236}">
+                <a16:creationId xmlns:a16="http://schemas.microsoft.com/office/drawing/2014/main" id="{39FB38A1-9C04-40AB-B749-8D734E63228D}"/>
+              </a:ext>
+            </a:extLst>
+          </p:cNvPr>
+          <p:cNvCxnSpPr>
+            <a:cxnSpLocks/>
+          </p:cNvCxnSpPr>
+          <p:nvPr/>
+        </p:nvCxnSpPr>
+        <p:spPr>
+          <a:xfrm flipV="1">
+            <a:off x="5643562" y="-184558"/>
+            <a:ext cx="1470302" cy="4057148"/>
+          </a:xfrm>
+          <a:prstGeom prst="line">
+            <a:avLst/>
+          </a:prstGeom>
+          <a:ln w="165100">
+            <a:gradFill>
+              <a:gsLst>
+                <a:gs pos="77000">
+                  <a:srgbClr val="FBEF9C"/>
+                </a:gs>
+                <a:gs pos="47000">
+                  <a:srgbClr val="B07E08"/>
+                </a:gs>
+                <a:gs pos="100000">
+                  <a:srgbClr val="B8880F"/>
+                </a:gs>
+              </a:gsLst>
+              <a:lin ang="5400000" scaled="1"/>
+            </a:gradFill>
+          </a:ln>
+          <a:effectLst>
+            <a:outerShdw blurRad="50800" dist="38100" dir="2700000" algn="tl" rotWithShape="0">
+              <a:prstClr val="black">
+                <a:alpha val="40000"/>
+              </a:prstClr>
+            </a:outerShdw>
+          </a:effectLst>
+        </p:spPr>
+        <p:style>
+          <a:lnRef idx="3">
+            <a:schemeClr val="dk1"/>
+          </a:lnRef>
+          <a:fillRef idx="0">
+            <a:schemeClr val="dk1"/>
+          </a:fillRef>
+          <a:effectRef idx="2">
+            <a:schemeClr val="dk1"/>
+          </a:effectRef>
+          <a:fontRef idx="minor">
+            <a:schemeClr val="tx1"/>
+          </a:fontRef>
+        </p:style>
+      </p:cxnSp>
+      <p:sp>
+        <p:nvSpPr>
+          <p:cNvPr id="7" name="CaixaDeTexto 6">
+            <a:extLst>
+              <a:ext uri="{FF2B5EF4-FFF2-40B4-BE49-F238E27FC236}">
+                <a16:creationId xmlns:a16="http://schemas.microsoft.com/office/drawing/2014/main" id="{8625B2D8-C2F1-4657-A355-038F5E7B8740}"/>
+              </a:ext>
+            </a:extLst>
+          </p:cNvPr>
+          <p:cNvSpPr txBox="1"/>
+          <p:nvPr/>
+        </p:nvSpPr>
+        <p:spPr>
+          <a:xfrm>
+            <a:off x="-240347" y="418380"/>
+            <a:ext cx="6157665" cy="1015663"/>
+          </a:xfrm>
+          <a:prstGeom prst="rect">
+            <a:avLst/>
+          </a:prstGeom>
+          <a:noFill/>
+        </p:spPr>
+        <p:txBody>
+          <a:bodyPr wrap="square" rtlCol="0">
+            <a:spAutoFit/>
+          </a:bodyPr>
+          <a:lstStyle/>
+          <a:p>
+            <a:pPr algn="ctr"/>
+            <a:r>
+              <a:rPr lang="pt-BR" sz="6000" dirty="0">
+                <a:gradFill flip="none" rotWithShape="1">
+                  <a:gsLst>
+                    <a:gs pos="77900">
+                      <a:srgbClr val="F6E893"/>
+                    </a:gs>
+                    <a:gs pos="0">
+                      <a:srgbClr val="B07E08"/>
+                    </a:gs>
+                    <a:gs pos="100000">
+                      <a:srgbClr val="C29724"/>
+                    </a:gs>
+                  </a:gsLst>
+                  <a:lin ang="16200000" scaled="1"/>
+                  <a:tileRect/>
+                </a:gradFill>
+                <a:effectLst>
+                  <a:outerShdw blurRad="50800" dist="38100" dir="2700000" algn="tl" rotWithShape="0">
+                    <a:prstClr val="black">
+                      <a:alpha val="40000"/>
+                    </a:prstClr>
+                  </a:outerShdw>
+                </a:effectLst>
+                <a:latin typeface="Medieval Victoriana No.1" panose="02000000000000000000" pitchFamily="2" charset="0"/>
+              </a:rPr>
+              <a:t>D</a:t>
+            </a:r>
+            <a:r>
+              <a:rPr lang="pt-BR" sz="6000" dirty="0">
+                <a:gradFill flip="none" rotWithShape="1">
+                  <a:gsLst>
+                    <a:gs pos="77900">
+                      <a:srgbClr val="F6E893"/>
+                    </a:gs>
+                    <a:gs pos="0">
+                      <a:srgbClr val="B07E08"/>
+                    </a:gs>
+                    <a:gs pos="100000">
+                      <a:srgbClr val="C29724"/>
+                    </a:gs>
+                  </a:gsLst>
+                  <a:lin ang="16200000" scaled="1"/>
+                  <a:tileRect/>
+                </a:gradFill>
+                <a:effectLst>
+                  <a:outerShdw blurRad="50800" dist="38100" dir="2700000" algn="tl" rotWithShape="0">
+                    <a:prstClr val="black">
+                      <a:alpha val="40000"/>
+                    </a:prstClr>
+                  </a:outerShdw>
+                </a:effectLst>
+                <a:latin typeface="Alex Brush" panose="02000400000000000000" pitchFamily="2" charset="0"/>
+              </a:rPr>
+              <a:t>ragão a solta!!!</a:t>
+            </a:r>
+          </a:p>
+        </p:txBody>
+      </p:sp>
+      <p:pic>
+        <p:nvPicPr>
+          <p:cNvPr id="1026" name="Picture 2" descr="Resultado de imagem para linha divisÃ³ria">
+            <a:extLst>
+              <a:ext uri="{FF2B5EF4-FFF2-40B4-BE49-F238E27FC236}">
+                <a16:creationId xmlns:a16="http://schemas.microsoft.com/office/drawing/2014/main" id="{1AE329F0-7C04-4BF3-990D-2CD27037CB89}"/>
+              </a:ext>
+            </a:extLst>
+          </p:cNvPr>
+          <p:cNvPicPr>
+            <a:picLocks noChangeAspect="1" noChangeArrowheads="1"/>
+          </p:cNvPicPr>
+          <p:nvPr/>
+        </p:nvPicPr>
+        <p:blipFill>
+          <a:blip r:embed="rId3">
+            <a:duotone>
+              <a:schemeClr val="accent4">
+                <a:shade val="45000"/>
+                <a:satMod val="135000"/>
+              </a:schemeClr>
+              <a:prstClr val="white"/>
+            </a:duotone>
+            <a:extLst>
+              <a:ext uri="{28A0092B-C50C-407E-A947-70E740481C1C}">
+                <a14:useLocalDpi xmlns:a14="http://schemas.microsoft.com/office/drawing/2010/main" val="0"/>
+              </a:ext>
+            </a:extLst>
+          </a:blip>
+          <a:srcRect/>
+          <a:stretch>
+            <a:fillRect/>
+          </a:stretch>
+        </p:blipFill>
+        <p:spPr bwMode="auto">
+          <a:xfrm>
+            <a:off x="1264212" y="695679"/>
+            <a:ext cx="3148545" cy="1574273"/>
+          </a:xfrm>
+          <a:prstGeom prst="rect">
+            <a:avLst/>
+          </a:prstGeom>
+          <a:noFill/>
+          <a:effectLst>
+            <a:outerShdw blurRad="50800" dist="38100" dir="2700000" algn="tl" rotWithShape="0">
+              <a:prstClr val="black">
+                <a:alpha val="40000"/>
+              </a:prstClr>
+            </a:outerShdw>
+          </a:effectLst>
+          <a:extLst>
+            <a:ext uri="{909E8E84-426E-40DD-AFC4-6F175D3DCCD1}">
+              <a14:hiddenFill xmlns:a14="http://schemas.microsoft.com/office/drawing/2010/main">
+                <a:solidFill>
+                  <a:srgbClr val="FFFFFF"/>
+                </a:solidFill>
+              </a14:hiddenFill>
+            </a:ext>
+          </a:extLst>
+        </p:spPr>
+      </p:pic>
+      <p:sp>
+        <p:nvSpPr>
+          <p:cNvPr id="9" name="CaixaDeTexto 8">
+            <a:extLst>
+              <a:ext uri="{FF2B5EF4-FFF2-40B4-BE49-F238E27FC236}">
+                <a16:creationId xmlns:a16="http://schemas.microsoft.com/office/drawing/2014/main" id="{D1F0ECA3-35A6-4F5C-96A9-FF770CC1832C}"/>
+              </a:ext>
+            </a:extLst>
+          </p:cNvPr>
+          <p:cNvSpPr txBox="1"/>
+          <p:nvPr/>
+        </p:nvSpPr>
+        <p:spPr>
+          <a:xfrm>
+            <a:off x="300170" y="1586425"/>
+            <a:ext cx="5076627" cy="1200329"/>
+          </a:xfrm>
+          <a:prstGeom prst="rect">
+            <a:avLst/>
+          </a:prstGeom>
+          <a:noFill/>
+        </p:spPr>
+        <p:txBody>
+          <a:bodyPr wrap="square" rtlCol="0">
+            <a:spAutoFit/>
+          </a:bodyPr>
+          <a:lstStyle/>
+          <a:p>
+            <a:pPr algn="ctr"/>
+            <a:r>
+              <a:rPr lang="pt-BR" sz="3600" dirty="0">
+                <a:gradFill>
+                  <a:gsLst>
+                    <a:gs pos="77900">
+                      <a:srgbClr val="F6E893"/>
+                    </a:gs>
+                    <a:gs pos="0">
+                      <a:srgbClr val="B07E08"/>
+                    </a:gs>
+                    <a:gs pos="100000">
+                      <a:srgbClr val="C29724"/>
+                    </a:gs>
+                  </a:gsLst>
+                  <a:lin ang="16200000" scaled="1"/>
+                </a:gradFill>
+                <a:latin typeface="Alex Brush" panose="02000400000000000000" pitchFamily="2" charset="0"/>
+              </a:rPr>
+              <a:t>Aproveite os descontos especiais antes que seja tarde demais.</a:t>
+            </a:r>
+          </a:p>
+        </p:txBody>
+      </p:sp>
+      <p:pic>
+        <p:nvPicPr>
+          <p:cNvPr id="1028" name="Picture 4" descr="Resultado de imagem para linha divisÃ³ria">
+            <a:extLst>
+              <a:ext uri="{FF2B5EF4-FFF2-40B4-BE49-F238E27FC236}">
+                <a16:creationId xmlns:a16="http://schemas.microsoft.com/office/drawing/2014/main" id="{085D4D2C-F178-4C12-AA96-40755BC20C26}"/>
+              </a:ext>
+            </a:extLst>
+          </p:cNvPr>
+          <p:cNvPicPr>
+            <a:picLocks noChangeAspect="1" noChangeArrowheads="1"/>
+          </p:cNvPicPr>
+          <p:nvPr/>
+        </p:nvPicPr>
+        <p:blipFill>
+          <a:blip r:embed="rId4">
+            <a:duotone>
+              <a:schemeClr val="accent4">
+                <a:shade val="45000"/>
+                <a:satMod val="135000"/>
+              </a:schemeClr>
+              <a:prstClr val="white"/>
+            </a:duotone>
+            <a:extLst>
+              <a:ext uri="{28A0092B-C50C-407E-A947-70E740481C1C}">
+                <a14:useLocalDpi xmlns:a14="http://schemas.microsoft.com/office/drawing/2010/main" val="0"/>
+              </a:ext>
+            </a:extLst>
+          </a:blip>
+          <a:srcRect/>
+          <a:stretch>
+            <a:fillRect/>
+          </a:stretch>
+        </p:blipFill>
+        <p:spPr bwMode="auto">
+          <a:xfrm>
+            <a:off x="1264212" y="2608341"/>
+            <a:ext cx="3148545" cy="1280807"/>
+          </a:xfrm>
+          <a:prstGeom prst="rect">
+            <a:avLst/>
+          </a:prstGeom>
+          <a:noFill/>
+          <a:effectLst>
+            <a:outerShdw blurRad="50800" dist="38100" dir="2700000" algn="tl" rotWithShape="0">
+              <a:prstClr val="black">
+                <a:alpha val="40000"/>
+              </a:prstClr>
+            </a:outerShdw>
+          </a:effectLst>
+          <a:extLst>
+            <a:ext uri="{909E8E84-426E-40DD-AFC4-6F175D3DCCD1}">
+              <a14:hiddenFill xmlns:a14="http://schemas.microsoft.com/office/drawing/2010/main">
+                <a:solidFill>
+                  <a:srgbClr val="FFFFFF"/>
+                </a:solidFill>
+              </a14:hiddenFill>
+            </a:ext>
+          </a:extLst>
+        </p:spPr>
+      </p:pic>
+      <p:sp>
+        <p:nvSpPr>
+          <p:cNvPr id="8" name="CaixaDeTexto 7">
+            <a:extLst>
+              <a:ext uri="{FF2B5EF4-FFF2-40B4-BE49-F238E27FC236}">
+                <a16:creationId xmlns:a16="http://schemas.microsoft.com/office/drawing/2014/main" id="{878A4CF1-93F4-4053-8342-6F2418DF34FC}"/>
+              </a:ext>
+            </a:extLst>
+          </p:cNvPr>
+          <p:cNvSpPr txBox="1"/>
+          <p:nvPr/>
+        </p:nvSpPr>
+        <p:spPr>
+          <a:xfrm>
+            <a:off x="1552262" y="2988512"/>
+            <a:ext cx="2572442" cy="584775"/>
+          </a:xfrm>
+          <a:prstGeom prst="rect">
+            <a:avLst/>
+          </a:prstGeom>
+          <a:noFill/>
+          <a:effectLst>
+            <a:outerShdw blurRad="50800" dist="38100" dir="2700000" algn="tl" rotWithShape="0">
+              <a:prstClr val="black">
+                <a:alpha val="40000"/>
+              </a:prstClr>
+            </a:outerShdw>
+          </a:effectLst>
+        </p:spPr>
+        <p:txBody>
+          <a:bodyPr wrap="square" rtlCol="0">
+            <a:spAutoFit/>
+          </a:bodyPr>
+          <a:lstStyle/>
+          <a:p>
+            <a:pPr algn="ctr"/>
+            <a:r>
+              <a:rPr lang="pt-BR" sz="3200" dirty="0">
+                <a:solidFill>
+                  <a:srgbClr val="D29500"/>
+                </a:solidFill>
+                <a:latin typeface="Alex Brush" panose="02000400000000000000" pitchFamily="2" charset="0"/>
+              </a:rPr>
+              <a:t>É ordem do Rei!</a:t>
+            </a:r>
+          </a:p>
+        </p:txBody>
+      </p:sp>
+      <p:pic>
+        <p:nvPicPr>
+          <p:cNvPr id="12" name="Picture 2" descr="Resultado de imagem para d&amp;d logo">
+            <a:extLst>
+              <a:ext uri="{FF2B5EF4-FFF2-40B4-BE49-F238E27FC236}">
+                <a16:creationId xmlns:a16="http://schemas.microsoft.com/office/drawing/2014/main" id="{DEBB8596-D9AF-4BC5-A415-C5AE49BF074A}"/>
+              </a:ext>
+            </a:extLst>
+          </p:cNvPr>
+          <p:cNvPicPr>
+            <a:picLocks noChangeAspect="1" noChangeArrowheads="1"/>
+          </p:cNvPicPr>
+          <p:nvPr/>
+        </p:nvPicPr>
+        <p:blipFill>
+          <a:blip r:embed="rId5">
+            <a:duotone>
+              <a:schemeClr val="accent4">
+                <a:shade val="45000"/>
+                <a:satMod val="135000"/>
+              </a:schemeClr>
+              <a:prstClr val="white"/>
+            </a:duotone>
+            <a:extLst>
+              <a:ext uri="{BEBA8EAE-BF5A-486C-A8C5-ECC9F3942E4B}">
+                <a14:imgProps xmlns:a14="http://schemas.microsoft.com/office/drawing/2010/main">
+                  <a14:imgLayer r:embed="rId6">
+                    <a14:imgEffect>
+                      <a14:colorTemperature colorTemp="4700"/>
+                    </a14:imgEffect>
+                  </a14:imgLayer>
+                </a14:imgProps>
+              </a:ext>
+              <a:ext uri="{28A0092B-C50C-407E-A947-70E740481C1C}">
+                <a14:useLocalDpi xmlns:a14="http://schemas.microsoft.com/office/drawing/2010/main" val="0"/>
+              </a:ext>
+            </a:extLst>
+          </a:blip>
+          <a:srcRect/>
+          <a:stretch>
+            <a:fillRect/>
+          </a:stretch>
+        </p:blipFill>
+        <p:spPr bwMode="auto">
+          <a:xfrm>
+            <a:off x="5377783" y="2294191"/>
+            <a:ext cx="556010" cy="556010"/>
+          </a:xfrm>
+          <a:prstGeom prst="rect">
+            <a:avLst/>
+          </a:prstGeom>
+          <a:noFill/>
+          <a:effectLst>
+            <a:outerShdw blurRad="50800" dist="38100" dir="2700000" algn="tl" rotWithShape="0">
+              <a:prstClr val="black">
+                <a:alpha val="40000"/>
+              </a:prstClr>
+            </a:outerShdw>
+          </a:effectLst>
+          <a:extLst>
+            <a:ext uri="{909E8E84-426E-40DD-AFC4-6F175D3DCCD1}">
+              <a14:hiddenFill xmlns:a14="http://schemas.microsoft.com/office/drawing/2010/main">
+                <a:solidFill>
+                  <a:srgbClr val="FFFFFF"/>
+                </a:solidFill>
+              </a14:hiddenFill>
+            </a:ext>
+          </a:extLst>
+        </p:spPr>
+      </p:pic>
+      <p:pic>
+        <p:nvPicPr>
+          <p:cNvPr id="13" name="Imagem 12" descr="Uma imagem contendo objeto ao ar livre, teia&#10;&#10;Descrição gerada com alta confiança">
+            <a:extLst>
+              <a:ext uri="{FF2B5EF4-FFF2-40B4-BE49-F238E27FC236}">
+                <a16:creationId xmlns:a16="http://schemas.microsoft.com/office/drawing/2014/main" id="{AA99A66A-B365-4C61-B906-400D9DC8184F}"/>
+              </a:ext>
+            </a:extLst>
+          </p:cNvPr>
+          <p:cNvPicPr>
+            <a:picLocks noChangeAspect="1"/>
+          </p:cNvPicPr>
+          <p:nvPr/>
+        </p:nvPicPr>
+        <p:blipFill>
+          <a:blip r:embed="rId7">
+            <a:duotone>
+              <a:schemeClr val="accent4">
+                <a:shade val="45000"/>
+                <a:satMod val="135000"/>
+              </a:schemeClr>
+              <a:prstClr val="white"/>
+            </a:duotone>
+            <a:extLst>
+              <a:ext uri="{28A0092B-C50C-407E-A947-70E740481C1C}">
+                <a14:useLocalDpi xmlns:a14="http://schemas.microsoft.com/office/drawing/2010/main" val="0"/>
+              </a:ext>
+            </a:extLst>
+          </a:blip>
+          <a:stretch>
+            <a:fillRect/>
+          </a:stretch>
+        </p:blipFill>
+        <p:spPr>
+          <a:xfrm>
+            <a:off x="5563736" y="1490883"/>
+            <a:ext cx="690099" cy="690099"/>
+          </a:xfrm>
+          <a:prstGeom prst="rect">
+            <a:avLst/>
+          </a:prstGeom>
+          <a:effectLst>
+            <a:outerShdw blurRad="50800" dist="38100" dir="2700000" algn="tl" rotWithShape="0">
+              <a:prstClr val="black">
+                <a:alpha val="40000"/>
+              </a:prstClr>
+            </a:outerShdw>
+          </a:effectLst>
+        </p:spPr>
+      </p:pic>
+      <p:pic>
+        <p:nvPicPr>
+          <p:cNvPr id="14" name="Picture 4" descr="Resultado de imagem para triforce png">
+            <a:extLst>
+              <a:ext uri="{FF2B5EF4-FFF2-40B4-BE49-F238E27FC236}">
+                <a16:creationId xmlns:a16="http://schemas.microsoft.com/office/drawing/2014/main" id="{D3B189EC-2D47-4F16-8EA3-AE49DF72B346}"/>
+              </a:ext>
+            </a:extLst>
+          </p:cNvPr>
+          <p:cNvPicPr>
+            <a:picLocks noChangeAspect="1" noChangeArrowheads="1"/>
+          </p:cNvPicPr>
+          <p:nvPr/>
+        </p:nvPicPr>
+        <p:blipFill>
+          <a:blip r:embed="rId8">
+            <a:extLst>
+              <a:ext uri="{28A0092B-C50C-407E-A947-70E740481C1C}">
+                <a14:useLocalDpi xmlns:a14="http://schemas.microsoft.com/office/drawing/2010/main" val="0"/>
+              </a:ext>
+            </a:extLst>
+          </a:blip>
+          <a:srcRect/>
+          <a:stretch>
+            <a:fillRect/>
+          </a:stretch>
+        </p:blipFill>
+        <p:spPr bwMode="auto">
+          <a:xfrm>
+            <a:off x="5027057" y="3013679"/>
+            <a:ext cx="603059" cy="523185"/>
+          </a:xfrm>
+          <a:prstGeom prst="rect">
+            <a:avLst/>
+          </a:prstGeom>
+          <a:noFill/>
+          <a:effectLst>
+            <a:outerShdw blurRad="50800" dist="38100" dir="2700000" algn="tl" rotWithShape="0">
+              <a:prstClr val="black">
+                <a:alpha val="40000"/>
+              </a:prstClr>
+            </a:outerShdw>
+          </a:effectLst>
+          <a:extLst>
+            <a:ext uri="{909E8E84-426E-40DD-AFC4-6F175D3DCCD1}">
+              <a14:hiddenFill xmlns:a14="http://schemas.microsoft.com/office/drawing/2010/main">
+                <a:solidFill>
+                  <a:srgbClr val="FFFFFF"/>
+                </a:solidFill>
+              </a14:hiddenFill>
+            </a:ext>
+          </a:extLst>
+        </p:spPr>
+      </p:pic>
+      <p:pic>
+        <p:nvPicPr>
+          <p:cNvPr id="15" name="Picture 6" descr="Resultado de imagem para harry potter png">
+            <a:extLst>
+              <a:ext uri="{FF2B5EF4-FFF2-40B4-BE49-F238E27FC236}">
+                <a16:creationId xmlns:a16="http://schemas.microsoft.com/office/drawing/2014/main" id="{AFA7A3A1-6E33-4C1E-ABE8-AB649D6E03AA}"/>
+              </a:ext>
+            </a:extLst>
+          </p:cNvPr>
+          <p:cNvPicPr>
+            <a:picLocks noChangeAspect="1" noChangeArrowheads="1"/>
+          </p:cNvPicPr>
+          <p:nvPr/>
+        </p:nvPicPr>
+        <p:blipFill>
+          <a:blip r:embed="rId9">
+            <a:duotone>
+              <a:schemeClr val="accent4">
+                <a:shade val="45000"/>
+                <a:satMod val="135000"/>
+              </a:schemeClr>
+              <a:prstClr val="white"/>
+            </a:duotone>
+            <a:extLst>
+              <a:ext uri="{28A0092B-C50C-407E-A947-70E740481C1C}">
+                <a14:useLocalDpi xmlns:a14="http://schemas.microsoft.com/office/drawing/2010/main" val="0"/>
+              </a:ext>
+            </a:extLst>
+          </a:blip>
+          <a:srcRect/>
+          <a:stretch>
+            <a:fillRect/>
+          </a:stretch>
+        </p:blipFill>
+        <p:spPr bwMode="auto">
+          <a:xfrm>
+            <a:off x="5894188" y="862375"/>
+            <a:ext cx="566374" cy="620118"/>
+          </a:xfrm>
+          <a:prstGeom prst="rect">
+            <a:avLst/>
+          </a:prstGeom>
+          <a:noFill/>
+          <a:effectLst>
+            <a:outerShdw blurRad="50800" dist="38100" dir="2700000" algn="tl" rotWithShape="0">
+              <a:prstClr val="black">
+                <a:alpha val="40000"/>
+              </a:prstClr>
+            </a:outerShdw>
+          </a:effectLst>
+          <a:extLst>
+            <a:ext uri="{909E8E84-426E-40DD-AFC4-6F175D3DCCD1}">
+              <a14:hiddenFill xmlns:a14="http://schemas.microsoft.com/office/drawing/2010/main">
+                <a:solidFill>
+                  <a:srgbClr val="FFFFFF"/>
+                </a:solidFill>
+              </a14:hiddenFill>
+            </a:ext>
+          </a:extLst>
+        </p:spPr>
+      </p:pic>
+      <p:pic>
+        <p:nvPicPr>
+          <p:cNvPr id="16" name="Picture 8" descr="Resultado de imagem para percy jackson png">
+            <a:extLst>
+              <a:ext uri="{FF2B5EF4-FFF2-40B4-BE49-F238E27FC236}">
+                <a16:creationId xmlns:a16="http://schemas.microsoft.com/office/drawing/2014/main" id="{F2452CE7-B24A-4B87-BD31-CD91D32F1EC4}"/>
+              </a:ext>
+            </a:extLst>
+          </p:cNvPr>
+          <p:cNvPicPr>
+            <a:picLocks noChangeAspect="1" noChangeArrowheads="1"/>
+          </p:cNvPicPr>
+          <p:nvPr/>
+        </p:nvPicPr>
+        <p:blipFill>
+          <a:blip r:embed="rId10">
+            <a:duotone>
+              <a:schemeClr val="accent4">
+                <a:shade val="45000"/>
+                <a:satMod val="135000"/>
+              </a:schemeClr>
+              <a:prstClr val="white"/>
+            </a:duotone>
+            <a:extLst>
+              <a:ext uri="{28A0092B-C50C-407E-A947-70E740481C1C}">
+                <a14:useLocalDpi xmlns:a14="http://schemas.microsoft.com/office/drawing/2010/main" val="0"/>
+              </a:ext>
+            </a:extLst>
+          </a:blip>
+          <a:srcRect/>
+          <a:stretch>
+            <a:fillRect/>
+          </a:stretch>
+        </p:blipFill>
+        <p:spPr bwMode="auto">
+          <a:xfrm>
+            <a:off x="6169868" y="101436"/>
+            <a:ext cx="581387" cy="618935"/>
+          </a:xfrm>
+          <a:prstGeom prst="rect">
+            <a:avLst/>
+          </a:prstGeom>
+          <a:noFill/>
+          <a:effectLst>
+            <a:outerShdw blurRad="50800" dist="38100" dir="2700000" algn="tl" rotWithShape="0">
+              <a:prstClr val="black">
+                <a:alpha val="40000"/>
+              </a:prstClr>
+            </a:outerShdw>
+          </a:effectLst>
+          <a:extLst>
+            <a:ext uri="{909E8E84-426E-40DD-AFC4-6F175D3DCCD1}">
+              <a14:hiddenFill xmlns:a14="http://schemas.microsoft.com/office/drawing/2010/main">
+                <a:solidFill>
+                  <a:srgbClr val="FFFFFF"/>
+                </a:solidFill>
+              </a14:hiddenFill>
+            </a:ext>
+          </a:extLst>
+        </p:spPr>
+      </p:pic>
+    </p:spTree>
+    <p:extLst>
+      <p:ext uri="{BB962C8B-B14F-4D97-AF65-F5344CB8AC3E}">
+        <p14:creationId xmlns:p14="http://schemas.microsoft.com/office/powerpoint/2010/main" val="1095047840"/>
+      </p:ext>
+    </p:extLst>
+  </p:cSld>
+  <p:clrMapOvr>
+    <a:masterClrMapping/>
+  </p:clrMapOvr>
+</p:sld>
+</file>
+
+<file path=ppt/slides/slide4.xml><?xml version="1.0" encoding="utf-8"?>
+<p:sld xmlns:a="http://schemas.openxmlformats.org/drawingml/2006/main" xmlns:r="http://schemas.openxmlformats.org/officeDocument/2006/relationships" xmlns:p="http://schemas.openxmlformats.org/presentationml/2006/main">
+  <p:cSld>
+    <p:spTree>
+      <p:nvGrpSpPr>
+        <p:cNvPr id="1" name=""/>
+        <p:cNvGrpSpPr/>
+        <p:nvPr/>
+      </p:nvGrpSpPr>
+      <p:grpSpPr>
+        <a:xfrm>
+          <a:off x="0" y="0"/>
+          <a:ext cx="0" cy="0"/>
+          <a:chOff x="0" y="0"/>
+          <a:chExt cx="0" cy="0"/>
+        </a:xfrm>
+      </p:grpSpPr>
+      <p:pic>
+        <p:nvPicPr>
+          <p:cNvPr id="1059" name="Picture 2" descr="Resultado de imagem para cyberpunk wallpaper"/>
+          <p:cNvPicPr>
+            <a:picLocks noChangeAspect="1" noChangeArrowheads="1"/>
+          </p:cNvPicPr>
+          <p:nvPr/>
+        </p:nvPicPr>
+        <p:blipFill>
+          <a:blip r:embed="rId2" cstate="print">
+            <a:extLst>
+              <a:ext uri="{28A0092B-C50C-407E-A947-70E740481C1C}">
+                <a14:useLocalDpi xmlns:a14="http://schemas.microsoft.com/office/drawing/2010/main" val="0"/>
+              </a:ext>
+            </a:extLst>
+          </a:blip>
+          <a:srcRect/>
+          <a:stretch>
+            <a:fillRect/>
+          </a:stretch>
+        </p:blipFill>
+        <p:spPr bwMode="auto">
+          <a:xfrm>
+            <a:off x="2671953" y="-1001960"/>
+            <a:ext cx="8537757" cy="4669085"/>
+          </a:xfrm>
+          <a:prstGeom prst="rect">
+            <a:avLst/>
+          </a:prstGeom>
+          <a:noFill/>
+          <a:extLst>
+            <a:ext uri="{909E8E84-426E-40DD-AFC4-6F175D3DCCD1}">
+              <a14:hiddenFill xmlns:a14="http://schemas.microsoft.com/office/drawing/2010/main">
+                <a:solidFill>
+                  <a:srgbClr val="FFFFFF"/>
+                </a:solidFill>
+              </a14:hiddenFill>
+            </a:ext>
+          </a:extLst>
+        </p:spPr>
+      </p:pic>
+      <p:sp>
+        <p:nvSpPr>
+          <p:cNvPr id="7" name="Trapezoide 6"/>
+          <p:cNvSpPr/>
+          <p:nvPr/>
+        </p:nvSpPr>
+        <p:spPr>
+          <a:xfrm rot="10800000">
+            <a:off x="-2331667" y="-531090"/>
+            <a:ext cx="7630557" cy="4201057"/>
+          </a:xfrm>
+          <a:prstGeom prst="trapezoid">
+            <a:avLst>
+              <a:gd name="adj" fmla="val 34730"/>
+            </a:avLst>
+          </a:prstGeom>
+          <a:gradFill>
+            <a:gsLst>
+              <a:gs pos="0">
+                <a:srgbClr val="314C45"/>
+              </a:gs>
+              <a:gs pos="100000">
+                <a:schemeClr val="bg2">
+                  <a:lumMod val="10000"/>
+                </a:schemeClr>
+              </a:gs>
+            </a:gsLst>
+            <a:lin ang="5400000" scaled="1"/>
+          </a:gradFill>
+          <a:ln>
+            <a:noFill/>
+          </a:ln>
+        </p:spPr>
+        <p:style>
+          <a:lnRef idx="2">
+            <a:schemeClr val="accent1">
+              <a:shade val="50000"/>
+            </a:schemeClr>
+          </a:lnRef>
+          <a:fillRef idx="1">
+            <a:schemeClr val="accent1"/>
+          </a:fillRef>
+          <a:effectRef idx="0">
+            <a:schemeClr val="accent1"/>
+          </a:effectRef>
+          <a:fontRef idx="minor">
+            <a:schemeClr val="lt1"/>
+          </a:fontRef>
+        </p:style>
+        <p:txBody>
+          <a:bodyPr rtlCol="0" anchor="ctr"/>
+          <a:lstStyle/>
+          <a:p>
+            <a:pPr algn="ctr"/>
+            <a:endParaRPr lang="pt-BR" sz="2772"/>
+          </a:p>
+        </p:txBody>
+      </p:sp>
+      <p:cxnSp>
+        <p:nvCxnSpPr>
+          <p:cNvPr id="8" name="Conector reto 7">
+            <a:extLst>
+              <a:ext uri="{FF2B5EF4-FFF2-40B4-BE49-F238E27FC236}">
+                <a16:creationId xmlns:a16="http://schemas.microsoft.com/office/drawing/2014/main" id="{5961DC48-B4AF-4BEC-B963-651447A8317F}"/>
+              </a:ext>
+            </a:extLst>
+          </p:cNvPr>
+          <p:cNvCxnSpPr>
+            <a:cxnSpLocks/>
+          </p:cNvCxnSpPr>
+          <p:nvPr/>
+        </p:nvCxnSpPr>
+        <p:spPr>
+          <a:xfrm flipV="1">
+            <a:off x="3714653" y="-760370"/>
+            <a:ext cx="1707560" cy="4828031"/>
+          </a:xfrm>
+          <a:prstGeom prst="line">
+            <a:avLst/>
+          </a:prstGeom>
+          <a:ln w="101600">
+            <a:gradFill>
+              <a:gsLst>
+                <a:gs pos="8000">
+                  <a:srgbClr val="152126"/>
+                </a:gs>
+                <a:gs pos="100000">
+                  <a:srgbClr val="81263D"/>
+                </a:gs>
+              </a:gsLst>
+              <a:lin ang="5400000" scaled="1"/>
+            </a:gradFill>
+          </a:ln>
+          <a:effectLst>
+            <a:outerShdw blurRad="50800" dist="38100" dir="2700000" algn="tl" rotWithShape="0">
+              <a:prstClr val="black">
+                <a:alpha val="40000"/>
+              </a:prstClr>
+            </a:outerShdw>
+          </a:effectLst>
+        </p:spPr>
+        <p:style>
+          <a:lnRef idx="3">
+            <a:schemeClr val="dk1"/>
+          </a:lnRef>
+          <a:fillRef idx="0">
+            <a:schemeClr val="dk1"/>
+          </a:fillRef>
+          <a:effectRef idx="2">
+            <a:schemeClr val="dk1"/>
+          </a:effectRef>
+          <a:fontRef idx="minor">
+            <a:schemeClr val="tx1"/>
+          </a:fontRef>
+        </p:style>
+      </p:cxnSp>
+      <p:sp>
+        <p:nvSpPr>
+          <p:cNvPr id="2" name="CaixaDeTexto 1"/>
+          <p:cNvSpPr txBox="1"/>
+          <p:nvPr/>
+        </p:nvSpPr>
+        <p:spPr>
+          <a:xfrm>
+            <a:off x="-492105" y="132344"/>
+            <a:ext cx="5678772" cy="1446550"/>
+          </a:xfrm>
+          <a:prstGeom prst="rect">
+            <a:avLst/>
+          </a:prstGeom>
+          <a:noFill/>
+          <a:ln>
+            <a:noFill/>
+          </a:ln>
+          <a:effectLst>
+            <a:outerShdw blurRad="50800" dist="38100" dir="2700000" algn="tl" rotWithShape="0">
+              <a:prstClr val="black">
+                <a:alpha val="40000"/>
+              </a:prstClr>
+            </a:outerShdw>
+          </a:effectLst>
+        </p:spPr>
+        <p:style>
+          <a:lnRef idx="2">
+            <a:schemeClr val="accent5"/>
+          </a:lnRef>
+          <a:fillRef idx="1">
+            <a:schemeClr val="lt1"/>
+          </a:fillRef>
+          <a:effectRef idx="0">
+            <a:schemeClr val="accent5"/>
+          </a:effectRef>
+          <a:fontRef idx="minor">
+            <a:schemeClr val="dk1"/>
+          </a:fontRef>
+        </p:style>
+        <p:txBody>
+          <a:bodyPr wrap="square" rtlCol="0">
+            <a:spAutoFit/>
+          </a:bodyPr>
+          <a:lstStyle/>
+          <a:p>
+            <a:pPr algn="ctr"/>
+            <a:r>
+              <a:rPr lang="pt-BR" sz="4400" dirty="0" err="1">
+                <a:ln w="0">
+                  <a:noFill/>
+                </a:ln>
+                <a:gradFill>
+                  <a:gsLst>
+                    <a:gs pos="25000">
+                      <a:srgbClr val="EC31F0"/>
+                    </a:gs>
+                    <a:gs pos="100000">
+                      <a:srgbClr val="00E952"/>
+                    </a:gs>
+                  </a:gsLst>
+                  <a:lin ang="16200000" scaled="0"/>
+                </a:gradFill>
+                <a:latin typeface="True Lies" panose="02000500000000000000" pitchFamily="2" charset="0"/>
+              </a:rPr>
+              <a:t>Invasao</a:t>
+            </a:r>
+            <a:r>
+              <a:rPr lang="pt-BR" sz="4400" dirty="0">
+                <a:ln w="0">
+                  <a:noFill/>
+                </a:ln>
+                <a:gradFill>
+                  <a:gsLst>
+                    <a:gs pos="25000">
+                      <a:srgbClr val="EC31F0"/>
+                    </a:gs>
+                    <a:gs pos="100000">
+                      <a:srgbClr val="00E952"/>
+                    </a:gs>
+                  </a:gsLst>
+                  <a:lin ang="16200000" scaled="0"/>
+                </a:gradFill>
+                <a:latin typeface="True Lies" panose="02000500000000000000" pitchFamily="2" charset="0"/>
+              </a:rPr>
+              <a:t> </a:t>
+            </a:r>
+          </a:p>
+          <a:p>
+            <a:pPr algn="ctr"/>
+            <a:r>
+              <a:rPr lang="pt-BR" sz="4400" dirty="0" err="1">
+                <a:ln w="0">
+                  <a:noFill/>
+                </a:ln>
+                <a:gradFill>
+                  <a:gsLst>
+                    <a:gs pos="25000">
+                      <a:srgbClr val="EC31F0"/>
+                    </a:gs>
+                    <a:gs pos="100000">
+                      <a:srgbClr val="00E952"/>
+                    </a:gs>
+                  </a:gsLst>
+                  <a:lin ang="16200000" scaled="0"/>
+                </a:gradFill>
+                <a:latin typeface="True Lies" panose="02000500000000000000" pitchFamily="2" charset="0"/>
+              </a:rPr>
+              <a:t>CyberPunk</a:t>
+            </a:r>
+            <a:endParaRPr lang="pt-BR" sz="4400" dirty="0">
+              <a:ln w="0">
+                <a:noFill/>
+              </a:ln>
+              <a:gradFill>
+                <a:gsLst>
+                  <a:gs pos="25000">
+                    <a:srgbClr val="EC31F0"/>
+                  </a:gs>
+                  <a:gs pos="100000">
+                    <a:srgbClr val="00E952"/>
+                  </a:gs>
+                </a:gsLst>
+                <a:lin ang="16200000" scaled="0"/>
+              </a:gradFill>
+              <a:latin typeface="True Lies" panose="02000500000000000000" pitchFamily="2" charset="0"/>
+            </a:endParaRPr>
+          </a:p>
+        </p:txBody>
+      </p:sp>
+      <p:sp>
+        <p:nvSpPr>
+          <p:cNvPr id="3" name="CaixaDeTexto 2"/>
+          <p:cNvSpPr txBox="1"/>
+          <p:nvPr/>
+        </p:nvSpPr>
+        <p:spPr>
+          <a:xfrm rot="3595537">
+            <a:off x="2910171" y="-14861"/>
+            <a:ext cx="240657" cy="424090"/>
+          </a:xfrm>
+          <a:prstGeom prst="rect">
+            <a:avLst/>
+          </a:prstGeom>
+          <a:noFill/>
+        </p:spPr>
+        <p:txBody>
+          <a:bodyPr wrap="square" rtlCol="0">
+            <a:spAutoFit/>
+          </a:bodyPr>
+          <a:lstStyle/>
+          <a:p>
+            <a:r>
+              <a:rPr lang="pt-BR" sz="2156" dirty="0">
+                <a:gradFill flip="none" rotWithShape="1">
+                  <a:gsLst>
+                    <a:gs pos="0">
+                      <a:srgbClr val="EC31F0"/>
+                    </a:gs>
+                    <a:gs pos="19502">
+                      <a:srgbClr val="BD56D1"/>
+                    </a:gs>
+                    <a:gs pos="98000">
+                      <a:srgbClr val="00E952"/>
+                    </a:gs>
+                  </a:gsLst>
+                  <a:lin ang="11400000" scaled="0"/>
+                  <a:tileRect/>
+                </a:gradFill>
+                <a:latin typeface="True Lies" panose="02000500000000000000" pitchFamily="2" charset="0"/>
+              </a:rPr>
+              <a:t>I</a:t>
+            </a:r>
+          </a:p>
+        </p:txBody>
+      </p:sp>
+      <p:sp>
+        <p:nvSpPr>
+          <p:cNvPr id="104" name="CaixaDeTexto 103"/>
+          <p:cNvSpPr txBox="1"/>
+          <p:nvPr/>
+        </p:nvSpPr>
+        <p:spPr>
+          <a:xfrm>
+            <a:off x="1436220" y="2882084"/>
+            <a:ext cx="1740517" cy="438874"/>
+          </a:xfrm>
+          <a:custGeom>
+            <a:avLst/>
+            <a:gdLst/>
+            <a:ahLst/>
+            <a:cxnLst/>
+            <a:rect l="l" t="t" r="r" b="b"/>
+            <a:pathLst>
+              <a:path w="1451410" h="365975">
+                <a:moveTo>
+                  <a:pt x="1038982" y="134608"/>
+                </a:moveTo>
+                <a:cubicBezTo>
+                  <a:pt x="1036304" y="134608"/>
+                  <a:pt x="1033420" y="134924"/>
+                  <a:pt x="1030332" y="135556"/>
+                </a:cubicBezTo>
+                <a:cubicBezTo>
+                  <a:pt x="1027244" y="136189"/>
+                  <a:pt x="1024193" y="137175"/>
+                  <a:pt x="1021179" y="138514"/>
+                </a:cubicBezTo>
+                <a:cubicBezTo>
+                  <a:pt x="1018165" y="139854"/>
+                  <a:pt x="1015282" y="141584"/>
+                  <a:pt x="1012528" y="143705"/>
+                </a:cubicBezTo>
+                <a:cubicBezTo>
+                  <a:pt x="1009775" y="145826"/>
+                  <a:pt x="1007338" y="148393"/>
+                  <a:pt x="1005217" y="151407"/>
+                </a:cubicBezTo>
+                <a:cubicBezTo>
+                  <a:pt x="1003096" y="154420"/>
+                  <a:pt x="1001403" y="157899"/>
+                  <a:pt x="1000138" y="161843"/>
+                </a:cubicBezTo>
+                <a:cubicBezTo>
+                  <a:pt x="998873" y="165787"/>
+                  <a:pt x="998241" y="170252"/>
+                  <a:pt x="998241" y="175238"/>
+                </a:cubicBezTo>
+                <a:lnTo>
+                  <a:pt x="998241" y="255270"/>
+                </a:lnTo>
+                <a:lnTo>
+                  <a:pt x="1027262" y="255270"/>
+                </a:lnTo>
+                <a:lnTo>
+                  <a:pt x="1027262" y="175238"/>
+                </a:lnTo>
+                <a:cubicBezTo>
+                  <a:pt x="1027262" y="171443"/>
+                  <a:pt x="1028267" y="168559"/>
+                  <a:pt x="1030276" y="166587"/>
+                </a:cubicBezTo>
+                <a:cubicBezTo>
+                  <a:pt x="1032285" y="164615"/>
+                  <a:pt x="1035262" y="163629"/>
+                  <a:pt x="1039206" y="163629"/>
+                </a:cubicBezTo>
+                <a:lnTo>
+                  <a:pt x="1104504" y="163629"/>
+                </a:lnTo>
+                <a:lnTo>
+                  <a:pt x="1104504" y="134608"/>
+                </a:lnTo>
+                <a:close/>
+                <a:moveTo>
+                  <a:pt x="867384" y="134608"/>
+                </a:moveTo>
+                <a:lnTo>
+                  <a:pt x="867384" y="162178"/>
+                </a:lnTo>
+                <a:lnTo>
+                  <a:pt x="931119" y="162178"/>
+                </a:lnTo>
+                <a:cubicBezTo>
+                  <a:pt x="934691" y="162178"/>
+                  <a:pt x="937649" y="163294"/>
+                  <a:pt x="939993" y="165527"/>
+                </a:cubicBezTo>
+                <a:cubicBezTo>
+                  <a:pt x="942337" y="167759"/>
+                  <a:pt x="943509" y="170773"/>
+                  <a:pt x="943509" y="174568"/>
+                </a:cubicBezTo>
+                <a:lnTo>
+                  <a:pt x="943509" y="215086"/>
+                </a:lnTo>
+                <a:cubicBezTo>
+                  <a:pt x="943509" y="218658"/>
+                  <a:pt x="942430" y="221635"/>
+                  <a:pt x="940272" y="224016"/>
+                </a:cubicBezTo>
+                <a:cubicBezTo>
+                  <a:pt x="938114" y="226397"/>
+                  <a:pt x="935063" y="227588"/>
+                  <a:pt x="931119" y="227588"/>
+                </a:cubicBezTo>
+                <a:lnTo>
+                  <a:pt x="878992" y="227588"/>
+                </a:lnTo>
+                <a:cubicBezTo>
+                  <a:pt x="875569" y="227588"/>
+                  <a:pt x="872611" y="226528"/>
+                  <a:pt x="870118" y="224407"/>
+                </a:cubicBezTo>
+                <a:cubicBezTo>
+                  <a:pt x="867625" y="222286"/>
+                  <a:pt x="866379" y="219328"/>
+                  <a:pt x="866379" y="215533"/>
+                </a:cubicBezTo>
+                <a:cubicBezTo>
+                  <a:pt x="866379" y="211961"/>
+                  <a:pt x="867458" y="208966"/>
+                  <a:pt x="869616" y="206547"/>
+                </a:cubicBezTo>
+                <a:cubicBezTo>
+                  <a:pt x="871774" y="204129"/>
+                  <a:pt x="874825" y="202920"/>
+                  <a:pt x="878769" y="202920"/>
+                </a:cubicBezTo>
+                <a:lnTo>
+                  <a:pt x="931119" y="202920"/>
+                </a:lnTo>
+                <a:lnTo>
+                  <a:pt x="931119" y="175238"/>
+                </a:lnTo>
+                <a:lnTo>
+                  <a:pt x="878769" y="175238"/>
+                </a:lnTo>
+                <a:cubicBezTo>
+                  <a:pt x="871476" y="175238"/>
+                  <a:pt x="865281" y="176577"/>
+                  <a:pt x="860184" y="179256"/>
+                </a:cubicBezTo>
+                <a:cubicBezTo>
+                  <a:pt x="855087" y="181935"/>
+                  <a:pt x="850957" y="185265"/>
+                  <a:pt x="847794" y="189246"/>
+                </a:cubicBezTo>
+                <a:cubicBezTo>
+                  <a:pt x="844632" y="193227"/>
+                  <a:pt x="842343" y="197562"/>
+                  <a:pt x="840929" y="202250"/>
+                </a:cubicBezTo>
+                <a:cubicBezTo>
+                  <a:pt x="839516" y="206938"/>
+                  <a:pt x="838809" y="211291"/>
+                  <a:pt x="838809" y="215310"/>
+                </a:cubicBezTo>
+                <a:cubicBezTo>
+                  <a:pt x="838809" y="222602"/>
+                  <a:pt x="840148" y="228797"/>
+                  <a:pt x="842827" y="233895"/>
+                </a:cubicBezTo>
+                <a:cubicBezTo>
+                  <a:pt x="845506" y="238992"/>
+                  <a:pt x="848836" y="243122"/>
+                  <a:pt x="852817" y="246285"/>
+                </a:cubicBezTo>
+                <a:cubicBezTo>
+                  <a:pt x="856798" y="249447"/>
+                  <a:pt x="861114" y="251735"/>
+                  <a:pt x="865765" y="253149"/>
+                </a:cubicBezTo>
+                <a:cubicBezTo>
+                  <a:pt x="870416" y="254563"/>
+                  <a:pt x="874751" y="255270"/>
+                  <a:pt x="878769" y="255270"/>
+                </a:cubicBezTo>
+                <a:lnTo>
+                  <a:pt x="931119" y="255270"/>
+                </a:lnTo>
+                <a:cubicBezTo>
+                  <a:pt x="938412" y="255270"/>
+                  <a:pt x="944607" y="253931"/>
+                  <a:pt x="949704" y="251252"/>
+                </a:cubicBezTo>
+                <a:cubicBezTo>
+                  <a:pt x="954802" y="248573"/>
+                  <a:pt x="958932" y="245243"/>
+                  <a:pt x="962094" y="241262"/>
+                </a:cubicBezTo>
+                <a:cubicBezTo>
+                  <a:pt x="965257" y="237280"/>
+                  <a:pt x="967545" y="232964"/>
+                  <a:pt x="968959" y="228314"/>
+                </a:cubicBezTo>
+                <a:cubicBezTo>
+                  <a:pt x="970373" y="223663"/>
+                  <a:pt x="971080" y="219328"/>
+                  <a:pt x="971080" y="215310"/>
+                </a:cubicBezTo>
+                <a:lnTo>
+                  <a:pt x="971080" y="174568"/>
+                </a:lnTo>
+                <a:cubicBezTo>
+                  <a:pt x="971080" y="167275"/>
+                  <a:pt x="969740" y="161080"/>
+                  <a:pt x="967061" y="155983"/>
+                </a:cubicBezTo>
+                <a:cubicBezTo>
+                  <a:pt x="964382" y="150886"/>
+                  <a:pt x="961052" y="146756"/>
+                  <a:pt x="957071" y="143593"/>
+                </a:cubicBezTo>
+                <a:cubicBezTo>
+                  <a:pt x="953090" y="140431"/>
+                  <a:pt x="948774" y="138142"/>
+                  <a:pt x="944123" y="136728"/>
+                </a:cubicBezTo>
+                <a:cubicBezTo>
+                  <a:pt x="939472" y="135315"/>
+                  <a:pt x="935138" y="134608"/>
+                  <a:pt x="931119" y="134608"/>
+                </a:cubicBezTo>
+                <a:close/>
+                <a:moveTo>
+                  <a:pt x="789807" y="134608"/>
+                </a:moveTo>
+                <a:lnTo>
+                  <a:pt x="789807" y="255270"/>
+                </a:lnTo>
+                <a:lnTo>
+                  <a:pt x="818828" y="255270"/>
+                </a:lnTo>
+                <a:lnTo>
+                  <a:pt x="818828" y="134608"/>
+                </a:lnTo>
+                <a:close/>
+                <a:moveTo>
+                  <a:pt x="684660" y="134608"/>
+                </a:moveTo>
+                <a:cubicBezTo>
+                  <a:pt x="679674" y="134608"/>
+                  <a:pt x="675209" y="135240"/>
+                  <a:pt x="671265" y="136505"/>
+                </a:cubicBezTo>
+                <a:cubicBezTo>
+                  <a:pt x="667321" y="137770"/>
+                  <a:pt x="663843" y="139445"/>
+                  <a:pt x="660829" y="141528"/>
+                </a:cubicBezTo>
+                <a:cubicBezTo>
+                  <a:pt x="657815" y="143612"/>
+                  <a:pt x="655248" y="146030"/>
+                  <a:pt x="653127" y="148784"/>
+                </a:cubicBezTo>
+                <a:cubicBezTo>
+                  <a:pt x="651006" y="151537"/>
+                  <a:pt x="649276" y="154420"/>
+                  <a:pt x="647937" y="157434"/>
+                </a:cubicBezTo>
+                <a:cubicBezTo>
+                  <a:pt x="646597" y="160448"/>
+                  <a:pt x="645611" y="163480"/>
+                  <a:pt x="644979" y="166531"/>
+                </a:cubicBezTo>
+                <a:cubicBezTo>
+                  <a:pt x="644346" y="169582"/>
+                  <a:pt x="644030" y="172484"/>
+                  <a:pt x="644030" y="175238"/>
+                </a:cubicBezTo>
+                <a:lnTo>
+                  <a:pt x="644030" y="214528"/>
+                </a:lnTo>
+                <a:cubicBezTo>
+                  <a:pt x="644030" y="222044"/>
+                  <a:pt x="645388" y="228388"/>
+                  <a:pt x="648104" y="233560"/>
+                </a:cubicBezTo>
+                <a:cubicBezTo>
+                  <a:pt x="650820" y="238732"/>
+                  <a:pt x="654206" y="242936"/>
+                  <a:pt x="658262" y="246173"/>
+                </a:cubicBezTo>
+                <a:cubicBezTo>
+                  <a:pt x="662317" y="249410"/>
+                  <a:pt x="666726" y="251735"/>
+                  <a:pt x="671489" y="253149"/>
+                </a:cubicBezTo>
+                <a:cubicBezTo>
+                  <a:pt x="676251" y="254563"/>
+                  <a:pt x="680642" y="255270"/>
+                  <a:pt x="684660" y="255270"/>
+                </a:cubicBezTo>
+                <a:lnTo>
+                  <a:pt x="763353" y="255270"/>
+                </a:lnTo>
+                <a:lnTo>
+                  <a:pt x="763353" y="226249"/>
+                </a:lnTo>
+                <a:lnTo>
+                  <a:pt x="684883" y="226249"/>
+                </a:lnTo>
+                <a:cubicBezTo>
+                  <a:pt x="681014" y="226249"/>
+                  <a:pt x="678074" y="225244"/>
+                  <a:pt x="676065" y="223235"/>
+                </a:cubicBezTo>
+                <a:cubicBezTo>
+                  <a:pt x="674056" y="221226"/>
+                  <a:pt x="673051" y="218323"/>
+                  <a:pt x="673051" y="214528"/>
+                </a:cubicBezTo>
+                <a:lnTo>
+                  <a:pt x="673051" y="175461"/>
+                </a:lnTo>
+                <a:cubicBezTo>
+                  <a:pt x="673051" y="171443"/>
+                  <a:pt x="674037" y="168466"/>
+                  <a:pt x="676009" y="166531"/>
+                </a:cubicBezTo>
+                <a:cubicBezTo>
+                  <a:pt x="677981" y="164596"/>
+                  <a:pt x="680865" y="163629"/>
+                  <a:pt x="684660" y="163629"/>
+                </a:cubicBezTo>
+                <a:lnTo>
+                  <a:pt x="763353" y="163629"/>
+                </a:lnTo>
+                <a:lnTo>
+                  <a:pt x="763353" y="134608"/>
+                </a:lnTo>
+                <a:close/>
+                <a:moveTo>
+                  <a:pt x="589782" y="134608"/>
+                </a:moveTo>
+                <a:lnTo>
+                  <a:pt x="589782" y="255270"/>
+                </a:lnTo>
+                <a:lnTo>
+                  <a:pt x="618803" y="255270"/>
+                </a:lnTo>
+                <a:lnTo>
+                  <a:pt x="618803" y="134608"/>
+                </a:lnTo>
+                <a:close/>
+                <a:moveTo>
+                  <a:pt x="442033" y="134608"/>
+                </a:moveTo>
+                <a:cubicBezTo>
+                  <a:pt x="440024" y="134608"/>
+                  <a:pt x="438126" y="134980"/>
+                  <a:pt x="436340" y="135724"/>
+                </a:cubicBezTo>
+                <a:cubicBezTo>
+                  <a:pt x="434554" y="136468"/>
+                  <a:pt x="432992" y="137491"/>
+                  <a:pt x="431652" y="138793"/>
+                </a:cubicBezTo>
+                <a:cubicBezTo>
+                  <a:pt x="430313" y="140096"/>
+                  <a:pt x="429271" y="141621"/>
+                  <a:pt x="428527" y="143370"/>
+                </a:cubicBezTo>
+                <a:cubicBezTo>
+                  <a:pt x="427783" y="145119"/>
+                  <a:pt x="427411" y="146998"/>
+                  <a:pt x="427411" y="149007"/>
+                </a:cubicBezTo>
+                <a:lnTo>
+                  <a:pt x="427411" y="255270"/>
+                </a:lnTo>
+                <a:lnTo>
+                  <a:pt x="456432" y="255270"/>
+                </a:lnTo>
+                <a:lnTo>
+                  <a:pt x="456432" y="163629"/>
+                </a:lnTo>
+                <a:lnTo>
+                  <a:pt x="507220" y="163629"/>
+                </a:lnTo>
+                <a:cubicBezTo>
+                  <a:pt x="510717" y="163629"/>
+                  <a:pt x="513973" y="164206"/>
+                  <a:pt x="516986" y="165359"/>
+                </a:cubicBezTo>
+                <a:cubicBezTo>
+                  <a:pt x="520000" y="166513"/>
+                  <a:pt x="522623" y="168168"/>
+                  <a:pt x="524856" y="170326"/>
+                </a:cubicBezTo>
+                <a:cubicBezTo>
+                  <a:pt x="527088" y="172484"/>
+                  <a:pt x="528855" y="175070"/>
+                  <a:pt x="530158" y="178084"/>
+                </a:cubicBezTo>
+                <a:cubicBezTo>
+                  <a:pt x="531460" y="181098"/>
+                  <a:pt x="532111" y="184502"/>
+                  <a:pt x="532111" y="188297"/>
+                </a:cubicBezTo>
+                <a:lnTo>
+                  <a:pt x="532111" y="255270"/>
+                </a:lnTo>
+                <a:lnTo>
+                  <a:pt x="561133" y="255270"/>
+                </a:lnTo>
+                <a:lnTo>
+                  <a:pt x="561133" y="188297"/>
+                </a:lnTo>
+                <a:cubicBezTo>
+                  <a:pt x="561133" y="181749"/>
+                  <a:pt x="560314" y="175870"/>
+                  <a:pt x="558677" y="170661"/>
+                </a:cubicBezTo>
+                <a:cubicBezTo>
+                  <a:pt x="557040" y="165452"/>
+                  <a:pt x="554826" y="160857"/>
+                  <a:pt x="552035" y="156876"/>
+                </a:cubicBezTo>
+                <a:cubicBezTo>
+                  <a:pt x="549245" y="152895"/>
+                  <a:pt x="546045" y="149509"/>
+                  <a:pt x="542436" y="146719"/>
+                </a:cubicBezTo>
+                <a:cubicBezTo>
+                  <a:pt x="538827" y="143928"/>
+                  <a:pt x="535032" y="141621"/>
+                  <a:pt x="531051" y="139798"/>
+                </a:cubicBezTo>
+                <a:cubicBezTo>
+                  <a:pt x="527070" y="137975"/>
+                  <a:pt x="523051" y="136654"/>
+                  <a:pt x="518996" y="135835"/>
+                </a:cubicBezTo>
+                <a:cubicBezTo>
+                  <a:pt x="514940" y="135017"/>
+                  <a:pt x="511089" y="134608"/>
+                  <a:pt x="507443" y="134608"/>
+                </a:cubicBezTo>
+                <a:close/>
+                <a:moveTo>
+                  <a:pt x="364196" y="95205"/>
+                </a:moveTo>
+                <a:lnTo>
+                  <a:pt x="364196" y="255270"/>
+                </a:lnTo>
+                <a:lnTo>
+                  <a:pt x="393217" y="255270"/>
+                </a:lnTo>
+                <a:lnTo>
+                  <a:pt x="393217" y="95205"/>
+                </a:lnTo>
+                <a:close/>
+                <a:moveTo>
+                  <a:pt x="789807" y="83597"/>
+                </a:moveTo>
+                <a:lnTo>
+                  <a:pt x="789807" y="109828"/>
+                </a:lnTo>
+                <a:lnTo>
+                  <a:pt x="818828" y="109828"/>
+                </a:lnTo>
+                <a:lnTo>
+                  <a:pt x="818828" y="83597"/>
+                </a:lnTo>
+                <a:close/>
+                <a:moveTo>
+                  <a:pt x="589782" y="83597"/>
+                </a:moveTo>
+                <a:lnTo>
+                  <a:pt x="589782" y="109828"/>
+                </a:lnTo>
+                <a:lnTo>
+                  <a:pt x="618803" y="109828"/>
+                </a:lnTo>
+                <a:lnTo>
+                  <a:pt x="618803" y="83597"/>
+                </a:lnTo>
+                <a:close/>
+                <a:moveTo>
+                  <a:pt x="182988" y="0"/>
+                </a:moveTo>
+                <a:lnTo>
+                  <a:pt x="1425451" y="0"/>
+                </a:lnTo>
+                <a:lnTo>
+                  <a:pt x="1451410" y="25959"/>
+                </a:lnTo>
+                <a:lnTo>
+                  <a:pt x="1451410" y="182988"/>
+                </a:lnTo>
+                <a:lnTo>
+                  <a:pt x="1268423" y="365975"/>
+                </a:lnTo>
+                <a:lnTo>
+                  <a:pt x="25959" y="365975"/>
+                </a:lnTo>
+                <a:lnTo>
+                  <a:pt x="0" y="340016"/>
+                </a:lnTo>
+                <a:lnTo>
+                  <a:pt x="0" y="182988"/>
+                </a:lnTo>
+                <a:close/>
+              </a:path>
+            </a:pathLst>
+          </a:custGeom>
+          <a:solidFill>
+            <a:srgbClr val="B43D96"/>
+          </a:solidFill>
+          <a:ln>
+            <a:noFill/>
+          </a:ln>
+          <a:effectLst>
+            <a:outerShdw blurRad="50800" dist="38100" dir="2700000" algn="tl" rotWithShape="0">
+              <a:prstClr val="black">
+                <a:alpha val="40000"/>
+              </a:prstClr>
+            </a:outerShdw>
+          </a:effectLst>
+        </p:spPr>
+        <p:txBody>
+          <a:bodyPr rot="0" spcFirstLastPara="0" vertOverflow="overflow" horzOverflow="overflow" vert="horz" wrap="square" lIns="140818" tIns="70409" rIns="140818" bIns="70409" numCol="1" spcCol="0" rtlCol="0" fromWordArt="0" anchor="t" anchorCtr="0" forceAA="0" compatLnSpc="1">
+            <a:prstTxWarp prst="textNoShape">
+              <a:avLst/>
+            </a:prstTxWarp>
+            <a:noAutofit/>
+          </a:bodyPr>
+          <a:lstStyle/>
+          <a:p>
+            <a:pPr algn="ctr"/>
+            <a:endParaRPr lang="pt-BR" sz="3696" dirty="0">
+              <a:latin typeface="Audiowide" panose="02000503000000020004" pitchFamily="2" charset="0"/>
+            </a:endParaRPr>
+          </a:p>
+        </p:txBody>
+      </p:sp>
+      <p:sp>
+        <p:nvSpPr>
+          <p:cNvPr id="1065" name="CaixaDeTexto 1064"/>
+          <p:cNvSpPr txBox="1"/>
+          <p:nvPr/>
+        </p:nvSpPr>
+        <p:spPr>
+          <a:xfrm rot="21160973">
+            <a:off x="1203082" y="1620689"/>
+            <a:ext cx="2288396" cy="1015663"/>
+          </a:xfrm>
+          <a:prstGeom prst="rect">
+            <a:avLst/>
+          </a:prstGeom>
+          <a:noFill/>
+          <a:effectLst>
+            <a:outerShdw blurRad="50800" dist="38100" dir="2700000" algn="tl" rotWithShape="0">
+              <a:prstClr val="black">
+                <a:alpha val="40000"/>
+              </a:prstClr>
+            </a:outerShdw>
+          </a:effectLst>
+        </p:spPr>
+        <p:txBody>
+          <a:bodyPr wrap="square" rtlCol="0">
+            <a:spAutoFit/>
+          </a:bodyPr>
+          <a:lstStyle/>
+          <a:p>
+            <a:pPr algn="ctr"/>
+            <a:r>
+              <a:rPr lang="pt-BR" sz="2000" dirty="0">
+                <a:solidFill>
+                  <a:srgbClr val="00EE5A"/>
+                </a:solidFill>
+                <a:latin typeface="True Lies" panose="02000500000000000000" pitchFamily="2" charset="0"/>
+              </a:rPr>
+              <a:t>Frete gratis para todos os bunkers do Brasil</a:t>
+            </a:r>
+          </a:p>
+        </p:txBody>
+      </p:sp>
+      <p:sp>
+        <p:nvSpPr>
+          <p:cNvPr id="9" name="CaixaDeTexto 8">
+            <a:extLst>
+              <a:ext uri="{FF2B5EF4-FFF2-40B4-BE49-F238E27FC236}">
+                <a16:creationId xmlns:a16="http://schemas.microsoft.com/office/drawing/2014/main" id="{42EA6C77-9852-44F1-A30B-880719CA5E40}"/>
+              </a:ext>
+            </a:extLst>
+          </p:cNvPr>
+          <p:cNvSpPr txBox="1"/>
+          <p:nvPr/>
+        </p:nvSpPr>
+        <p:spPr>
+          <a:xfrm rot="1161859">
+            <a:off x="2348997" y="1581139"/>
+            <a:ext cx="240657" cy="169277"/>
+          </a:xfrm>
+          <a:prstGeom prst="rect">
+            <a:avLst/>
+          </a:prstGeom>
+          <a:noFill/>
+        </p:spPr>
+        <p:txBody>
+          <a:bodyPr wrap="square" rtlCol="0">
+            <a:spAutoFit/>
+          </a:bodyPr>
+          <a:lstStyle/>
+          <a:p>
+            <a:r>
+              <a:rPr lang="pt-BR" sz="500" dirty="0">
+                <a:solidFill>
+                  <a:srgbClr val="00EE5A"/>
+                </a:solidFill>
+                <a:latin typeface="True Lies" panose="02000500000000000000" pitchFamily="2" charset="0"/>
+              </a:rPr>
+              <a:t>I</a:t>
+            </a:r>
+          </a:p>
+        </p:txBody>
+      </p:sp>
+      <p:pic>
+        <p:nvPicPr>
+          <p:cNvPr id="10" name="Imagem 9" descr="Uma imagem contendo objeto&#10;&#10;Descrição gerada com alta confiança">
+            <a:extLst>
+              <a:ext uri="{FF2B5EF4-FFF2-40B4-BE49-F238E27FC236}">
+                <a16:creationId xmlns:a16="http://schemas.microsoft.com/office/drawing/2014/main" id="{3876F10C-012B-4C9D-B8B5-DC62D2511AA2}"/>
+              </a:ext>
+            </a:extLst>
+          </p:cNvPr>
+          <p:cNvPicPr>
+            <a:picLocks noChangeAspect="1"/>
+          </p:cNvPicPr>
+          <p:nvPr/>
+        </p:nvPicPr>
+        <p:blipFill>
+          <a:blip r:embed="rId3">
+            <a:extLst>
+              <a:ext uri="{28A0092B-C50C-407E-A947-70E740481C1C}">
+                <a14:useLocalDpi xmlns:a14="http://schemas.microsoft.com/office/drawing/2010/main" val="0"/>
+              </a:ext>
+            </a:extLst>
+          </a:blip>
+          <a:stretch>
+            <a:fillRect/>
+          </a:stretch>
+        </p:blipFill>
+        <p:spPr>
+          <a:xfrm rot="804346">
+            <a:off x="1190298" y="2791428"/>
+            <a:ext cx="658096" cy="658096"/>
+          </a:xfrm>
+          <a:prstGeom prst="rect">
+            <a:avLst/>
+          </a:prstGeom>
+          <a:effectLst>
+            <a:outerShdw blurRad="50800" dist="38100" dir="2700000" algn="tl" rotWithShape="0">
+              <a:prstClr val="black">
+                <a:alpha val="40000"/>
+              </a:prstClr>
+            </a:outerShdw>
+          </a:effectLst>
+        </p:spPr>
+      </p:pic>
+    </p:spTree>
+    <p:extLst>
+      <p:ext uri="{BB962C8B-B14F-4D97-AF65-F5344CB8AC3E}">
+        <p14:creationId xmlns:p14="http://schemas.microsoft.com/office/powerpoint/2010/main" val="143058624"/>
+      </p:ext>
+    </p:extLst>
+  </p:cSld>
+  <p:clrMapOvr>
+    <a:masterClrMapping/>
+  </p:clrMapOvr>
+</p:sld>
+</file>
+
+<file path=ppt/slides/slide5.xml><?xml version="1.0" encoding="utf-8"?>
+<p:sld xmlns:a="http://schemas.openxmlformats.org/drawingml/2006/main" xmlns:r="http://schemas.openxmlformats.org/officeDocument/2006/relationships" xmlns:p="http://schemas.openxmlformats.org/presentationml/2006/main">
+  <p:cSld>
+    <p:spTree>
+      <p:nvGrpSpPr>
+        <p:cNvPr id="1" name=""/>
+        <p:cNvGrpSpPr/>
+        <p:nvPr/>
+      </p:nvGrpSpPr>
+      <p:grpSpPr>
+        <a:xfrm>
+          <a:off x="0" y="0"/>
+          <a:ext cx="0" cy="0"/>
+          <a:chOff x="0" y="0"/>
+          <a:chExt cx="0" cy="0"/>
+        </a:xfrm>
+      </p:grpSpPr>
       <p:grpSp>
         <p:nvGrpSpPr>
           <p:cNvPr id="2" name="página"/>
@@ -2994,7 +5485,7 @@
             <p:cNvPr id="1026" name="Picture 2" descr="Cthulhu LARP Cult of YIG Lovecraft Monsters Necronomicon Occult Dark Art Demons | eBay">
               <a:extLst>
                 <a:ext uri="{FF2B5EF4-FFF2-40B4-BE49-F238E27FC236}">
-                  <a16:creationId xmlns="" xmlns:a16="http://schemas.microsoft.com/office/drawing/2014/main" id="{30B8E49A-3E4B-4F41-A129-C86640182180}"/>
+                  <a16:creationId xmlns:a16="http://schemas.microsoft.com/office/drawing/2014/main" id="{30B8E49A-3E4B-4F41-A129-C86640182180}"/>
                 </a:ext>
               </a:extLst>
             </p:cNvPr>
@@ -3041,7 +5532,7 @@
             <p:cNvPr id="15" name="Retângulo 14">
               <a:extLst>
                 <a:ext uri="{FF2B5EF4-FFF2-40B4-BE49-F238E27FC236}">
-                  <a16:creationId xmlns="" xmlns:a16="http://schemas.microsoft.com/office/drawing/2014/main" id="{DE031CF8-94D5-4139-96ED-40AA4502A25D}"/>
+                  <a16:creationId xmlns:a16="http://schemas.microsoft.com/office/drawing/2014/main" id="{DE031CF8-94D5-4139-96ED-40AA4502A25D}"/>
                 </a:ext>
               </a:extLst>
             </p:cNvPr>
@@ -3144,7 +5635,7 @@
           <p:cNvPr id="5" name="Barra">
             <a:extLst>
               <a:ext uri="{FF2B5EF4-FFF2-40B4-BE49-F238E27FC236}">
-                <a16:creationId xmlns="" xmlns:a16="http://schemas.microsoft.com/office/drawing/2014/main" id="{5961DC48-B4AF-4BEC-B963-651447A8317F}"/>
+                <a16:creationId xmlns:a16="http://schemas.microsoft.com/office/drawing/2014/main" id="{5961DC48-B4AF-4BEC-B963-651447A8317F}"/>
               </a:ext>
             </a:extLst>
           </p:cNvPr>
@@ -3195,7 +5686,7 @@
           <p:cNvPr id="18" name="Title">
             <a:extLst>
               <a:ext uri="{FF2B5EF4-FFF2-40B4-BE49-F238E27FC236}">
-                <a16:creationId xmlns="" xmlns:a16="http://schemas.microsoft.com/office/drawing/2014/main" id="{42835BA0-3094-4A70-9BF3-522D7BBF2D35}"/>
+                <a16:creationId xmlns:a16="http://schemas.microsoft.com/office/drawing/2014/main" id="{42835BA0-3094-4A70-9BF3-522D7BBF2D35}"/>
               </a:ext>
             </a:extLst>
           </p:cNvPr>
@@ -3240,39 +5731,7 @@
                 </a:effectLst>
                 <a:latin typeface="MB Gothic Spell" panose="02000500000000000000" pitchFamily="2" charset="0"/>
               </a:rPr>
-              <a:t>O </a:t>
-            </a:r>
-            <a:r>
-              <a:rPr lang="pt-BR" sz="5400" dirty="0" smtClean="0">
-                <a:solidFill>
-                  <a:srgbClr val="00B050"/>
-                </a:solidFill>
-                <a:effectLst>
-                  <a:outerShdw blurRad="50800" dist="38100" dir="2700000" algn="tl" rotWithShape="0">
-                    <a:prstClr val="black">
-                      <a:alpha val="40000"/>
-                    </a:prstClr>
-                  </a:outerShdw>
-                </a:effectLst>
-                <a:latin typeface="MB Gothic Spell" panose="02000500000000000000" pitchFamily="2" charset="0"/>
-              </a:rPr>
-              <a:t>Horror </a:t>
-            </a:r>
-            <a:r>
-              <a:rPr lang="pt-BR" sz="5400" dirty="0">
-                <a:solidFill>
-                  <a:srgbClr val="00B050"/>
-                </a:solidFill>
-                <a:effectLst>
-                  <a:outerShdw blurRad="50800" dist="38100" dir="2700000" algn="tl" rotWithShape="0">
-                    <a:prstClr val="black">
-                      <a:alpha val="40000"/>
-                    </a:prstClr>
-                  </a:outerShdw>
-                </a:effectLst>
-                <a:latin typeface="MB Gothic Spell" panose="02000500000000000000" pitchFamily="2" charset="0"/>
-              </a:rPr>
-              <a:t>de </a:t>
+              <a:t>O Horror de </a:t>
             </a:r>
           </a:p>
           <a:p>
@@ -6399,7 +8858,7 @@
           <a:p>
             <a:pPr algn="ctr"/>
             <a:r>
-              <a:rPr lang="pt-BR" dirty="0" smtClean="0">
+              <a:rPr lang="pt-BR" dirty="0">
                 <a:solidFill>
                   <a:srgbClr val="00B050"/>
                 </a:solidFill>
@@ -6407,12 +8866,6 @@
               </a:rPr>
               <a:t>Confira</a:t>
             </a:r>
-            <a:endParaRPr lang="pt-BR" dirty="0">
-              <a:solidFill>
-                <a:srgbClr val="00B050"/>
-              </a:solidFill>
-              <a:latin typeface="Century" panose="02040604050505020304" pitchFamily="18" charset="0"/>
-            </a:endParaRPr>
           </a:p>
         </p:txBody>
       </p:sp>
@@ -6462,928 +8915,22 @@
           </a:p>
         </p:txBody>
       </p:sp>
-    </p:spTree>
-    <p:extLst>
-      <p:ext uri="{BB962C8B-B14F-4D97-AF65-F5344CB8AC3E}">
-        <p14:creationId xmlns:p14="http://schemas.microsoft.com/office/powerpoint/2010/main" val="2472407547"/>
-      </p:ext>
-    </p:extLst>
-  </p:cSld>
-  <p:clrMapOvr>
-    <a:masterClrMapping/>
-  </p:clrMapOvr>
-  <p:timing>
-    <p:tnLst>
-      <p:par>
-        <p:cTn id="1" dur="indefinite" restart="never" nodeType="tmRoot"/>
-      </p:par>
-    </p:tnLst>
-  </p:timing>
-</p:sld>
-</file>
-
-<file path=ppt/slides/slide2.xml><?xml version="1.0" encoding="utf-8"?>
-<p:sld xmlns:a="http://schemas.openxmlformats.org/drawingml/2006/main" xmlns:r="http://schemas.openxmlformats.org/officeDocument/2006/relationships" xmlns:p="http://schemas.openxmlformats.org/presentationml/2006/main">
-  <p:cSld>
-    <p:spTree>
-      <p:nvGrpSpPr>
-        <p:cNvPr id="1" name=""/>
-        <p:cNvGrpSpPr/>
-        <p:nvPr/>
-      </p:nvGrpSpPr>
-      <p:grpSpPr>
-        <a:xfrm>
-          <a:off x="0" y="0"/>
-          <a:ext cx="0" cy="0"/>
-          <a:chOff x="0" y="0"/>
-          <a:chExt cx="0" cy="0"/>
-        </a:xfrm>
-      </p:grpSpPr>
-      <p:pic>
-        <p:nvPicPr>
-          <p:cNvPr id="1059" name="Picture 2" descr="Resultado de imagem para cyberpunk wallpaper"/>
-          <p:cNvPicPr>
-            <a:picLocks noChangeAspect="1" noChangeArrowheads="1"/>
-          </p:cNvPicPr>
-          <p:nvPr/>
-        </p:nvPicPr>
-        <p:blipFill>
-          <a:blip r:embed="rId2" cstate="print">
-            <a:extLst>
-              <a:ext uri="{28A0092B-C50C-407E-A947-70E740481C1C}">
-                <a14:useLocalDpi xmlns:a14="http://schemas.microsoft.com/office/drawing/2010/main" val="0"/>
-              </a:ext>
-            </a:extLst>
-          </a:blip>
-          <a:srcRect/>
-          <a:stretch>
-            <a:fillRect/>
-          </a:stretch>
-        </p:blipFill>
-        <p:spPr bwMode="auto">
-          <a:xfrm>
-            <a:off x="1479413" y="-998200"/>
-            <a:ext cx="8537757" cy="4669085"/>
-          </a:xfrm>
-          <a:prstGeom prst="rect">
-            <a:avLst/>
-          </a:prstGeom>
-          <a:noFill/>
-          <a:extLst>
-            <a:ext uri="{909E8E84-426E-40DD-AFC4-6F175D3DCCD1}">
-              <a14:hiddenFill xmlns:a14="http://schemas.microsoft.com/office/drawing/2010/main">
-                <a:solidFill>
-                  <a:srgbClr val="FFFFFF"/>
-                </a:solidFill>
-              </a14:hiddenFill>
-            </a:ext>
-          </a:extLst>
-        </p:spPr>
-      </p:pic>
       <p:sp>
         <p:nvSpPr>
-          <p:cNvPr id="7" name="Trapezoide 6"/>
-          <p:cNvSpPr/>
-          <p:nvPr/>
-        </p:nvSpPr>
-        <p:spPr>
-          <a:xfrm rot="10800000">
-            <a:off x="-2276898" y="-530172"/>
-            <a:ext cx="7630557" cy="4201057"/>
-          </a:xfrm>
-          <a:prstGeom prst="trapezoid">
-            <a:avLst>
-              <a:gd name="adj" fmla="val 34730"/>
-            </a:avLst>
-          </a:prstGeom>
-          <a:gradFill>
-            <a:gsLst>
-              <a:gs pos="0">
-                <a:srgbClr val="314C45"/>
-              </a:gs>
-              <a:gs pos="100000">
-                <a:schemeClr val="bg2">
-                  <a:lumMod val="10000"/>
-                </a:schemeClr>
-              </a:gs>
-            </a:gsLst>
-            <a:lin ang="5400000" scaled="1"/>
-          </a:gradFill>
-          <a:ln>
-            <a:noFill/>
-          </a:ln>
-        </p:spPr>
-        <p:style>
-          <a:lnRef idx="2">
-            <a:schemeClr val="accent1">
-              <a:shade val="50000"/>
-            </a:schemeClr>
-          </a:lnRef>
-          <a:fillRef idx="1">
-            <a:schemeClr val="accent1"/>
-          </a:fillRef>
-          <a:effectRef idx="0">
-            <a:schemeClr val="accent1"/>
-          </a:effectRef>
-          <a:fontRef idx="minor">
-            <a:schemeClr val="lt1"/>
-          </a:fontRef>
-        </p:style>
-        <p:txBody>
-          <a:bodyPr rtlCol="0" anchor="ctr"/>
-          <a:lstStyle/>
-          <a:p>
-            <a:pPr algn="ctr"/>
-            <a:endParaRPr lang="pt-BR" sz="2772"/>
-          </a:p>
-        </p:txBody>
-      </p:sp>
-      <p:cxnSp>
-        <p:nvCxnSpPr>
-          <p:cNvPr id="8" name="Conector reto 7">
+          <p:cNvPr id="7" name="CaixaDeTexto 6">
             <a:extLst>
               <a:ext uri="{FF2B5EF4-FFF2-40B4-BE49-F238E27FC236}">
-                <a16:creationId xmlns="" xmlns:a16="http://schemas.microsoft.com/office/drawing/2014/main" id="{5961DC48-B4AF-4BEC-B963-651447A8317F}"/>
+                <a16:creationId xmlns:a16="http://schemas.microsoft.com/office/drawing/2014/main" id="{1E777A50-C686-4B01-9D14-78EFE87A8864}"/>
               </a:ext>
             </a:extLst>
           </p:cNvPr>
-          <p:cNvCxnSpPr>
-            <a:cxnSpLocks/>
-          </p:cNvCxnSpPr>
-          <p:nvPr/>
-        </p:nvCxnSpPr>
-        <p:spPr>
-          <a:xfrm flipV="1">
-            <a:off x="3714653" y="-760370"/>
-            <a:ext cx="1707560" cy="4828031"/>
-          </a:xfrm>
-          <a:prstGeom prst="line">
-            <a:avLst/>
-          </a:prstGeom>
-          <a:ln w="101600">
-            <a:gradFill>
-              <a:gsLst>
-                <a:gs pos="8000">
-                  <a:srgbClr val="152126"/>
-                </a:gs>
-                <a:gs pos="100000">
-                  <a:srgbClr val="81263D"/>
-                </a:gs>
-              </a:gsLst>
-              <a:lin ang="5400000" scaled="1"/>
-            </a:gradFill>
-          </a:ln>
-          <a:effectLst>
-            <a:outerShdw blurRad="50800" dist="38100" dir="2700000" algn="tl" rotWithShape="0">
-              <a:prstClr val="black">
-                <a:alpha val="40000"/>
-              </a:prstClr>
-            </a:outerShdw>
-          </a:effectLst>
-        </p:spPr>
-        <p:style>
-          <a:lnRef idx="3">
-            <a:schemeClr val="dk1"/>
-          </a:lnRef>
-          <a:fillRef idx="0">
-            <a:schemeClr val="dk1"/>
-          </a:fillRef>
-          <a:effectRef idx="2">
-            <a:schemeClr val="dk1"/>
-          </a:effectRef>
-          <a:fontRef idx="minor">
-            <a:schemeClr val="tx1"/>
-          </a:fontRef>
-        </p:style>
-      </p:cxnSp>
-      <p:sp>
-        <p:nvSpPr>
-          <p:cNvPr id="2" name="CaixaDeTexto 1"/>
           <p:cNvSpPr txBox="1"/>
           <p:nvPr/>
         </p:nvSpPr>
         <p:spPr>
-          <a:xfrm>
-            <a:off x="494847" y="93042"/>
-            <a:ext cx="5678772" cy="1229824"/>
-          </a:xfrm>
-          <a:prstGeom prst="rect">
-            <a:avLst/>
-          </a:prstGeom>
-          <a:noFill/>
-          <a:ln>
-            <a:noFill/>
-          </a:ln>
-          <a:effectLst>
-            <a:outerShdw blurRad="50800" dist="38100" dir="2700000" algn="tl" rotWithShape="0">
-              <a:prstClr val="black">
-                <a:alpha val="40000"/>
-              </a:prstClr>
-            </a:outerShdw>
-          </a:effectLst>
-        </p:spPr>
-        <p:style>
-          <a:lnRef idx="2">
-            <a:schemeClr val="accent5"/>
-          </a:lnRef>
-          <a:fillRef idx="1">
-            <a:schemeClr val="lt1"/>
-          </a:fillRef>
-          <a:effectRef idx="0">
-            <a:schemeClr val="accent5"/>
-          </a:effectRef>
-          <a:fontRef idx="minor">
-            <a:schemeClr val="dk1"/>
-          </a:fontRef>
-        </p:style>
-        <p:txBody>
-          <a:bodyPr wrap="square" rtlCol="0">
-            <a:spAutoFit/>
-          </a:bodyPr>
-          <a:lstStyle/>
-          <a:p>
-            <a:pPr algn="ctr"/>
-            <a:r>
-              <a:rPr lang="pt-BR" sz="3696" dirty="0" err="1">
-                <a:ln w="0">
-                  <a:noFill/>
-                </a:ln>
-                <a:gradFill>
-                  <a:gsLst>
-                    <a:gs pos="25000">
-                      <a:srgbClr val="EC31F0"/>
-                    </a:gs>
-                    <a:gs pos="100000">
-                      <a:srgbClr val="00E952"/>
-                    </a:gs>
-                  </a:gsLst>
-                  <a:lin ang="16200000" scaled="0"/>
-                </a:gradFill>
-                <a:latin typeface="True Lies" panose="02000500000000000000" pitchFamily="2" charset="0"/>
-              </a:rPr>
-              <a:t>Invasao</a:t>
-            </a:r>
-            <a:r>
-              <a:rPr lang="pt-BR" sz="3696" dirty="0">
-                <a:ln w="0">
-                  <a:noFill/>
-                </a:ln>
-                <a:gradFill>
-                  <a:gsLst>
-                    <a:gs pos="25000">
-                      <a:srgbClr val="EC31F0"/>
-                    </a:gs>
-                    <a:gs pos="100000">
-                      <a:srgbClr val="00E952"/>
-                    </a:gs>
-                  </a:gsLst>
-                  <a:lin ang="16200000" scaled="0"/>
-                </a:gradFill>
-                <a:latin typeface="True Lies" panose="02000500000000000000" pitchFamily="2" charset="0"/>
-              </a:rPr>
-              <a:t> </a:t>
-            </a:r>
-          </a:p>
-          <a:p>
-            <a:pPr algn="ctr"/>
-            <a:r>
-              <a:rPr lang="pt-BR" sz="3696" dirty="0" err="1">
-                <a:ln w="0">
-                  <a:noFill/>
-                </a:ln>
-                <a:gradFill>
-                  <a:gsLst>
-                    <a:gs pos="25000">
-                      <a:srgbClr val="EC31F0"/>
-                    </a:gs>
-                    <a:gs pos="100000">
-                      <a:srgbClr val="00E952"/>
-                    </a:gs>
-                  </a:gsLst>
-                  <a:lin ang="16200000" scaled="0"/>
-                </a:gradFill>
-                <a:latin typeface="True Lies" panose="02000500000000000000" pitchFamily="2" charset="0"/>
-              </a:rPr>
-              <a:t>CyberPunk</a:t>
-            </a:r>
-            <a:endParaRPr lang="pt-BR" sz="3696" dirty="0">
-              <a:ln w="0">
-                <a:noFill/>
-              </a:ln>
-              <a:gradFill>
-                <a:gsLst>
-                  <a:gs pos="25000">
-                    <a:srgbClr val="EC31F0"/>
-                  </a:gs>
-                  <a:gs pos="100000">
-                    <a:srgbClr val="00E952"/>
-                  </a:gs>
-                </a:gsLst>
-                <a:lin ang="16200000" scaled="0"/>
-              </a:gradFill>
-              <a:latin typeface="True Lies" panose="02000500000000000000" pitchFamily="2" charset="0"/>
-            </a:endParaRPr>
-          </a:p>
-        </p:txBody>
-      </p:sp>
-      <p:sp>
-        <p:nvSpPr>
-          <p:cNvPr id="3" name="CaixaDeTexto 2"/>
-          <p:cNvSpPr txBox="1"/>
-          <p:nvPr/>
-        </p:nvSpPr>
-        <p:spPr>
-          <a:xfrm rot="3595537">
-            <a:off x="3720954" y="-54163"/>
-            <a:ext cx="240657" cy="424090"/>
-          </a:xfrm>
-          <a:prstGeom prst="rect">
-            <a:avLst/>
-          </a:prstGeom>
-          <a:noFill/>
-        </p:spPr>
-        <p:txBody>
-          <a:bodyPr wrap="square" rtlCol="0">
-            <a:spAutoFit/>
-          </a:bodyPr>
-          <a:lstStyle/>
-          <a:p>
-            <a:r>
-              <a:rPr lang="pt-BR" sz="2156" dirty="0">
-                <a:gradFill flip="none" rotWithShape="1">
-                  <a:gsLst>
-                    <a:gs pos="0">
-                      <a:srgbClr val="EC31F0"/>
-                    </a:gs>
-                    <a:gs pos="19502">
-                      <a:srgbClr val="BD56D1"/>
-                    </a:gs>
-                    <a:gs pos="98000">
-                      <a:srgbClr val="00E952"/>
-                    </a:gs>
-                  </a:gsLst>
-                  <a:lin ang="11400000" scaled="0"/>
-                  <a:tileRect/>
-                </a:gradFill>
-                <a:latin typeface="True Lies" panose="02000500000000000000" pitchFamily="2" charset="0"/>
-              </a:rPr>
-              <a:t>I</a:t>
-            </a:r>
-          </a:p>
-        </p:txBody>
-      </p:sp>
-      <p:sp>
-        <p:nvSpPr>
-          <p:cNvPr id="104" name="CaixaDeTexto 103"/>
-          <p:cNvSpPr txBox="1"/>
-          <p:nvPr/>
-        </p:nvSpPr>
-        <p:spPr>
-          <a:xfrm>
-            <a:off x="2254430" y="3079034"/>
-            <a:ext cx="1564805" cy="394568"/>
-          </a:xfrm>
-          <a:custGeom>
-            <a:avLst/>
-            <a:gdLst/>
-            <a:ahLst/>
-            <a:cxnLst/>
-            <a:rect l="l" t="t" r="r" b="b"/>
-            <a:pathLst>
-              <a:path w="1451410" h="365975">
-                <a:moveTo>
-                  <a:pt x="1038982" y="134608"/>
-                </a:moveTo>
-                <a:cubicBezTo>
-                  <a:pt x="1036304" y="134608"/>
-                  <a:pt x="1033420" y="134924"/>
-                  <a:pt x="1030332" y="135556"/>
-                </a:cubicBezTo>
-                <a:cubicBezTo>
-                  <a:pt x="1027244" y="136189"/>
-                  <a:pt x="1024193" y="137175"/>
-                  <a:pt x="1021179" y="138514"/>
-                </a:cubicBezTo>
-                <a:cubicBezTo>
-                  <a:pt x="1018165" y="139854"/>
-                  <a:pt x="1015282" y="141584"/>
-                  <a:pt x="1012528" y="143705"/>
-                </a:cubicBezTo>
-                <a:cubicBezTo>
-                  <a:pt x="1009775" y="145826"/>
-                  <a:pt x="1007338" y="148393"/>
-                  <a:pt x="1005217" y="151407"/>
-                </a:cubicBezTo>
-                <a:cubicBezTo>
-                  <a:pt x="1003096" y="154420"/>
-                  <a:pt x="1001403" y="157899"/>
-                  <a:pt x="1000138" y="161843"/>
-                </a:cubicBezTo>
-                <a:cubicBezTo>
-                  <a:pt x="998873" y="165787"/>
-                  <a:pt x="998241" y="170252"/>
-                  <a:pt x="998241" y="175238"/>
-                </a:cubicBezTo>
-                <a:lnTo>
-                  <a:pt x="998241" y="255270"/>
-                </a:lnTo>
-                <a:lnTo>
-                  <a:pt x="1027262" y="255270"/>
-                </a:lnTo>
-                <a:lnTo>
-                  <a:pt x="1027262" y="175238"/>
-                </a:lnTo>
-                <a:cubicBezTo>
-                  <a:pt x="1027262" y="171443"/>
-                  <a:pt x="1028267" y="168559"/>
-                  <a:pt x="1030276" y="166587"/>
-                </a:cubicBezTo>
-                <a:cubicBezTo>
-                  <a:pt x="1032285" y="164615"/>
-                  <a:pt x="1035262" y="163629"/>
-                  <a:pt x="1039206" y="163629"/>
-                </a:cubicBezTo>
-                <a:lnTo>
-                  <a:pt x="1104504" y="163629"/>
-                </a:lnTo>
-                <a:lnTo>
-                  <a:pt x="1104504" y="134608"/>
-                </a:lnTo>
-                <a:close/>
-                <a:moveTo>
-                  <a:pt x="867384" y="134608"/>
-                </a:moveTo>
-                <a:lnTo>
-                  <a:pt x="867384" y="162178"/>
-                </a:lnTo>
-                <a:lnTo>
-                  <a:pt x="931119" y="162178"/>
-                </a:lnTo>
-                <a:cubicBezTo>
-                  <a:pt x="934691" y="162178"/>
-                  <a:pt x="937649" y="163294"/>
-                  <a:pt x="939993" y="165527"/>
-                </a:cubicBezTo>
-                <a:cubicBezTo>
-                  <a:pt x="942337" y="167759"/>
-                  <a:pt x="943509" y="170773"/>
-                  <a:pt x="943509" y="174568"/>
-                </a:cubicBezTo>
-                <a:lnTo>
-                  <a:pt x="943509" y="215086"/>
-                </a:lnTo>
-                <a:cubicBezTo>
-                  <a:pt x="943509" y="218658"/>
-                  <a:pt x="942430" y="221635"/>
-                  <a:pt x="940272" y="224016"/>
-                </a:cubicBezTo>
-                <a:cubicBezTo>
-                  <a:pt x="938114" y="226397"/>
-                  <a:pt x="935063" y="227588"/>
-                  <a:pt x="931119" y="227588"/>
-                </a:cubicBezTo>
-                <a:lnTo>
-                  <a:pt x="878992" y="227588"/>
-                </a:lnTo>
-                <a:cubicBezTo>
-                  <a:pt x="875569" y="227588"/>
-                  <a:pt x="872611" y="226528"/>
-                  <a:pt x="870118" y="224407"/>
-                </a:cubicBezTo>
-                <a:cubicBezTo>
-                  <a:pt x="867625" y="222286"/>
-                  <a:pt x="866379" y="219328"/>
-                  <a:pt x="866379" y="215533"/>
-                </a:cubicBezTo>
-                <a:cubicBezTo>
-                  <a:pt x="866379" y="211961"/>
-                  <a:pt x="867458" y="208966"/>
-                  <a:pt x="869616" y="206547"/>
-                </a:cubicBezTo>
-                <a:cubicBezTo>
-                  <a:pt x="871774" y="204129"/>
-                  <a:pt x="874825" y="202920"/>
-                  <a:pt x="878769" y="202920"/>
-                </a:cubicBezTo>
-                <a:lnTo>
-                  <a:pt x="931119" y="202920"/>
-                </a:lnTo>
-                <a:lnTo>
-                  <a:pt x="931119" y="175238"/>
-                </a:lnTo>
-                <a:lnTo>
-                  <a:pt x="878769" y="175238"/>
-                </a:lnTo>
-                <a:cubicBezTo>
-                  <a:pt x="871476" y="175238"/>
-                  <a:pt x="865281" y="176577"/>
-                  <a:pt x="860184" y="179256"/>
-                </a:cubicBezTo>
-                <a:cubicBezTo>
-                  <a:pt x="855087" y="181935"/>
-                  <a:pt x="850957" y="185265"/>
-                  <a:pt x="847794" y="189246"/>
-                </a:cubicBezTo>
-                <a:cubicBezTo>
-                  <a:pt x="844632" y="193227"/>
-                  <a:pt x="842343" y="197562"/>
-                  <a:pt x="840929" y="202250"/>
-                </a:cubicBezTo>
-                <a:cubicBezTo>
-                  <a:pt x="839516" y="206938"/>
-                  <a:pt x="838809" y="211291"/>
-                  <a:pt x="838809" y="215310"/>
-                </a:cubicBezTo>
-                <a:cubicBezTo>
-                  <a:pt x="838809" y="222602"/>
-                  <a:pt x="840148" y="228797"/>
-                  <a:pt x="842827" y="233895"/>
-                </a:cubicBezTo>
-                <a:cubicBezTo>
-                  <a:pt x="845506" y="238992"/>
-                  <a:pt x="848836" y="243122"/>
-                  <a:pt x="852817" y="246285"/>
-                </a:cubicBezTo>
-                <a:cubicBezTo>
-                  <a:pt x="856798" y="249447"/>
-                  <a:pt x="861114" y="251735"/>
-                  <a:pt x="865765" y="253149"/>
-                </a:cubicBezTo>
-                <a:cubicBezTo>
-                  <a:pt x="870416" y="254563"/>
-                  <a:pt x="874751" y="255270"/>
-                  <a:pt x="878769" y="255270"/>
-                </a:cubicBezTo>
-                <a:lnTo>
-                  <a:pt x="931119" y="255270"/>
-                </a:lnTo>
-                <a:cubicBezTo>
-                  <a:pt x="938412" y="255270"/>
-                  <a:pt x="944607" y="253931"/>
-                  <a:pt x="949704" y="251252"/>
-                </a:cubicBezTo>
-                <a:cubicBezTo>
-                  <a:pt x="954802" y="248573"/>
-                  <a:pt x="958932" y="245243"/>
-                  <a:pt x="962094" y="241262"/>
-                </a:cubicBezTo>
-                <a:cubicBezTo>
-                  <a:pt x="965257" y="237280"/>
-                  <a:pt x="967545" y="232964"/>
-                  <a:pt x="968959" y="228314"/>
-                </a:cubicBezTo>
-                <a:cubicBezTo>
-                  <a:pt x="970373" y="223663"/>
-                  <a:pt x="971080" y="219328"/>
-                  <a:pt x="971080" y="215310"/>
-                </a:cubicBezTo>
-                <a:lnTo>
-                  <a:pt x="971080" y="174568"/>
-                </a:lnTo>
-                <a:cubicBezTo>
-                  <a:pt x="971080" y="167275"/>
-                  <a:pt x="969740" y="161080"/>
-                  <a:pt x="967061" y="155983"/>
-                </a:cubicBezTo>
-                <a:cubicBezTo>
-                  <a:pt x="964382" y="150886"/>
-                  <a:pt x="961052" y="146756"/>
-                  <a:pt x="957071" y="143593"/>
-                </a:cubicBezTo>
-                <a:cubicBezTo>
-                  <a:pt x="953090" y="140431"/>
-                  <a:pt x="948774" y="138142"/>
-                  <a:pt x="944123" y="136728"/>
-                </a:cubicBezTo>
-                <a:cubicBezTo>
-                  <a:pt x="939472" y="135315"/>
-                  <a:pt x="935138" y="134608"/>
-                  <a:pt x="931119" y="134608"/>
-                </a:cubicBezTo>
-                <a:close/>
-                <a:moveTo>
-                  <a:pt x="789807" y="134608"/>
-                </a:moveTo>
-                <a:lnTo>
-                  <a:pt x="789807" y="255270"/>
-                </a:lnTo>
-                <a:lnTo>
-                  <a:pt x="818828" y="255270"/>
-                </a:lnTo>
-                <a:lnTo>
-                  <a:pt x="818828" y="134608"/>
-                </a:lnTo>
-                <a:close/>
-                <a:moveTo>
-                  <a:pt x="684660" y="134608"/>
-                </a:moveTo>
-                <a:cubicBezTo>
-                  <a:pt x="679674" y="134608"/>
-                  <a:pt x="675209" y="135240"/>
-                  <a:pt x="671265" y="136505"/>
-                </a:cubicBezTo>
-                <a:cubicBezTo>
-                  <a:pt x="667321" y="137770"/>
-                  <a:pt x="663843" y="139445"/>
-                  <a:pt x="660829" y="141528"/>
-                </a:cubicBezTo>
-                <a:cubicBezTo>
-                  <a:pt x="657815" y="143612"/>
-                  <a:pt x="655248" y="146030"/>
-                  <a:pt x="653127" y="148784"/>
-                </a:cubicBezTo>
-                <a:cubicBezTo>
-                  <a:pt x="651006" y="151537"/>
-                  <a:pt x="649276" y="154420"/>
-                  <a:pt x="647937" y="157434"/>
-                </a:cubicBezTo>
-                <a:cubicBezTo>
-                  <a:pt x="646597" y="160448"/>
-                  <a:pt x="645611" y="163480"/>
-                  <a:pt x="644979" y="166531"/>
-                </a:cubicBezTo>
-                <a:cubicBezTo>
-                  <a:pt x="644346" y="169582"/>
-                  <a:pt x="644030" y="172484"/>
-                  <a:pt x="644030" y="175238"/>
-                </a:cubicBezTo>
-                <a:lnTo>
-                  <a:pt x="644030" y="214528"/>
-                </a:lnTo>
-                <a:cubicBezTo>
-                  <a:pt x="644030" y="222044"/>
-                  <a:pt x="645388" y="228388"/>
-                  <a:pt x="648104" y="233560"/>
-                </a:cubicBezTo>
-                <a:cubicBezTo>
-                  <a:pt x="650820" y="238732"/>
-                  <a:pt x="654206" y="242936"/>
-                  <a:pt x="658262" y="246173"/>
-                </a:cubicBezTo>
-                <a:cubicBezTo>
-                  <a:pt x="662317" y="249410"/>
-                  <a:pt x="666726" y="251735"/>
-                  <a:pt x="671489" y="253149"/>
-                </a:cubicBezTo>
-                <a:cubicBezTo>
-                  <a:pt x="676251" y="254563"/>
-                  <a:pt x="680642" y="255270"/>
-                  <a:pt x="684660" y="255270"/>
-                </a:cubicBezTo>
-                <a:lnTo>
-                  <a:pt x="763353" y="255270"/>
-                </a:lnTo>
-                <a:lnTo>
-                  <a:pt x="763353" y="226249"/>
-                </a:lnTo>
-                <a:lnTo>
-                  <a:pt x="684883" y="226249"/>
-                </a:lnTo>
-                <a:cubicBezTo>
-                  <a:pt x="681014" y="226249"/>
-                  <a:pt x="678074" y="225244"/>
-                  <a:pt x="676065" y="223235"/>
-                </a:cubicBezTo>
-                <a:cubicBezTo>
-                  <a:pt x="674056" y="221226"/>
-                  <a:pt x="673051" y="218323"/>
-                  <a:pt x="673051" y="214528"/>
-                </a:cubicBezTo>
-                <a:lnTo>
-                  <a:pt x="673051" y="175461"/>
-                </a:lnTo>
-                <a:cubicBezTo>
-                  <a:pt x="673051" y="171443"/>
-                  <a:pt x="674037" y="168466"/>
-                  <a:pt x="676009" y="166531"/>
-                </a:cubicBezTo>
-                <a:cubicBezTo>
-                  <a:pt x="677981" y="164596"/>
-                  <a:pt x="680865" y="163629"/>
-                  <a:pt x="684660" y="163629"/>
-                </a:cubicBezTo>
-                <a:lnTo>
-                  <a:pt x="763353" y="163629"/>
-                </a:lnTo>
-                <a:lnTo>
-                  <a:pt x="763353" y="134608"/>
-                </a:lnTo>
-                <a:close/>
-                <a:moveTo>
-                  <a:pt x="589782" y="134608"/>
-                </a:moveTo>
-                <a:lnTo>
-                  <a:pt x="589782" y="255270"/>
-                </a:lnTo>
-                <a:lnTo>
-                  <a:pt x="618803" y="255270"/>
-                </a:lnTo>
-                <a:lnTo>
-                  <a:pt x="618803" y="134608"/>
-                </a:lnTo>
-                <a:close/>
-                <a:moveTo>
-                  <a:pt x="442033" y="134608"/>
-                </a:moveTo>
-                <a:cubicBezTo>
-                  <a:pt x="440024" y="134608"/>
-                  <a:pt x="438126" y="134980"/>
-                  <a:pt x="436340" y="135724"/>
-                </a:cubicBezTo>
-                <a:cubicBezTo>
-                  <a:pt x="434554" y="136468"/>
-                  <a:pt x="432992" y="137491"/>
-                  <a:pt x="431652" y="138793"/>
-                </a:cubicBezTo>
-                <a:cubicBezTo>
-                  <a:pt x="430313" y="140096"/>
-                  <a:pt x="429271" y="141621"/>
-                  <a:pt x="428527" y="143370"/>
-                </a:cubicBezTo>
-                <a:cubicBezTo>
-                  <a:pt x="427783" y="145119"/>
-                  <a:pt x="427411" y="146998"/>
-                  <a:pt x="427411" y="149007"/>
-                </a:cubicBezTo>
-                <a:lnTo>
-                  <a:pt x="427411" y="255270"/>
-                </a:lnTo>
-                <a:lnTo>
-                  <a:pt x="456432" y="255270"/>
-                </a:lnTo>
-                <a:lnTo>
-                  <a:pt x="456432" y="163629"/>
-                </a:lnTo>
-                <a:lnTo>
-                  <a:pt x="507220" y="163629"/>
-                </a:lnTo>
-                <a:cubicBezTo>
-                  <a:pt x="510717" y="163629"/>
-                  <a:pt x="513973" y="164206"/>
-                  <a:pt x="516986" y="165359"/>
-                </a:cubicBezTo>
-                <a:cubicBezTo>
-                  <a:pt x="520000" y="166513"/>
-                  <a:pt x="522623" y="168168"/>
-                  <a:pt x="524856" y="170326"/>
-                </a:cubicBezTo>
-                <a:cubicBezTo>
-                  <a:pt x="527088" y="172484"/>
-                  <a:pt x="528855" y="175070"/>
-                  <a:pt x="530158" y="178084"/>
-                </a:cubicBezTo>
-                <a:cubicBezTo>
-                  <a:pt x="531460" y="181098"/>
-                  <a:pt x="532111" y="184502"/>
-                  <a:pt x="532111" y="188297"/>
-                </a:cubicBezTo>
-                <a:lnTo>
-                  <a:pt x="532111" y="255270"/>
-                </a:lnTo>
-                <a:lnTo>
-                  <a:pt x="561133" y="255270"/>
-                </a:lnTo>
-                <a:lnTo>
-                  <a:pt x="561133" y="188297"/>
-                </a:lnTo>
-                <a:cubicBezTo>
-                  <a:pt x="561133" y="181749"/>
-                  <a:pt x="560314" y="175870"/>
-                  <a:pt x="558677" y="170661"/>
-                </a:cubicBezTo>
-                <a:cubicBezTo>
-                  <a:pt x="557040" y="165452"/>
-                  <a:pt x="554826" y="160857"/>
-                  <a:pt x="552035" y="156876"/>
-                </a:cubicBezTo>
-                <a:cubicBezTo>
-                  <a:pt x="549245" y="152895"/>
-                  <a:pt x="546045" y="149509"/>
-                  <a:pt x="542436" y="146719"/>
-                </a:cubicBezTo>
-                <a:cubicBezTo>
-                  <a:pt x="538827" y="143928"/>
-                  <a:pt x="535032" y="141621"/>
-                  <a:pt x="531051" y="139798"/>
-                </a:cubicBezTo>
-                <a:cubicBezTo>
-                  <a:pt x="527070" y="137975"/>
-                  <a:pt x="523051" y="136654"/>
-                  <a:pt x="518996" y="135835"/>
-                </a:cubicBezTo>
-                <a:cubicBezTo>
-                  <a:pt x="514940" y="135017"/>
-                  <a:pt x="511089" y="134608"/>
-                  <a:pt x="507443" y="134608"/>
-                </a:cubicBezTo>
-                <a:close/>
-                <a:moveTo>
-                  <a:pt x="364196" y="95205"/>
-                </a:moveTo>
-                <a:lnTo>
-                  <a:pt x="364196" y="255270"/>
-                </a:lnTo>
-                <a:lnTo>
-                  <a:pt x="393217" y="255270"/>
-                </a:lnTo>
-                <a:lnTo>
-                  <a:pt x="393217" y="95205"/>
-                </a:lnTo>
-                <a:close/>
-                <a:moveTo>
-                  <a:pt x="789807" y="83597"/>
-                </a:moveTo>
-                <a:lnTo>
-                  <a:pt x="789807" y="109828"/>
-                </a:lnTo>
-                <a:lnTo>
-                  <a:pt x="818828" y="109828"/>
-                </a:lnTo>
-                <a:lnTo>
-                  <a:pt x="818828" y="83597"/>
-                </a:lnTo>
-                <a:close/>
-                <a:moveTo>
-                  <a:pt x="589782" y="83597"/>
-                </a:moveTo>
-                <a:lnTo>
-                  <a:pt x="589782" y="109828"/>
-                </a:lnTo>
-                <a:lnTo>
-                  <a:pt x="618803" y="109828"/>
-                </a:lnTo>
-                <a:lnTo>
-                  <a:pt x="618803" y="83597"/>
-                </a:lnTo>
-                <a:close/>
-                <a:moveTo>
-                  <a:pt x="182988" y="0"/>
-                </a:moveTo>
-                <a:lnTo>
-                  <a:pt x="1425451" y="0"/>
-                </a:lnTo>
-                <a:lnTo>
-                  <a:pt x="1451410" y="25959"/>
-                </a:lnTo>
-                <a:lnTo>
-                  <a:pt x="1451410" y="182988"/>
-                </a:lnTo>
-                <a:lnTo>
-                  <a:pt x="1268423" y="365975"/>
-                </a:lnTo>
-                <a:lnTo>
-                  <a:pt x="25959" y="365975"/>
-                </a:lnTo>
-                <a:lnTo>
-                  <a:pt x="0" y="340016"/>
-                </a:lnTo>
-                <a:lnTo>
-                  <a:pt x="0" y="182988"/>
-                </a:lnTo>
-                <a:close/>
-              </a:path>
-            </a:pathLst>
-          </a:custGeom>
-          <a:solidFill>
-            <a:srgbClr val="B43D96"/>
-          </a:solidFill>
-          <a:ln>
-            <a:noFill/>
-          </a:ln>
-          <a:effectLst>
-            <a:outerShdw blurRad="50800" dist="38100" dir="2700000" algn="tl" rotWithShape="0">
-              <a:prstClr val="black">
-                <a:alpha val="40000"/>
-              </a:prstClr>
-            </a:outerShdw>
-          </a:effectLst>
-        </p:spPr>
-        <p:txBody>
-          <a:bodyPr rot="0" spcFirstLastPara="0" vertOverflow="overflow" horzOverflow="overflow" vert="horz" wrap="square" lIns="140818" tIns="70409" rIns="140818" bIns="70409" numCol="1" spcCol="0" rtlCol="0" fromWordArt="0" anchor="t" anchorCtr="0" forceAA="0" compatLnSpc="1">
-            <a:prstTxWarp prst="textNoShape">
-              <a:avLst/>
-            </a:prstTxWarp>
-            <a:noAutofit/>
-          </a:bodyPr>
-          <a:lstStyle/>
-          <a:p>
-            <a:pPr algn="ctr"/>
-            <a:endParaRPr lang="pt-BR" sz="3696" dirty="0">
-              <a:latin typeface="Audiowide" panose="02000503000000020004" pitchFamily="2" charset="0"/>
-            </a:endParaRPr>
-          </a:p>
-        </p:txBody>
-      </p:sp>
-      <p:sp>
-        <p:nvSpPr>
-          <p:cNvPr id="1065" name="CaixaDeTexto 1064"/>
-          <p:cNvSpPr txBox="1"/>
-          <p:nvPr/>
-        </p:nvSpPr>
-        <p:spPr>
-          <a:xfrm rot="21160973">
-            <a:off x="2066210" y="1795990"/>
-            <a:ext cx="2288396" cy="830997"/>
+          <a:xfrm rot="21427220">
+            <a:off x="1987836" y="2100250"/>
+            <a:ext cx="3254929" cy="954107"/>
           </a:xfrm>
           <a:prstGeom prst="rect">
             <a:avLst/>
@@ -7405,31 +8952,25 @@
           <a:p>
             <a:pPr algn="ctr"/>
             <a:r>
-              <a:rPr lang="pt-BR" sz="1600" dirty="0">
+              <a:rPr lang="pt-BR" sz="2800" dirty="0">
                 <a:solidFill>
-                  <a:srgbClr val="00EE5A"/>
+                  <a:srgbClr val="058A42"/>
                 </a:solidFill>
-                <a:latin typeface="True Lies" panose="02000500000000000000" pitchFamily="2" charset="0"/>
+                <a:latin typeface="Scrawl" pitchFamily="2" charset="0"/>
               </a:rPr>
-              <a:t>Frete </a:t>
+              <a:t>Corra antes que </a:t>
             </a:r>
+          </a:p>
+          <a:p>
+            <a:pPr algn="ctr"/>
             <a:r>
-              <a:rPr lang="pt-BR" sz="1600" dirty="0" err="1">
+              <a:rPr lang="pt-BR" sz="2800" dirty="0">
                 <a:solidFill>
-                  <a:srgbClr val="00EE5A"/>
+                  <a:srgbClr val="058A42"/>
                 </a:solidFill>
-                <a:latin typeface="True Lies" panose="02000500000000000000" pitchFamily="2" charset="0"/>
+                <a:latin typeface="Scrawl" pitchFamily="2" charset="0"/>
               </a:rPr>
-              <a:t>gratis</a:t>
-            </a:r>
-            <a:r>
-              <a:rPr lang="pt-BR" sz="1600" dirty="0">
-                <a:solidFill>
-                  <a:srgbClr val="00EE5A"/>
-                </a:solidFill>
-                <a:latin typeface="True Lies" panose="02000500000000000000" pitchFamily="2" charset="0"/>
-              </a:rPr>
-              <a:t> para todos os bunkers do Brasil</a:t>
+              <a:t>seja tarde!</a:t>
             </a:r>
           </a:p>
         </p:txBody>
@@ -7437,57 +8978,13 @@
     </p:spTree>
     <p:extLst>
       <p:ext uri="{BB962C8B-B14F-4D97-AF65-F5344CB8AC3E}">
-        <p14:creationId xmlns:p14="http://schemas.microsoft.com/office/powerpoint/2010/main" val="143058624"/>
+        <p14:creationId xmlns:p14="http://schemas.microsoft.com/office/powerpoint/2010/main" val="2472407547"/>
       </p:ext>
     </p:extLst>
   </p:cSld>
   <p:clrMapOvr>
     <a:masterClrMapping/>
   </p:clrMapOvr>
-  <p:timing>
-    <p:tnLst>
-      <p:par>
-        <p:cTn id="1" dur="indefinite" restart="never" nodeType="tmRoot"/>
-      </p:par>
-    </p:tnLst>
-  </p:timing>
-</p:sld>
-</file>
-
-<file path=ppt/slides/slide3.xml><?xml version="1.0" encoding="utf-8"?>
-<p:sld xmlns:a="http://schemas.openxmlformats.org/drawingml/2006/main" xmlns:r="http://schemas.openxmlformats.org/officeDocument/2006/relationships" xmlns:p="http://schemas.openxmlformats.org/presentationml/2006/main">
-  <p:cSld>
-    <p:spTree>
-      <p:nvGrpSpPr>
-        <p:cNvPr id="1" name=""/>
-        <p:cNvGrpSpPr/>
-        <p:nvPr/>
-      </p:nvGrpSpPr>
-      <p:grpSpPr>
-        <a:xfrm>
-          <a:off x="0" y="0"/>
-          <a:ext cx="0" cy="0"/>
-          <a:chOff x="0" y="0"/>
-          <a:chExt cx="0" cy="0"/>
-        </a:xfrm>
-      </p:grpSpPr>
-    </p:spTree>
-    <p:extLst>
-      <p:ext uri="{BB962C8B-B14F-4D97-AF65-F5344CB8AC3E}">
-        <p14:creationId xmlns:p14="http://schemas.microsoft.com/office/powerpoint/2010/main" val="1095047840"/>
-      </p:ext>
-    </p:extLst>
-  </p:cSld>
-  <p:clrMapOvr>
-    <a:masterClrMapping/>
-  </p:clrMapOvr>
-  <p:timing>
-    <p:tnLst>
-      <p:par>
-        <p:cTn id="1" dur="indefinite" restart="never" nodeType="tmRoot"/>
-      </p:par>
-    </p:tnLst>
-  </p:timing>
 </p:sld>
 </file>
 

--- a/Documentação/pptx/Banner2.pptx
+++ b/Documentação/pptx/Banner2.pptx
@@ -158,7 +158,7 @@
           </a:lstStyle>
           <a:p>
             <a:r>
-              <a:rPr lang="pt-BR" smtClean="0"/>
+              <a:rPr lang="pt-BR"/>
               <a:t>Clique para editar o título mestre</a:t>
             </a:r>
             <a:endParaRPr lang="en-US" dirty="0"/>
@@ -223,7 +223,7 @@
           </a:lstStyle>
           <a:p>
             <a:r>
-              <a:rPr lang="pt-BR" smtClean="0"/>
+              <a:rPr lang="pt-BR"/>
               <a:t>Clique para editar o estilo do subtítulo mestre</a:t>
             </a:r>
             <a:endParaRPr lang="en-US" dirty="0"/>
@@ -247,7 +247,7 @@
           <a:p>
             <a:fld id="{B37B9FE5-737C-46BE-B8FD-3C35E6D1D0B7}" type="datetimeFigureOut">
               <a:rPr lang="pt-BR" smtClean="0"/>
-              <a:t>14/11/2018</a:t>
+              <a:t>26/11/2018</a:t>
             </a:fld>
             <a:endParaRPr lang="pt-BR"/>
           </a:p>
@@ -341,7 +341,7 @@
           <a:lstStyle/>
           <a:p>
             <a:r>
-              <a:rPr lang="pt-BR" smtClean="0"/>
+              <a:rPr lang="pt-BR"/>
               <a:t>Clique para editar o título mestre</a:t>
             </a:r>
             <a:endParaRPr lang="en-US" dirty="0"/>
@@ -365,35 +365,35 @@
           <a:p>
             <a:pPr lvl="0"/>
             <a:r>
-              <a:rPr lang="pt-BR" smtClean="0"/>
+              <a:rPr lang="pt-BR"/>
               <a:t>Clique para editar o texto mestre</a:t>
             </a:r>
           </a:p>
           <a:p>
             <a:pPr lvl="1"/>
             <a:r>
-              <a:rPr lang="pt-BR" smtClean="0"/>
+              <a:rPr lang="pt-BR"/>
               <a:t>Segundo nível</a:t>
             </a:r>
           </a:p>
           <a:p>
             <a:pPr lvl="2"/>
             <a:r>
-              <a:rPr lang="pt-BR" smtClean="0"/>
+              <a:rPr lang="pt-BR"/>
               <a:t>Terceiro nível</a:t>
             </a:r>
           </a:p>
           <a:p>
             <a:pPr lvl="3"/>
             <a:r>
-              <a:rPr lang="pt-BR" smtClean="0"/>
+              <a:rPr lang="pt-BR"/>
               <a:t>Quarto nível</a:t>
             </a:r>
           </a:p>
           <a:p>
             <a:pPr lvl="4"/>
             <a:r>
-              <a:rPr lang="pt-BR" smtClean="0"/>
+              <a:rPr lang="pt-BR"/>
               <a:t>Quinto nível</a:t>
             </a:r>
             <a:endParaRPr lang="en-US" dirty="0"/>
@@ -417,7 +417,7 @@
           <a:p>
             <a:fld id="{B37B9FE5-737C-46BE-B8FD-3C35E6D1D0B7}" type="datetimeFigureOut">
               <a:rPr lang="pt-BR" smtClean="0"/>
-              <a:t>14/11/2018</a:t>
+              <a:t>26/11/2018</a:t>
             </a:fld>
             <a:endParaRPr lang="pt-BR"/>
           </a:p>
@@ -516,7 +516,7 @@
           <a:lstStyle/>
           <a:p>
             <a:r>
-              <a:rPr lang="pt-BR" smtClean="0"/>
+              <a:rPr lang="pt-BR"/>
               <a:t>Clique para editar o título mestre</a:t>
             </a:r>
             <a:endParaRPr lang="en-US" dirty="0"/>
@@ -545,35 +545,35 @@
           <a:p>
             <a:pPr lvl="0"/>
             <a:r>
-              <a:rPr lang="pt-BR" smtClean="0"/>
+              <a:rPr lang="pt-BR"/>
               <a:t>Clique para editar o texto mestre</a:t>
             </a:r>
           </a:p>
           <a:p>
             <a:pPr lvl="1"/>
             <a:r>
-              <a:rPr lang="pt-BR" smtClean="0"/>
+              <a:rPr lang="pt-BR"/>
               <a:t>Segundo nível</a:t>
             </a:r>
           </a:p>
           <a:p>
             <a:pPr lvl="2"/>
             <a:r>
-              <a:rPr lang="pt-BR" smtClean="0"/>
+              <a:rPr lang="pt-BR"/>
               <a:t>Terceiro nível</a:t>
             </a:r>
           </a:p>
           <a:p>
             <a:pPr lvl="3"/>
             <a:r>
-              <a:rPr lang="pt-BR" smtClean="0"/>
+              <a:rPr lang="pt-BR"/>
               <a:t>Quarto nível</a:t>
             </a:r>
           </a:p>
           <a:p>
             <a:pPr lvl="4"/>
             <a:r>
-              <a:rPr lang="pt-BR" smtClean="0"/>
+              <a:rPr lang="pt-BR"/>
               <a:t>Quinto nível</a:t>
             </a:r>
             <a:endParaRPr lang="en-US" dirty="0"/>
@@ -597,7 +597,7 @@
           <a:p>
             <a:fld id="{B37B9FE5-737C-46BE-B8FD-3C35E6D1D0B7}" type="datetimeFigureOut">
               <a:rPr lang="pt-BR" smtClean="0"/>
-              <a:t>14/11/2018</a:t>
+              <a:t>26/11/2018</a:t>
             </a:fld>
             <a:endParaRPr lang="pt-BR"/>
           </a:p>
@@ -691,7 +691,7 @@
           <a:lstStyle/>
           <a:p>
             <a:r>
-              <a:rPr lang="pt-BR" smtClean="0"/>
+              <a:rPr lang="pt-BR"/>
               <a:t>Clique para editar o título mestre</a:t>
             </a:r>
             <a:endParaRPr lang="en-US" dirty="0"/>
@@ -715,35 +715,35 @@
           <a:p>
             <a:pPr lvl="0"/>
             <a:r>
-              <a:rPr lang="pt-BR" smtClean="0"/>
+              <a:rPr lang="pt-BR"/>
               <a:t>Clique para editar o texto mestre</a:t>
             </a:r>
           </a:p>
           <a:p>
             <a:pPr lvl="1"/>
             <a:r>
-              <a:rPr lang="pt-BR" smtClean="0"/>
+              <a:rPr lang="pt-BR"/>
               <a:t>Segundo nível</a:t>
             </a:r>
           </a:p>
           <a:p>
             <a:pPr lvl="2"/>
             <a:r>
-              <a:rPr lang="pt-BR" smtClean="0"/>
+              <a:rPr lang="pt-BR"/>
               <a:t>Terceiro nível</a:t>
             </a:r>
           </a:p>
           <a:p>
             <a:pPr lvl="3"/>
             <a:r>
-              <a:rPr lang="pt-BR" smtClean="0"/>
+              <a:rPr lang="pt-BR"/>
               <a:t>Quarto nível</a:t>
             </a:r>
           </a:p>
           <a:p>
             <a:pPr lvl="4"/>
             <a:r>
-              <a:rPr lang="pt-BR" smtClean="0"/>
+              <a:rPr lang="pt-BR"/>
               <a:t>Quinto nível</a:t>
             </a:r>
             <a:endParaRPr lang="en-US" dirty="0"/>
@@ -767,7 +767,7 @@
           <a:p>
             <a:fld id="{B37B9FE5-737C-46BE-B8FD-3C35E6D1D0B7}" type="datetimeFigureOut">
               <a:rPr lang="pt-BR" smtClean="0"/>
-              <a:t>14/11/2018</a:t>
+              <a:t>26/11/2018</a:t>
             </a:fld>
             <a:endParaRPr lang="pt-BR"/>
           </a:p>
@@ -870,7 +870,7 @@
           </a:lstStyle>
           <a:p>
             <a:r>
-              <a:rPr lang="pt-BR" smtClean="0"/>
+              <a:rPr lang="pt-BR"/>
               <a:t>Clique para editar o título mestre</a:t>
             </a:r>
             <a:endParaRPr lang="en-US" dirty="0"/>
@@ -990,7 +990,7 @@
           <a:p>
             <a:pPr lvl="0"/>
             <a:r>
-              <a:rPr lang="pt-BR" smtClean="0"/>
+              <a:rPr lang="pt-BR"/>
               <a:t>Clique para editar o texto mestre</a:t>
             </a:r>
           </a:p>
@@ -1013,7 +1013,7 @@
           <a:p>
             <a:fld id="{B37B9FE5-737C-46BE-B8FD-3C35E6D1D0B7}" type="datetimeFigureOut">
               <a:rPr lang="pt-BR" smtClean="0"/>
-              <a:t>14/11/2018</a:t>
+              <a:t>26/11/2018</a:t>
             </a:fld>
             <a:endParaRPr lang="pt-BR"/>
           </a:p>
@@ -1107,7 +1107,7 @@
           <a:lstStyle/>
           <a:p>
             <a:r>
-              <a:rPr lang="pt-BR" smtClean="0"/>
+              <a:rPr lang="pt-BR"/>
               <a:t>Clique para editar o título mestre</a:t>
             </a:r>
             <a:endParaRPr lang="en-US" dirty="0"/>
@@ -1136,35 +1136,35 @@
           <a:p>
             <a:pPr lvl="0"/>
             <a:r>
-              <a:rPr lang="pt-BR" smtClean="0"/>
+              <a:rPr lang="pt-BR"/>
               <a:t>Clique para editar o texto mestre</a:t>
             </a:r>
           </a:p>
           <a:p>
             <a:pPr lvl="1"/>
             <a:r>
-              <a:rPr lang="pt-BR" smtClean="0"/>
+              <a:rPr lang="pt-BR"/>
               <a:t>Segundo nível</a:t>
             </a:r>
           </a:p>
           <a:p>
             <a:pPr lvl="2"/>
             <a:r>
-              <a:rPr lang="pt-BR" smtClean="0"/>
+              <a:rPr lang="pt-BR"/>
               <a:t>Terceiro nível</a:t>
             </a:r>
           </a:p>
           <a:p>
             <a:pPr lvl="3"/>
             <a:r>
-              <a:rPr lang="pt-BR" smtClean="0"/>
+              <a:rPr lang="pt-BR"/>
               <a:t>Quarto nível</a:t>
             </a:r>
           </a:p>
           <a:p>
             <a:pPr lvl="4"/>
             <a:r>
-              <a:rPr lang="pt-BR" smtClean="0"/>
+              <a:rPr lang="pt-BR"/>
               <a:t>Quinto nível</a:t>
             </a:r>
             <a:endParaRPr lang="en-US" dirty="0"/>
@@ -1193,35 +1193,35 @@
           <a:p>
             <a:pPr lvl="0"/>
             <a:r>
-              <a:rPr lang="pt-BR" smtClean="0"/>
+              <a:rPr lang="pt-BR"/>
               <a:t>Clique para editar o texto mestre</a:t>
             </a:r>
           </a:p>
           <a:p>
             <a:pPr lvl="1"/>
             <a:r>
-              <a:rPr lang="pt-BR" smtClean="0"/>
+              <a:rPr lang="pt-BR"/>
               <a:t>Segundo nível</a:t>
             </a:r>
           </a:p>
           <a:p>
             <a:pPr lvl="2"/>
             <a:r>
-              <a:rPr lang="pt-BR" smtClean="0"/>
+              <a:rPr lang="pt-BR"/>
               <a:t>Terceiro nível</a:t>
             </a:r>
           </a:p>
           <a:p>
             <a:pPr lvl="3"/>
             <a:r>
-              <a:rPr lang="pt-BR" smtClean="0"/>
+              <a:rPr lang="pt-BR"/>
               <a:t>Quarto nível</a:t>
             </a:r>
           </a:p>
           <a:p>
             <a:pPr lvl="4"/>
             <a:r>
-              <a:rPr lang="pt-BR" smtClean="0"/>
+              <a:rPr lang="pt-BR"/>
               <a:t>Quinto nível</a:t>
             </a:r>
             <a:endParaRPr lang="en-US" dirty="0"/>
@@ -1245,7 +1245,7 @@
           <a:p>
             <a:fld id="{B37B9FE5-737C-46BE-B8FD-3C35E6D1D0B7}" type="datetimeFigureOut">
               <a:rPr lang="pt-BR" smtClean="0"/>
-              <a:t>14/11/2018</a:t>
+              <a:t>26/11/2018</a:t>
             </a:fld>
             <a:endParaRPr lang="pt-BR"/>
           </a:p>
@@ -1344,7 +1344,7 @@
           <a:lstStyle/>
           <a:p>
             <a:r>
-              <a:rPr lang="pt-BR" smtClean="0"/>
+              <a:rPr lang="pt-BR"/>
               <a:t>Clique para editar o título mestre</a:t>
             </a:r>
             <a:endParaRPr lang="en-US" dirty="0"/>
@@ -1410,7 +1410,7 @@
           <a:p>
             <a:pPr lvl="0"/>
             <a:r>
-              <a:rPr lang="pt-BR" smtClean="0"/>
+              <a:rPr lang="pt-BR"/>
               <a:t>Clique para editar o texto mestre</a:t>
             </a:r>
           </a:p>
@@ -1438,35 +1438,35 @@
           <a:p>
             <a:pPr lvl="0"/>
             <a:r>
-              <a:rPr lang="pt-BR" smtClean="0"/>
+              <a:rPr lang="pt-BR"/>
               <a:t>Clique para editar o texto mestre</a:t>
             </a:r>
           </a:p>
           <a:p>
             <a:pPr lvl="1"/>
             <a:r>
-              <a:rPr lang="pt-BR" smtClean="0"/>
+              <a:rPr lang="pt-BR"/>
               <a:t>Segundo nível</a:t>
             </a:r>
           </a:p>
           <a:p>
             <a:pPr lvl="2"/>
             <a:r>
-              <a:rPr lang="pt-BR" smtClean="0"/>
+              <a:rPr lang="pt-BR"/>
               <a:t>Terceiro nível</a:t>
             </a:r>
           </a:p>
           <a:p>
             <a:pPr lvl="3"/>
             <a:r>
-              <a:rPr lang="pt-BR" smtClean="0"/>
+              <a:rPr lang="pt-BR"/>
               <a:t>Quarto nível</a:t>
             </a:r>
           </a:p>
           <a:p>
             <a:pPr lvl="4"/>
             <a:r>
-              <a:rPr lang="pt-BR" smtClean="0"/>
+              <a:rPr lang="pt-BR"/>
               <a:t>Quinto nível</a:t>
             </a:r>
             <a:endParaRPr lang="en-US" dirty="0"/>
@@ -1532,7 +1532,7 @@
           <a:p>
             <a:pPr lvl="0"/>
             <a:r>
-              <a:rPr lang="pt-BR" smtClean="0"/>
+              <a:rPr lang="pt-BR"/>
               <a:t>Clique para editar o texto mestre</a:t>
             </a:r>
           </a:p>
@@ -1560,35 +1560,35 @@
           <a:p>
             <a:pPr lvl="0"/>
             <a:r>
-              <a:rPr lang="pt-BR" smtClean="0"/>
+              <a:rPr lang="pt-BR"/>
               <a:t>Clique para editar o texto mestre</a:t>
             </a:r>
           </a:p>
           <a:p>
             <a:pPr lvl="1"/>
             <a:r>
-              <a:rPr lang="pt-BR" smtClean="0"/>
+              <a:rPr lang="pt-BR"/>
               <a:t>Segundo nível</a:t>
             </a:r>
           </a:p>
           <a:p>
             <a:pPr lvl="2"/>
             <a:r>
-              <a:rPr lang="pt-BR" smtClean="0"/>
+              <a:rPr lang="pt-BR"/>
               <a:t>Terceiro nível</a:t>
             </a:r>
           </a:p>
           <a:p>
             <a:pPr lvl="3"/>
             <a:r>
-              <a:rPr lang="pt-BR" smtClean="0"/>
+              <a:rPr lang="pt-BR"/>
               <a:t>Quarto nível</a:t>
             </a:r>
           </a:p>
           <a:p>
             <a:pPr lvl="4"/>
             <a:r>
-              <a:rPr lang="pt-BR" smtClean="0"/>
+              <a:rPr lang="pt-BR"/>
               <a:t>Quinto nível</a:t>
             </a:r>
             <a:endParaRPr lang="en-US" dirty="0"/>
@@ -1612,7 +1612,7 @@
           <a:p>
             <a:fld id="{B37B9FE5-737C-46BE-B8FD-3C35E6D1D0B7}" type="datetimeFigureOut">
               <a:rPr lang="pt-BR" smtClean="0"/>
-              <a:t>14/11/2018</a:t>
+              <a:t>26/11/2018</a:t>
             </a:fld>
             <a:endParaRPr lang="pt-BR"/>
           </a:p>
@@ -1706,7 +1706,7 @@
           <a:lstStyle/>
           <a:p>
             <a:r>
-              <a:rPr lang="pt-BR" smtClean="0"/>
+              <a:rPr lang="pt-BR"/>
               <a:t>Clique para editar o título mestre</a:t>
             </a:r>
             <a:endParaRPr lang="en-US" dirty="0"/>
@@ -1730,7 +1730,7 @@
           <a:p>
             <a:fld id="{B37B9FE5-737C-46BE-B8FD-3C35E6D1D0B7}" type="datetimeFigureOut">
               <a:rPr lang="pt-BR" smtClean="0"/>
-              <a:t>14/11/2018</a:t>
+              <a:t>26/11/2018</a:t>
             </a:fld>
             <a:endParaRPr lang="pt-BR"/>
           </a:p>
@@ -1825,7 +1825,7 @@
           <a:p>
             <a:fld id="{B37B9FE5-737C-46BE-B8FD-3C35E6D1D0B7}" type="datetimeFigureOut">
               <a:rPr lang="pt-BR" smtClean="0"/>
-              <a:t>14/11/2018</a:t>
+              <a:t>26/11/2018</a:t>
             </a:fld>
             <a:endParaRPr lang="pt-BR"/>
           </a:p>
@@ -1928,7 +1928,7 @@
           </a:lstStyle>
           <a:p>
             <a:r>
-              <a:rPr lang="pt-BR" smtClean="0"/>
+              <a:rPr lang="pt-BR"/>
               <a:t>Clique para editar o título mestre</a:t>
             </a:r>
             <a:endParaRPr lang="en-US" dirty="0"/>
@@ -1985,35 +1985,35 @@
           <a:p>
             <a:pPr lvl="0"/>
             <a:r>
-              <a:rPr lang="pt-BR" smtClean="0"/>
+              <a:rPr lang="pt-BR"/>
               <a:t>Clique para editar o texto mestre</a:t>
             </a:r>
           </a:p>
           <a:p>
             <a:pPr lvl="1"/>
             <a:r>
-              <a:rPr lang="pt-BR" smtClean="0"/>
+              <a:rPr lang="pt-BR"/>
               <a:t>Segundo nível</a:t>
             </a:r>
           </a:p>
           <a:p>
             <a:pPr lvl="2"/>
             <a:r>
-              <a:rPr lang="pt-BR" smtClean="0"/>
+              <a:rPr lang="pt-BR"/>
               <a:t>Terceiro nível</a:t>
             </a:r>
           </a:p>
           <a:p>
             <a:pPr lvl="3"/>
             <a:r>
-              <a:rPr lang="pt-BR" smtClean="0"/>
+              <a:rPr lang="pt-BR"/>
               <a:t>Quarto nível</a:t>
             </a:r>
           </a:p>
           <a:p>
             <a:pPr lvl="4"/>
             <a:r>
-              <a:rPr lang="pt-BR" smtClean="0"/>
+              <a:rPr lang="pt-BR"/>
               <a:t>Quinto nível</a:t>
             </a:r>
             <a:endParaRPr lang="en-US" dirty="0"/>
@@ -2079,7 +2079,7 @@
           <a:p>
             <a:pPr lvl="0"/>
             <a:r>
-              <a:rPr lang="pt-BR" smtClean="0"/>
+              <a:rPr lang="pt-BR"/>
               <a:t>Clique para editar o texto mestre</a:t>
             </a:r>
           </a:p>
@@ -2102,7 +2102,7 @@
           <a:p>
             <a:fld id="{B37B9FE5-737C-46BE-B8FD-3C35E6D1D0B7}" type="datetimeFigureOut">
               <a:rPr lang="pt-BR" smtClean="0"/>
-              <a:t>14/11/2018</a:t>
+              <a:t>26/11/2018</a:t>
             </a:fld>
             <a:endParaRPr lang="pt-BR"/>
           </a:p>
@@ -2205,7 +2205,7 @@
           </a:lstStyle>
           <a:p>
             <a:r>
-              <a:rPr lang="pt-BR" smtClean="0"/>
+              <a:rPr lang="pt-BR"/>
               <a:t>Clique para editar o título mestre</a:t>
             </a:r>
             <a:endParaRPr lang="en-US" dirty="0"/>
@@ -2270,7 +2270,7 @@
           </a:lstStyle>
           <a:p>
             <a:r>
-              <a:rPr lang="pt-BR" smtClean="0"/>
+              <a:rPr lang="pt-BR"/>
               <a:t>Clique no ícone para adicionar uma imagem</a:t>
             </a:r>
             <a:endParaRPr lang="en-US" dirty="0"/>
@@ -2336,7 +2336,7 @@
           <a:p>
             <a:pPr lvl="0"/>
             <a:r>
-              <a:rPr lang="pt-BR" smtClean="0"/>
+              <a:rPr lang="pt-BR"/>
               <a:t>Clique para editar o texto mestre</a:t>
             </a:r>
           </a:p>
@@ -2359,7 +2359,7 @@
           <a:p>
             <a:fld id="{B37B9FE5-737C-46BE-B8FD-3C35E6D1D0B7}" type="datetimeFigureOut">
               <a:rPr lang="pt-BR" smtClean="0"/>
-              <a:t>14/11/2018</a:t>
+              <a:t>26/11/2018</a:t>
             </a:fld>
             <a:endParaRPr lang="pt-BR"/>
           </a:p>
@@ -2468,7 +2468,7 @@
           <a:lstStyle/>
           <a:p>
             <a:r>
-              <a:rPr lang="pt-BR" smtClean="0"/>
+              <a:rPr lang="pt-BR"/>
               <a:t>Clique para editar o título mestre</a:t>
             </a:r>
             <a:endParaRPr lang="en-US" dirty="0"/>
@@ -2502,35 +2502,35 @@
           <a:p>
             <a:pPr lvl="0"/>
             <a:r>
-              <a:rPr lang="pt-BR" smtClean="0"/>
+              <a:rPr lang="pt-BR"/>
               <a:t>Clique para editar o texto mestre</a:t>
             </a:r>
           </a:p>
           <a:p>
             <a:pPr lvl="1"/>
             <a:r>
-              <a:rPr lang="pt-BR" smtClean="0"/>
+              <a:rPr lang="pt-BR"/>
               <a:t>Segundo nível</a:t>
             </a:r>
           </a:p>
           <a:p>
             <a:pPr lvl="2"/>
             <a:r>
-              <a:rPr lang="pt-BR" smtClean="0"/>
+              <a:rPr lang="pt-BR"/>
               <a:t>Terceiro nível</a:t>
             </a:r>
           </a:p>
           <a:p>
             <a:pPr lvl="3"/>
             <a:r>
-              <a:rPr lang="pt-BR" smtClean="0"/>
+              <a:rPr lang="pt-BR"/>
               <a:t>Quarto nível</a:t>
             </a:r>
           </a:p>
           <a:p>
             <a:pPr lvl="4"/>
             <a:r>
-              <a:rPr lang="pt-BR" smtClean="0"/>
+              <a:rPr lang="pt-BR"/>
               <a:t>Quinto nível</a:t>
             </a:r>
             <a:endParaRPr lang="en-US" dirty="0"/>
@@ -2572,7 +2572,7 @@
           <a:p>
             <a:fld id="{B37B9FE5-737C-46BE-B8FD-3C35E6D1D0B7}" type="datetimeFigureOut">
               <a:rPr lang="pt-BR" smtClean="0"/>
-              <a:t>14/11/2018</a:t>
+              <a:t>26/11/2018</a:t>
             </a:fld>
             <a:endParaRPr lang="pt-BR"/>
           </a:p>
@@ -2996,7 +2996,7 @@
             <p:cNvPr id="5" name="Picture 2" descr="Cthulhu LARP Cult of YIG Lovecraft Monsters Necronomicon Occult Dark Art Demons | eBay">
               <a:extLst>
                 <a:ext uri="{FF2B5EF4-FFF2-40B4-BE49-F238E27FC236}">
-                  <a16:creationId xmlns:a16="http://schemas.microsoft.com/office/drawing/2014/main" xmlns="" id="{30B8E49A-3E4B-4F41-A129-C86640182180}"/>
+                  <a16:creationId xmlns:a16="http://schemas.microsoft.com/office/drawing/2014/main" id="{30B8E49A-3E4B-4F41-A129-C86640182180}"/>
                 </a:ext>
               </a:extLst>
             </p:cNvPr>
@@ -3043,7 +3043,7 @@
             <p:cNvPr id="6" name="Retângulo 5">
               <a:extLst>
                 <a:ext uri="{FF2B5EF4-FFF2-40B4-BE49-F238E27FC236}">
-                  <a16:creationId xmlns:a16="http://schemas.microsoft.com/office/drawing/2014/main" xmlns="" id="{DE031CF8-94D5-4139-96ED-40AA4502A25D}"/>
+                  <a16:creationId xmlns:a16="http://schemas.microsoft.com/office/drawing/2014/main" id="{DE031CF8-94D5-4139-96ED-40AA4502A25D}"/>
                 </a:ext>
               </a:extLst>
             </p:cNvPr>
@@ -3146,7 +3146,7 @@
           <p:cNvPr id="7" name="Barra">
             <a:extLst>
               <a:ext uri="{FF2B5EF4-FFF2-40B4-BE49-F238E27FC236}">
-                <a16:creationId xmlns:a16="http://schemas.microsoft.com/office/drawing/2014/main" xmlns="" id="{5961DC48-B4AF-4BEC-B963-651447A8317F}"/>
+                <a16:creationId xmlns:a16="http://schemas.microsoft.com/office/drawing/2014/main" id="{5961DC48-B4AF-4BEC-B963-651447A8317F}"/>
               </a:ext>
             </a:extLst>
           </p:cNvPr>
@@ -3197,7 +3197,7 @@
           <p:cNvPr id="9" name="Title">
             <a:extLst>
               <a:ext uri="{FF2B5EF4-FFF2-40B4-BE49-F238E27FC236}">
-                <a16:creationId xmlns:a16="http://schemas.microsoft.com/office/drawing/2014/main" xmlns="" id="{42835BA0-3094-4A70-9BF3-522D7BBF2D35}"/>
+                <a16:creationId xmlns:a16="http://schemas.microsoft.com/office/drawing/2014/main" id="{42835BA0-3094-4A70-9BF3-522D7BBF2D35}"/>
               </a:ext>
             </a:extLst>
           </p:cNvPr>
@@ -3271,7 +3271,7 @@
           <p:cNvPr id="11" name="CaixaDeTexto 10">
             <a:extLst>
               <a:ext uri="{FF2B5EF4-FFF2-40B4-BE49-F238E27FC236}">
-                <a16:creationId xmlns:a16="http://schemas.microsoft.com/office/drawing/2014/main" xmlns="" id="{1E777A50-C686-4B01-9D14-78EFE87A8864}"/>
+                <a16:creationId xmlns:a16="http://schemas.microsoft.com/office/drawing/2014/main" id="{1E777A50-C686-4B01-9D14-78EFE87A8864}"/>
               </a:ext>
             </a:extLst>
           </p:cNvPr>
@@ -6502,13 +6502,6 @@
   <p:clrMapOvr>
     <a:masterClrMapping/>
   </p:clrMapOvr>
-  <p:timing>
-    <p:tnLst>
-      <p:par>
-        <p:cTn id="1" dur="indefinite" restart="never" nodeType="tmRoot"/>
-      </p:par>
-    </p:tnLst>
-  </p:timing>
 </p:sld>
 </file>
 
@@ -7393,7 +7386,7 @@
           <p:cNvPr id="11" name="Imagem 10" descr="Uma imagem contendo objeto&#10;&#10;Descrição gerada com alta confiança">
             <a:extLst>
               <a:ext uri="{FF2B5EF4-FFF2-40B4-BE49-F238E27FC236}">
-                <a16:creationId xmlns:a16="http://schemas.microsoft.com/office/drawing/2014/main" xmlns="" id="{3876F10C-012B-4C9D-B8B5-DC62D2511AA2}"/>
+                <a16:creationId xmlns:a16="http://schemas.microsoft.com/office/drawing/2014/main" id="{3876F10C-012B-4C9D-B8B5-DC62D2511AA2}"/>
               </a:ext>
             </a:extLst>
           </p:cNvPr>
@@ -7431,6 +7424,104 @@
           </a:effectLst>
         </p:spPr>
       </p:pic>
+      <p:cxnSp>
+        <p:nvCxnSpPr>
+          <p:cNvPr id="12" name="Conector reto 11">
+            <a:extLst>
+              <a:ext uri="{FF2B5EF4-FFF2-40B4-BE49-F238E27FC236}">
+                <a16:creationId xmlns:a16="http://schemas.microsoft.com/office/drawing/2014/main" id="{AF9DFCBC-AE1A-414C-8EA4-BD961DDB80D8}"/>
+              </a:ext>
+            </a:extLst>
+          </p:cNvPr>
+          <p:cNvCxnSpPr>
+            <a:cxnSpLocks/>
+          </p:cNvCxnSpPr>
+          <p:nvPr/>
+        </p:nvCxnSpPr>
+        <p:spPr>
+          <a:xfrm flipV="1">
+            <a:off x="4477716" y="-486307"/>
+            <a:ext cx="1481574" cy="4288287"/>
+          </a:xfrm>
+          <a:prstGeom prst="line">
+            <a:avLst/>
+          </a:prstGeom>
+          <a:ln w="165100">
+            <a:gradFill>
+              <a:gsLst>
+                <a:gs pos="0">
+                  <a:srgbClr val="9F16B2"/>
+                </a:gs>
+                <a:gs pos="100000">
+                  <a:srgbClr val="621C49"/>
+                </a:gs>
+              </a:gsLst>
+              <a:lin ang="5400000" scaled="1"/>
+            </a:gradFill>
+          </a:ln>
+          <a:effectLst>
+            <a:outerShdw blurRad="50800" dist="38100" dir="2700000" algn="tl" rotWithShape="0">
+              <a:prstClr val="black">
+                <a:alpha val="40000"/>
+              </a:prstClr>
+            </a:outerShdw>
+          </a:effectLst>
+        </p:spPr>
+        <p:style>
+          <a:lnRef idx="3">
+            <a:schemeClr val="dk1"/>
+          </a:lnRef>
+          <a:fillRef idx="0">
+            <a:schemeClr val="dk1"/>
+          </a:fillRef>
+          <a:effectRef idx="2">
+            <a:schemeClr val="dk1"/>
+          </a:effectRef>
+          <a:fontRef idx="minor">
+            <a:schemeClr val="tx1"/>
+          </a:fontRef>
+        </p:style>
+      </p:cxnSp>
+      <p:sp>
+        <p:nvSpPr>
+          <p:cNvPr id="13" name="CaixaDeTexto 12">
+            <a:extLst>
+              <a:ext uri="{FF2B5EF4-FFF2-40B4-BE49-F238E27FC236}">
+                <a16:creationId xmlns:a16="http://schemas.microsoft.com/office/drawing/2014/main" id="{8D117424-5DF5-40FB-BAC8-C902F175FF8F}"/>
+              </a:ext>
+            </a:extLst>
+          </p:cNvPr>
+          <p:cNvSpPr txBox="1"/>
+          <p:nvPr/>
+        </p:nvSpPr>
+        <p:spPr>
+          <a:xfrm rot="1236052">
+            <a:off x="2383648" y="1789517"/>
+            <a:ext cx="219683" cy="261610"/>
+          </a:xfrm>
+          <a:prstGeom prst="rect">
+            <a:avLst/>
+          </a:prstGeom>
+          <a:noFill/>
+        </p:spPr>
+        <p:txBody>
+          <a:bodyPr wrap="square" rtlCol="0">
+            <a:spAutoFit/>
+          </a:bodyPr>
+          <a:lstStyle/>
+          <a:p>
+            <a:r>
+              <a:rPr lang="pt-BR" sz="1050" dirty="0">
+                <a:solidFill>
+                  <a:srgbClr val="06FD6B"/>
+                </a:solidFill>
+                <a:latin typeface="True Lies" panose="02000500000000000000" pitchFamily="2" charset="0"/>
+              </a:rPr>
+              <a:t>I</a:t>
+            </a:r>
+          </a:p>
+        </p:txBody>
+      </p:sp>
     </p:spTree>
     <p:extLst>
       <p:ext uri="{BB962C8B-B14F-4D97-AF65-F5344CB8AC3E}">
@@ -7441,13 +7532,6 @@
   <p:clrMapOvr>
     <a:masterClrMapping/>
   </p:clrMapOvr>
-  <p:timing>
-    <p:tnLst>
-      <p:par>
-        <p:cTn id="1" dur="indefinite" restart="never" nodeType="tmRoot"/>
-      </p:par>
-    </p:tnLst>
-  </p:timing>
 </p:sld>
 </file>
 
@@ -7473,7 +7557,7 @@
           <p:cNvPr id="4" name="Picture 6" descr="Imagem relacionada">
             <a:extLst>
               <a:ext uri="{FF2B5EF4-FFF2-40B4-BE49-F238E27FC236}">
-                <a16:creationId xmlns:a16="http://schemas.microsoft.com/office/drawing/2014/main" xmlns="" id="{290145D6-4FB3-419C-9733-CA16B68E35D4}"/>
+                <a16:creationId xmlns:a16="http://schemas.microsoft.com/office/drawing/2014/main" id="{290145D6-4FB3-419C-9733-CA16B68E35D4}"/>
               </a:ext>
             </a:extLst>
           </p:cNvPr>
@@ -7520,7 +7604,7 @@
           <p:cNvPr id="6" name="Forma Livre: Forma 4">
             <a:extLst>
               <a:ext uri="{FF2B5EF4-FFF2-40B4-BE49-F238E27FC236}">
-                <a16:creationId xmlns:a16="http://schemas.microsoft.com/office/drawing/2014/main" xmlns="" id="{9B3CBDC6-F54C-4C55-AE66-BB48241AE87B}"/>
+                <a16:creationId xmlns:a16="http://schemas.microsoft.com/office/drawing/2014/main" id="{9B3CBDC6-F54C-4C55-AE66-BB48241AE87B}"/>
               </a:ext>
             </a:extLst>
           </p:cNvPr>
@@ -7631,7 +7715,7 @@
           <p:cNvPr id="5" name="Conector reto 4">
             <a:extLst>
               <a:ext uri="{FF2B5EF4-FFF2-40B4-BE49-F238E27FC236}">
-                <a16:creationId xmlns:a16="http://schemas.microsoft.com/office/drawing/2014/main" xmlns="" id="{39FB38A1-9C04-40AB-B749-8D734E63228D}"/>
+                <a16:creationId xmlns:a16="http://schemas.microsoft.com/office/drawing/2014/main" id="{39FB38A1-9C04-40AB-B749-8D734E63228D}"/>
               </a:ext>
             </a:extLst>
           </p:cNvPr>
@@ -7693,7 +7777,7 @@
           <p:cNvPr id="7" name="Picture 2" descr="Resultado de imagem para d&amp;d logo">
             <a:extLst>
               <a:ext uri="{FF2B5EF4-FFF2-40B4-BE49-F238E27FC236}">
-                <a16:creationId xmlns:a16="http://schemas.microsoft.com/office/drawing/2014/main" xmlns="" id="{DEBB8596-D9AF-4BC5-A415-C5AE49BF074A}"/>
+                <a16:creationId xmlns:a16="http://schemas.microsoft.com/office/drawing/2014/main" id="{DEBB8596-D9AF-4BC5-A415-C5AE49BF074A}"/>
               </a:ext>
             </a:extLst>
           </p:cNvPr>
@@ -7763,7 +7847,7 @@
           <p:cNvPr id="8" name="Imagem 7" descr="Uma imagem contendo objeto ao ar livre, teia&#10;&#10;Descrição gerada com alta confiança">
             <a:extLst>
               <a:ext uri="{FF2B5EF4-FFF2-40B4-BE49-F238E27FC236}">
-                <a16:creationId xmlns:a16="http://schemas.microsoft.com/office/drawing/2014/main" xmlns="" id="{AA99A66A-B365-4C61-B906-400D9DC8184F}"/>
+                <a16:creationId xmlns:a16="http://schemas.microsoft.com/office/drawing/2014/main" id="{AA99A66A-B365-4C61-B906-400D9DC8184F}"/>
               </a:ext>
             </a:extLst>
           </p:cNvPr>
@@ -7813,7 +7897,7 @@
           <p:cNvPr id="9" name="Picture 4" descr="Resultado de imagem para triforce png">
             <a:extLst>
               <a:ext uri="{FF2B5EF4-FFF2-40B4-BE49-F238E27FC236}">
-                <a16:creationId xmlns:a16="http://schemas.microsoft.com/office/drawing/2014/main" xmlns="" id="{D3B189EC-2D47-4F16-8EA3-AE49DF72B346}"/>
+                <a16:creationId xmlns:a16="http://schemas.microsoft.com/office/drawing/2014/main" id="{D3B189EC-2D47-4F16-8EA3-AE49DF72B346}"/>
               </a:ext>
             </a:extLst>
           </p:cNvPr>
@@ -7867,7 +7951,7 @@
           <p:cNvPr id="10" name="Picture 6" descr="Resultado de imagem para harry potter png">
             <a:extLst>
               <a:ext uri="{FF2B5EF4-FFF2-40B4-BE49-F238E27FC236}">
-                <a16:creationId xmlns:a16="http://schemas.microsoft.com/office/drawing/2014/main" xmlns="" id="{AFA7A3A1-6E33-4C1E-ABE8-AB649D6E03AA}"/>
+                <a16:creationId xmlns:a16="http://schemas.microsoft.com/office/drawing/2014/main" id="{AFA7A3A1-6E33-4C1E-ABE8-AB649D6E03AA}"/>
               </a:ext>
             </a:extLst>
           </p:cNvPr>
@@ -7928,7 +8012,7 @@
           <p:cNvPr id="11" name="Picture 8" descr="Resultado de imagem para percy jackson png">
             <a:extLst>
               <a:ext uri="{FF2B5EF4-FFF2-40B4-BE49-F238E27FC236}">
-                <a16:creationId xmlns:a16="http://schemas.microsoft.com/office/drawing/2014/main" xmlns="" id="{F2452CE7-B24A-4B87-BD31-CD91D32F1EC4}"/>
+                <a16:creationId xmlns:a16="http://schemas.microsoft.com/office/drawing/2014/main" id="{F2452CE7-B24A-4B87-BD31-CD91D32F1EC4}"/>
               </a:ext>
             </a:extLst>
           </p:cNvPr>
@@ -7989,7 +8073,7 @@
           <p:cNvPr id="17" name="CaixaDeTexto 16">
             <a:extLst>
               <a:ext uri="{FF2B5EF4-FFF2-40B4-BE49-F238E27FC236}">
-                <a16:creationId xmlns:a16="http://schemas.microsoft.com/office/drawing/2014/main" xmlns="" id="{8625B2D8-C2F1-4657-A355-038F5E7B8740}"/>
+                <a16:creationId xmlns:a16="http://schemas.microsoft.com/office/drawing/2014/main" id="{8625B2D8-C2F1-4657-A355-038F5E7B8740}"/>
               </a:ext>
             </a:extLst>
           </p:cNvPr>
@@ -8077,7 +8161,7 @@
           <p:cNvPr id="18" name="Picture 2" descr="Resultado de imagem para linha divisÃ³ria">
             <a:extLst>
               <a:ext uri="{FF2B5EF4-FFF2-40B4-BE49-F238E27FC236}">
-                <a16:creationId xmlns:a16="http://schemas.microsoft.com/office/drawing/2014/main" xmlns="" id="{1AE329F0-7C04-4BF3-990D-2CD27037CB89}"/>
+                <a16:creationId xmlns:a16="http://schemas.microsoft.com/office/drawing/2014/main" id="{1AE329F0-7C04-4BF3-990D-2CD27037CB89}"/>
               </a:ext>
             </a:extLst>
           </p:cNvPr>
@@ -8138,7 +8222,7 @@
           <p:cNvPr id="19" name="CaixaDeTexto 18">
             <a:extLst>
               <a:ext uri="{FF2B5EF4-FFF2-40B4-BE49-F238E27FC236}">
-                <a16:creationId xmlns:a16="http://schemas.microsoft.com/office/drawing/2014/main" xmlns="" id="{D1F0ECA3-35A6-4F5C-96A9-FF770CC1832C}"/>
+                <a16:creationId xmlns:a16="http://schemas.microsoft.com/office/drawing/2014/main" id="{D1F0ECA3-35A6-4F5C-96A9-FF770CC1832C}"/>
               </a:ext>
             </a:extLst>
           </p:cNvPr>
@@ -8190,7 +8274,7 @@
           <p:cNvPr id="20" name="Picture 4" descr="Resultado de imagem para linha divisÃ³ria">
             <a:extLst>
               <a:ext uri="{FF2B5EF4-FFF2-40B4-BE49-F238E27FC236}">
-                <a16:creationId xmlns:a16="http://schemas.microsoft.com/office/drawing/2014/main" xmlns="" id="{085D4D2C-F178-4C12-AA96-40755BC20C26}"/>
+                <a16:creationId xmlns:a16="http://schemas.microsoft.com/office/drawing/2014/main" id="{085D4D2C-F178-4C12-AA96-40755BC20C26}"/>
               </a:ext>
             </a:extLst>
           </p:cNvPr>
@@ -8251,7 +8335,7 @@
           <p:cNvPr id="21" name="CaixaDeTexto 20">
             <a:extLst>
               <a:ext uri="{FF2B5EF4-FFF2-40B4-BE49-F238E27FC236}">
-                <a16:creationId xmlns:a16="http://schemas.microsoft.com/office/drawing/2014/main" xmlns="" id="{878A4CF1-93F4-4053-8342-6F2418DF34FC}"/>
+                <a16:creationId xmlns:a16="http://schemas.microsoft.com/office/drawing/2014/main" id="{878A4CF1-93F4-4053-8342-6F2418DF34FC}"/>
               </a:ext>
             </a:extLst>
           </p:cNvPr>
@@ -8304,13 +8388,6 @@
   <p:clrMapOvr>
     <a:masterClrMapping/>
   </p:clrMapOvr>
-  <p:timing>
-    <p:tnLst>
-      <p:par>
-        <p:cTn id="1" dur="indefinite" restart="never" nodeType="tmRoot"/>
-      </p:par>
-    </p:tnLst>
-  </p:timing>
 </p:sld>
 </file>
 
@@ -8336,7 +8413,7 @@
           <p:cNvPr id="12" name="Imagem 11">
             <a:extLst>
               <a:ext uri="{FF2B5EF4-FFF2-40B4-BE49-F238E27FC236}">
-                <a16:creationId xmlns:a16="http://schemas.microsoft.com/office/drawing/2014/main" xmlns="" id="{F0DBC76E-B314-4784-A03D-DC0CEF35E887}"/>
+                <a16:creationId xmlns:a16="http://schemas.microsoft.com/office/drawing/2014/main" id="{F0DBC76E-B314-4784-A03D-DC0CEF35E887}"/>
               </a:ext>
             </a:extLst>
           </p:cNvPr>
@@ -8372,7 +8449,7 @@
           <p:cNvPr id="5" name="Forma livre 7">
             <a:extLst>
               <a:ext uri="{FF2B5EF4-FFF2-40B4-BE49-F238E27FC236}">
-                <a16:creationId xmlns:a16="http://schemas.microsoft.com/office/drawing/2014/main" xmlns="" id="{BE5AC445-B32C-4612-935D-FFC307E39B6A}"/>
+                <a16:creationId xmlns:a16="http://schemas.microsoft.com/office/drawing/2014/main" id="{BE5AC445-B32C-4612-935D-FFC307E39B6A}"/>
               </a:ext>
             </a:extLst>
           </p:cNvPr>
@@ -8522,7 +8599,7 @@
           <p:cNvPr id="4" name="CaixaDeTexto 3">
             <a:extLst>
               <a:ext uri="{FF2B5EF4-FFF2-40B4-BE49-F238E27FC236}">
-                <a16:creationId xmlns:a16="http://schemas.microsoft.com/office/drawing/2014/main" xmlns="" id="{E7A4A7AB-5938-4E44-828D-575D276DFE44}"/>
+                <a16:creationId xmlns:a16="http://schemas.microsoft.com/office/drawing/2014/main" id="{E7A4A7AB-5938-4E44-828D-575D276DFE44}"/>
               </a:ext>
             </a:extLst>
           </p:cNvPr>
@@ -8570,7 +8647,7 @@
           <p:cNvPr id="6" name="Imagem 5" descr="Uma imagem contendo objeto&#10;&#10;Descrição gerada com alta confiança">
             <a:extLst>
               <a:ext uri="{FF2B5EF4-FFF2-40B4-BE49-F238E27FC236}">
-                <a16:creationId xmlns:a16="http://schemas.microsoft.com/office/drawing/2014/main" xmlns="" id="{088E9CD0-B79D-4E94-85C7-20DBB9802FD6}"/>
+                <a16:creationId xmlns:a16="http://schemas.microsoft.com/office/drawing/2014/main" id="{088E9CD0-B79D-4E94-85C7-20DBB9802FD6}"/>
               </a:ext>
             </a:extLst>
           </p:cNvPr>
@@ -8613,7 +8690,7 @@
           <p:cNvPr id="7" name="CaixaDeTexto 6">
             <a:extLst>
               <a:ext uri="{FF2B5EF4-FFF2-40B4-BE49-F238E27FC236}">
-                <a16:creationId xmlns:a16="http://schemas.microsoft.com/office/drawing/2014/main" xmlns="" id="{E156B7A0-2634-4D15-ABFD-4C091BE8E32E}"/>
+                <a16:creationId xmlns:a16="http://schemas.microsoft.com/office/drawing/2014/main" id="{E156B7A0-2634-4D15-ABFD-4C091BE8E32E}"/>
               </a:ext>
             </a:extLst>
           </p:cNvPr>
@@ -8661,7 +8738,7 @@
           <p:cNvPr id="8" name="CaixaDeTexto 7">
             <a:extLst>
               <a:ext uri="{FF2B5EF4-FFF2-40B4-BE49-F238E27FC236}">
-                <a16:creationId xmlns:a16="http://schemas.microsoft.com/office/drawing/2014/main" xmlns="" id="{8F5EB328-7C45-4B43-AAFA-457B52E9E7B5}"/>
+                <a16:creationId xmlns:a16="http://schemas.microsoft.com/office/drawing/2014/main" id="{8F5EB328-7C45-4B43-AAFA-457B52E9E7B5}"/>
               </a:ext>
             </a:extLst>
           </p:cNvPr>
@@ -8699,25 +8776,7 @@
                 </a:solidFill>
                 <a:latin typeface="Space Age" panose="02000500020000020004"/>
               </a:rPr>
-              <a:t>Tudo que </a:t>
-            </a:r>
-            <a:r>
-              <a:rPr lang="pt-BR" sz="2000" dirty="0" smtClean="0">
-                <a:solidFill>
-                  <a:srgbClr val="FFFA56"/>
-                </a:solidFill>
-                <a:latin typeface="Space Age" panose="02000500020000020004"/>
-              </a:rPr>
-              <a:t>você precisa para </a:t>
-            </a:r>
-            <a:r>
-              <a:rPr lang="pt-BR" sz="2000" dirty="0">
-                <a:solidFill>
-                  <a:srgbClr val="FFFA56"/>
-                </a:solidFill>
-                <a:latin typeface="Space Age" panose="02000500020000020004"/>
-              </a:rPr>
-              <a:t>programar, </a:t>
+              <a:t>Tudo que você precisa para programar, </a:t>
             </a:r>
           </a:p>
           <a:p>
@@ -8739,7 +8798,7 @@
           <p:cNvPr id="9" name="Imagem 8">
             <a:extLst>
               <a:ext uri="{FF2B5EF4-FFF2-40B4-BE49-F238E27FC236}">
-                <a16:creationId xmlns:a16="http://schemas.microsoft.com/office/drawing/2014/main" xmlns="" id="{88E6F922-1F28-47EF-9D11-F8E2D6876726}"/>
+                <a16:creationId xmlns:a16="http://schemas.microsoft.com/office/drawing/2014/main" id="{88E6F922-1F28-47EF-9D11-F8E2D6876726}"/>
               </a:ext>
             </a:extLst>
           </p:cNvPr>
@@ -8782,7 +8841,7 @@
           <p:cNvPr id="10" name="Divisa 21">
             <a:extLst>
               <a:ext uri="{FF2B5EF4-FFF2-40B4-BE49-F238E27FC236}">
-                <a16:creationId xmlns:a16="http://schemas.microsoft.com/office/drawing/2014/main" xmlns="" id="{5D63D741-493B-45B6-8790-3A2B94B2C2BF}"/>
+                <a16:creationId xmlns:a16="http://schemas.microsoft.com/office/drawing/2014/main" id="{5D63D741-493B-45B6-8790-3A2B94B2C2BF}"/>
               </a:ext>
             </a:extLst>
           </p:cNvPr>
@@ -8840,7 +8899,7 @@
           <p:cNvPr id="11" name="Divisa 21">
             <a:extLst>
               <a:ext uri="{FF2B5EF4-FFF2-40B4-BE49-F238E27FC236}">
-                <a16:creationId xmlns:a16="http://schemas.microsoft.com/office/drawing/2014/main" xmlns="" id="{CF9931BC-E221-4956-AE10-68E3840A87C8}"/>
+                <a16:creationId xmlns:a16="http://schemas.microsoft.com/office/drawing/2014/main" id="{CF9931BC-E221-4956-AE10-68E3840A87C8}"/>
               </a:ext>
             </a:extLst>
           </p:cNvPr>
@@ -8903,13 +8962,6 @@
   <p:clrMapOvr>
     <a:masterClrMapping/>
   </p:clrMapOvr>
-  <p:timing>
-    <p:tnLst>
-      <p:par>
-        <p:cTn id="1" dur="indefinite" restart="never" nodeType="tmRoot"/>
-      </p:par>
-    </p:tnLst>
-  </p:timing>
 </p:sld>
 </file>
 
@@ -8935,7 +8987,7 @@
           <p:cNvPr id="25" name="Conector reto 24">
             <a:extLst>
               <a:ext uri="{FF2B5EF4-FFF2-40B4-BE49-F238E27FC236}">
-                <a16:creationId xmlns:a16="http://schemas.microsoft.com/office/drawing/2014/main" xmlns="" id="{23F03046-AFE5-44CE-ADE1-BCB300F29F59}"/>
+                <a16:creationId xmlns:a16="http://schemas.microsoft.com/office/drawing/2014/main" id="{23F03046-AFE5-44CE-ADE1-BCB300F29F59}"/>
               </a:ext>
             </a:extLst>
           </p:cNvPr>
@@ -9000,7 +9052,7 @@
           <p:cNvPr id="23" name="Imagem 22">
             <a:extLst>
               <a:ext uri="{FF2B5EF4-FFF2-40B4-BE49-F238E27FC236}">
-                <a16:creationId xmlns:a16="http://schemas.microsoft.com/office/drawing/2014/main" xmlns="" id="{6BEE369A-C633-44DE-96E7-C33EEE65CE6C}"/>
+                <a16:creationId xmlns:a16="http://schemas.microsoft.com/office/drawing/2014/main" id="{6BEE369A-C633-44DE-96E7-C33EEE65CE6C}"/>
               </a:ext>
             </a:extLst>
           </p:cNvPr>
@@ -9036,7 +9088,7 @@
           <p:cNvPr id="22" name="Forma Livre: Forma 34">
             <a:extLst>
               <a:ext uri="{FF2B5EF4-FFF2-40B4-BE49-F238E27FC236}">
-                <a16:creationId xmlns:a16="http://schemas.microsoft.com/office/drawing/2014/main" xmlns="" id="{6130D5B5-9176-4C06-B2FF-7C7492A96B8D}"/>
+                <a16:creationId xmlns:a16="http://schemas.microsoft.com/office/drawing/2014/main" id="{6130D5B5-9176-4C06-B2FF-7C7492A96B8D}"/>
               </a:ext>
             </a:extLst>
           </p:cNvPr>
@@ -10467,7 +10519,7 @@
           <p:cNvPr id="5" name="Forma Livre: Forma 25">
             <a:extLst>
               <a:ext uri="{FF2B5EF4-FFF2-40B4-BE49-F238E27FC236}">
-                <a16:creationId xmlns:a16="http://schemas.microsoft.com/office/drawing/2014/main" xmlns="" id="{EFB59C8A-1011-479D-B48A-19D7F8952AC2}"/>
+                <a16:creationId xmlns:a16="http://schemas.microsoft.com/office/drawing/2014/main" id="{EFB59C8A-1011-479D-B48A-19D7F8952AC2}"/>
               </a:ext>
             </a:extLst>
           </p:cNvPr>
@@ -11015,7 +11067,7 @@
           <p:cNvPr id="21" name="Conector reto 20">
             <a:extLst>
               <a:ext uri="{FF2B5EF4-FFF2-40B4-BE49-F238E27FC236}">
-                <a16:creationId xmlns:a16="http://schemas.microsoft.com/office/drawing/2014/main" xmlns="" id="{CDB77289-EB1C-4AC4-826B-9CA38ED159FC}"/>
+                <a16:creationId xmlns:a16="http://schemas.microsoft.com/office/drawing/2014/main" id="{CDB77289-EB1C-4AC4-826B-9CA38ED159FC}"/>
               </a:ext>
             </a:extLst>
           </p:cNvPr>
@@ -11088,7 +11140,7 @@
           <p:cNvPr id="24" name="CaixaDeTexto 23">
             <a:extLst>
               <a:ext uri="{FF2B5EF4-FFF2-40B4-BE49-F238E27FC236}">
-                <a16:creationId xmlns:a16="http://schemas.microsoft.com/office/drawing/2014/main" xmlns="" id="{EDC7B27A-9DD0-4AB6-B501-AA69E11BC9F7}"/>
+                <a16:creationId xmlns:a16="http://schemas.microsoft.com/office/drawing/2014/main" id="{EDC7B27A-9DD0-4AB6-B501-AA69E11BC9F7}"/>
               </a:ext>
             </a:extLst>
           </p:cNvPr>
@@ -11168,13 +11220,6 @@
   <p:clrMapOvr>
     <a:masterClrMapping/>
   </p:clrMapOvr>
-  <p:timing>
-    <p:tnLst>
-      <p:par>
-        <p:cTn id="1" dur="indefinite" restart="never" nodeType="tmRoot"/>
-      </p:par>
-    </p:tnLst>
-  </p:timing>
 </p:sld>
 </file>
 
